--- a/PowerPoint-2013/PPT A-QST.pptx
+++ b/PowerPoint-2013/PPT A-QST.pptx
@@ -2,8 +2,11 @@
 <file path=ppt/presentation.xml><?xml version="1.0" encoding="utf-8"?>
 <p:presentation xmlns:a="http://schemas.openxmlformats.org/drawingml/2006/main" xmlns:r="http://schemas.openxmlformats.org/officeDocument/2006/relationships" xmlns:p="http://schemas.openxmlformats.org/presentationml/2006/main" saveSubsetFonts="1">
   <p:sldMasterIdLst>
-    <p:sldMasterId id="2147483648" r:id="rId1"/>
+    <p:sldMasterId id="2147483694" r:id="rId1"/>
   </p:sldMasterIdLst>
+  <p:notesMasterIdLst>
+    <p:notesMasterId r:id="rId5"/>
+  </p:notesMasterIdLst>
   <p:sldIdLst>
     <p:sldId id="256" r:id="rId2"/>
     <p:sldId id="257" r:id="rId3"/>
@@ -15,7 +18,7 @@
     <a:defPPr>
       <a:defRPr lang="en-US"/>
     </a:defPPr>
-    <a:lvl1pPr marL="0" algn="l" defTabSz="914400" rtl="0" eaLnBrk="1" latinLnBrk="0" hangingPunct="1">
+    <a:lvl1pPr marL="0" algn="l" defTabSz="457200" rtl="0" eaLnBrk="1" latinLnBrk="0" hangingPunct="1">
       <a:defRPr sz="1800" kern="1200">
         <a:solidFill>
           <a:schemeClr val="tx1"/>
@@ -25,7 +28,7 @@
         <a:cs typeface="+mn-cs"/>
       </a:defRPr>
     </a:lvl1pPr>
-    <a:lvl2pPr marL="457200" algn="l" defTabSz="914400" rtl="0" eaLnBrk="1" latinLnBrk="0" hangingPunct="1">
+    <a:lvl2pPr marL="457200" algn="l" defTabSz="457200" rtl="0" eaLnBrk="1" latinLnBrk="0" hangingPunct="1">
       <a:defRPr sz="1800" kern="1200">
         <a:solidFill>
           <a:schemeClr val="tx1"/>
@@ -35,7 +38,7 @@
         <a:cs typeface="+mn-cs"/>
       </a:defRPr>
     </a:lvl2pPr>
-    <a:lvl3pPr marL="914400" algn="l" defTabSz="914400" rtl="0" eaLnBrk="1" latinLnBrk="0" hangingPunct="1">
+    <a:lvl3pPr marL="914400" algn="l" defTabSz="457200" rtl="0" eaLnBrk="1" latinLnBrk="0" hangingPunct="1">
       <a:defRPr sz="1800" kern="1200">
         <a:solidFill>
           <a:schemeClr val="tx1"/>
@@ -45,7 +48,7 @@
         <a:cs typeface="+mn-cs"/>
       </a:defRPr>
     </a:lvl3pPr>
-    <a:lvl4pPr marL="1371600" algn="l" defTabSz="914400" rtl="0" eaLnBrk="1" latinLnBrk="0" hangingPunct="1">
+    <a:lvl4pPr marL="1371600" algn="l" defTabSz="457200" rtl="0" eaLnBrk="1" latinLnBrk="0" hangingPunct="1">
       <a:defRPr sz="1800" kern="1200">
         <a:solidFill>
           <a:schemeClr val="tx1"/>
@@ -55,7 +58,7 @@
         <a:cs typeface="+mn-cs"/>
       </a:defRPr>
     </a:lvl4pPr>
-    <a:lvl5pPr marL="1828800" algn="l" defTabSz="914400" rtl="0" eaLnBrk="1" latinLnBrk="0" hangingPunct="1">
+    <a:lvl5pPr marL="1828800" algn="l" defTabSz="457200" rtl="0" eaLnBrk="1" latinLnBrk="0" hangingPunct="1">
       <a:defRPr sz="1800" kern="1200">
         <a:solidFill>
           <a:schemeClr val="tx1"/>
@@ -65,7 +68,7 @@
         <a:cs typeface="+mn-cs"/>
       </a:defRPr>
     </a:lvl5pPr>
-    <a:lvl6pPr marL="2286000" algn="l" defTabSz="914400" rtl="0" eaLnBrk="1" latinLnBrk="0" hangingPunct="1">
+    <a:lvl6pPr marL="2286000" algn="l" defTabSz="457200" rtl="0" eaLnBrk="1" latinLnBrk="0" hangingPunct="1">
       <a:defRPr sz="1800" kern="1200">
         <a:solidFill>
           <a:schemeClr val="tx1"/>
@@ -75,7 +78,7 @@
         <a:cs typeface="+mn-cs"/>
       </a:defRPr>
     </a:lvl6pPr>
-    <a:lvl7pPr marL="2743200" algn="l" defTabSz="914400" rtl="0" eaLnBrk="1" latinLnBrk="0" hangingPunct="1">
+    <a:lvl7pPr marL="2743200" algn="l" defTabSz="457200" rtl="0" eaLnBrk="1" latinLnBrk="0" hangingPunct="1">
       <a:defRPr sz="1800" kern="1200">
         <a:solidFill>
           <a:schemeClr val="tx1"/>
@@ -85,7 +88,7 @@
         <a:cs typeface="+mn-cs"/>
       </a:defRPr>
     </a:lvl7pPr>
-    <a:lvl8pPr marL="3200400" algn="l" defTabSz="914400" rtl="0" eaLnBrk="1" latinLnBrk="0" hangingPunct="1">
+    <a:lvl8pPr marL="3200400" algn="l" defTabSz="457200" rtl="0" eaLnBrk="1" latinLnBrk="0" hangingPunct="1">
       <a:defRPr sz="1800" kern="1200">
         <a:solidFill>
           <a:schemeClr val="tx1"/>
@@ -95,7 +98,7 @@
         <a:cs typeface="+mn-cs"/>
       </a:defRPr>
     </a:lvl8pPr>
-    <a:lvl9pPr marL="3657600" algn="l" defTabSz="914400" rtl="0" eaLnBrk="1" latinLnBrk="0" hangingPunct="1">
+    <a:lvl9pPr marL="3657600" algn="l" defTabSz="457200" rtl="0" eaLnBrk="1" latinLnBrk="0" hangingPunct="1">
       <a:defRPr sz="1800" kern="1200">
         <a:solidFill>
           <a:schemeClr val="tx1"/>
@@ -114,8 +117,467 @@
 </p:presentation>
 </file>
 
+<file path=ppt/commentAuthors.xml><?xml version="1.0" encoding="utf-8"?>
+<p:cmAuthorLst xmlns:a="http://schemas.openxmlformats.org/drawingml/2006/main" xmlns:r="http://schemas.openxmlformats.org/officeDocument/2006/relationships" xmlns:p="http://schemas.openxmlformats.org/presentationml/2006/main">
+  <p:cmAuthor id="1" name="Gun Tan" initials="GT" lastIdx="1" clrIdx="0">
+    <p:extLst>
+      <p:ext uri="{19B8F6BF-5375-455C-9EA6-DF929625EA0E}">
+        <p15:presenceInfo xmlns:p15="http://schemas.microsoft.com/office/powerpoint/2012/main" userId="167ddf2d614f2d0a" providerId="Windows Live"/>
+      </p:ext>
+    </p:extLst>
+  </p:cmAuthor>
+</p:cmAuthorLst>
+</file>
+
+<file path=ppt/comments/comment1.xml><?xml version="1.0" encoding="utf-8"?>
+<p:cmLst xmlns:a="http://schemas.openxmlformats.org/drawingml/2006/main" xmlns:r="http://schemas.openxmlformats.org/officeDocument/2006/relationships" xmlns:p="http://schemas.openxmlformats.org/presentationml/2006/main">
+  <p:cm authorId="1" dt="2019-12-05T17:50:25.140" idx="1">
+    <p:pos x="10" y="10"/>
+    <p:text/>
+    <p:extLst>
+      <p:ext uri="{C676402C-5697-4E1C-873F-D02D1690AC5C}">
+        <p15:threadingInfo xmlns:p15="http://schemas.microsoft.com/office/powerpoint/2012/main" timeZoneBias="360"/>
+      </p:ext>
+    </p:extLst>
+  </p:cm>
+</p:cmLst>
+</file>
+
+<file path=ppt/notesMasters/notesMaster1.xml><?xml version="1.0" encoding="utf-8"?>
+<p:notesMaster xmlns:a="http://schemas.openxmlformats.org/drawingml/2006/main" xmlns:r="http://schemas.openxmlformats.org/officeDocument/2006/relationships" xmlns:p="http://schemas.openxmlformats.org/presentationml/2006/main">
+  <p:cSld>
+    <p:bg>
+      <p:bgRef idx="1001">
+        <a:schemeClr val="bg1"/>
+      </p:bgRef>
+    </p:bg>
+    <p:spTree>
+      <p:nvGrpSpPr>
+        <p:cNvPr id="1" name=""/>
+        <p:cNvGrpSpPr/>
+        <p:nvPr/>
+      </p:nvGrpSpPr>
+      <p:grpSpPr>
+        <a:xfrm>
+          <a:off x="0" y="0"/>
+          <a:ext cx="0" cy="0"/>
+          <a:chOff x="0" y="0"/>
+          <a:chExt cx="0" cy="0"/>
+        </a:xfrm>
+      </p:grpSpPr>
+      <p:sp>
+        <p:nvSpPr>
+          <p:cNvPr id="2" name="Header Placeholder 1"/>
+          <p:cNvSpPr>
+            <a:spLocks noGrp="1"/>
+          </p:cNvSpPr>
+          <p:nvPr>
+            <p:ph type="hdr" sz="quarter"/>
+          </p:nvPr>
+        </p:nvSpPr>
+        <p:spPr>
+          <a:xfrm>
+            <a:off x="0" y="0"/>
+            <a:ext cx="2971800" cy="458788"/>
+          </a:xfrm>
+          <a:prstGeom prst="rect">
+            <a:avLst/>
+          </a:prstGeom>
+        </p:spPr>
+        <p:txBody>
+          <a:bodyPr vert="horz" lIns="91440" tIns="45720" rIns="91440" bIns="45720" rtlCol="0"/>
+          <a:lstStyle>
+            <a:lvl1pPr algn="l">
+              <a:defRPr sz="1200"/>
+            </a:lvl1pPr>
+          </a:lstStyle>
+          <a:p>
+            <a:endParaRPr lang="en-US"/>
+          </a:p>
+        </p:txBody>
+      </p:sp>
+      <p:sp>
+        <p:nvSpPr>
+          <p:cNvPr id="3" name="Date Placeholder 2"/>
+          <p:cNvSpPr>
+            <a:spLocks noGrp="1"/>
+          </p:cNvSpPr>
+          <p:nvPr>
+            <p:ph type="dt" idx="1"/>
+          </p:nvPr>
+        </p:nvSpPr>
+        <p:spPr>
+          <a:xfrm>
+            <a:off x="3884613" y="0"/>
+            <a:ext cx="2971800" cy="458788"/>
+          </a:xfrm>
+          <a:prstGeom prst="rect">
+            <a:avLst/>
+          </a:prstGeom>
+        </p:spPr>
+        <p:txBody>
+          <a:bodyPr vert="horz" lIns="91440" tIns="45720" rIns="91440" bIns="45720" rtlCol="0"/>
+          <a:lstStyle>
+            <a:lvl1pPr algn="r">
+              <a:defRPr sz="1200"/>
+            </a:lvl1pPr>
+          </a:lstStyle>
+          <a:p>
+            <a:fld id="{4438C618-02A4-4F49-A0DB-366F090254CF}" type="datetimeFigureOut">
+              <a:rPr lang="en-US" smtClean="0"/>
+              <a:t>12/5/2019</a:t>
+            </a:fld>
+            <a:endParaRPr lang="en-US"/>
+          </a:p>
+        </p:txBody>
+      </p:sp>
+      <p:sp>
+        <p:nvSpPr>
+          <p:cNvPr id="4" name="Slide Image Placeholder 3"/>
+          <p:cNvSpPr>
+            <a:spLocks noGrp="1" noRot="1" noChangeAspect="1"/>
+          </p:cNvSpPr>
+          <p:nvPr>
+            <p:ph type="sldImg" idx="2"/>
+          </p:nvPr>
+        </p:nvSpPr>
+        <p:spPr>
+          <a:xfrm>
+            <a:off x="685800" y="1143000"/>
+            <a:ext cx="5486400" cy="3086100"/>
+          </a:xfrm>
+          <a:prstGeom prst="rect">
+            <a:avLst/>
+          </a:prstGeom>
+          <a:noFill/>
+          <a:ln w="12700">
+            <a:solidFill>
+              <a:prstClr val="black"/>
+            </a:solidFill>
+          </a:ln>
+        </p:spPr>
+        <p:txBody>
+          <a:bodyPr vert="horz" lIns="91440" tIns="45720" rIns="91440" bIns="45720" rtlCol="0" anchor="ctr"/>
+          <a:lstStyle/>
+          <a:p>
+            <a:endParaRPr lang="en-US"/>
+          </a:p>
+        </p:txBody>
+      </p:sp>
+      <p:sp>
+        <p:nvSpPr>
+          <p:cNvPr id="5" name="Notes Placeholder 4"/>
+          <p:cNvSpPr>
+            <a:spLocks noGrp="1"/>
+          </p:cNvSpPr>
+          <p:nvPr>
+            <p:ph type="body" sz="quarter" idx="3"/>
+          </p:nvPr>
+        </p:nvSpPr>
+        <p:spPr>
+          <a:xfrm>
+            <a:off x="685800" y="4400550"/>
+            <a:ext cx="5486400" cy="3600450"/>
+          </a:xfrm>
+          <a:prstGeom prst="rect">
+            <a:avLst/>
+          </a:prstGeom>
+        </p:spPr>
+        <p:txBody>
+          <a:bodyPr vert="horz" lIns="91440" tIns="45720" rIns="91440" bIns="45720" rtlCol="0"/>
+          <a:lstStyle/>
+          <a:p>
+            <a:pPr lvl="0"/>
+            <a:r>
+              <a:rPr lang="en-US"/>
+              <a:t>Click to edit Master text styles</a:t>
+            </a:r>
+          </a:p>
+          <a:p>
+            <a:pPr lvl="1"/>
+            <a:r>
+              <a:rPr lang="en-US"/>
+              <a:t>Second level</a:t>
+            </a:r>
+          </a:p>
+          <a:p>
+            <a:pPr lvl="2"/>
+            <a:r>
+              <a:rPr lang="en-US"/>
+              <a:t>Third level</a:t>
+            </a:r>
+          </a:p>
+          <a:p>
+            <a:pPr lvl="3"/>
+            <a:r>
+              <a:rPr lang="en-US"/>
+              <a:t>Fourth level</a:t>
+            </a:r>
+          </a:p>
+          <a:p>
+            <a:pPr lvl="4"/>
+            <a:r>
+              <a:rPr lang="en-US"/>
+              <a:t>Fifth level</a:t>
+            </a:r>
+          </a:p>
+        </p:txBody>
+      </p:sp>
+      <p:sp>
+        <p:nvSpPr>
+          <p:cNvPr id="6" name="Footer Placeholder 5"/>
+          <p:cNvSpPr>
+            <a:spLocks noGrp="1"/>
+          </p:cNvSpPr>
+          <p:nvPr>
+            <p:ph type="ftr" sz="quarter" idx="4"/>
+          </p:nvPr>
+        </p:nvSpPr>
+        <p:spPr>
+          <a:xfrm>
+            <a:off x="0" y="8685213"/>
+            <a:ext cx="2971800" cy="458787"/>
+          </a:xfrm>
+          <a:prstGeom prst="rect">
+            <a:avLst/>
+          </a:prstGeom>
+        </p:spPr>
+        <p:txBody>
+          <a:bodyPr vert="horz" lIns="91440" tIns="45720" rIns="91440" bIns="45720" rtlCol="0" anchor="b"/>
+          <a:lstStyle>
+            <a:lvl1pPr algn="l">
+              <a:defRPr sz="1200"/>
+            </a:lvl1pPr>
+          </a:lstStyle>
+          <a:p>
+            <a:endParaRPr lang="en-US"/>
+          </a:p>
+        </p:txBody>
+      </p:sp>
+      <p:sp>
+        <p:nvSpPr>
+          <p:cNvPr id="7" name="Slide Number Placeholder 6"/>
+          <p:cNvSpPr>
+            <a:spLocks noGrp="1"/>
+          </p:cNvSpPr>
+          <p:nvPr>
+            <p:ph type="sldNum" sz="quarter" idx="5"/>
+          </p:nvPr>
+        </p:nvSpPr>
+        <p:spPr>
+          <a:xfrm>
+            <a:off x="3884613" y="8685213"/>
+            <a:ext cx="2971800" cy="458787"/>
+          </a:xfrm>
+          <a:prstGeom prst="rect">
+            <a:avLst/>
+          </a:prstGeom>
+        </p:spPr>
+        <p:txBody>
+          <a:bodyPr vert="horz" lIns="91440" tIns="45720" rIns="91440" bIns="45720" rtlCol="0" anchor="b"/>
+          <a:lstStyle>
+            <a:lvl1pPr algn="r">
+              <a:defRPr sz="1200"/>
+            </a:lvl1pPr>
+          </a:lstStyle>
+          <a:p>
+            <a:fld id="{0998412E-3ED9-4A7B-8D66-CBB5CBAF70A7}" type="slidenum">
+              <a:rPr lang="en-US" smtClean="0"/>
+              <a:t>‹#›</a:t>
+            </a:fld>
+            <a:endParaRPr lang="en-US"/>
+          </a:p>
+        </p:txBody>
+      </p:sp>
+    </p:spTree>
+    <p:extLst>
+      <p:ext uri="{BB962C8B-B14F-4D97-AF65-F5344CB8AC3E}">
+        <p14:creationId xmlns:p14="http://schemas.microsoft.com/office/powerpoint/2010/main" val="4139994402"/>
+      </p:ext>
+    </p:extLst>
+  </p:cSld>
+  <p:clrMap bg1="lt1" tx1="dk1" bg2="lt2" tx2="dk2" accent1="accent1" accent2="accent2" accent3="accent3" accent4="accent4" accent5="accent5" accent6="accent6" hlink="hlink" folHlink="folHlink"/>
+  <p:notesStyle>
+    <a:lvl1pPr marL="0" algn="l" defTabSz="914400" rtl="0" eaLnBrk="1" latinLnBrk="0" hangingPunct="1">
+      <a:defRPr sz="1200" kern="1200">
+        <a:solidFill>
+          <a:schemeClr val="tx1"/>
+        </a:solidFill>
+        <a:latin typeface="+mn-lt"/>
+        <a:ea typeface="+mn-ea"/>
+        <a:cs typeface="+mn-cs"/>
+      </a:defRPr>
+    </a:lvl1pPr>
+    <a:lvl2pPr marL="457200" algn="l" defTabSz="914400" rtl="0" eaLnBrk="1" latinLnBrk="0" hangingPunct="1">
+      <a:defRPr sz="1200" kern="1200">
+        <a:solidFill>
+          <a:schemeClr val="tx1"/>
+        </a:solidFill>
+        <a:latin typeface="+mn-lt"/>
+        <a:ea typeface="+mn-ea"/>
+        <a:cs typeface="+mn-cs"/>
+      </a:defRPr>
+    </a:lvl2pPr>
+    <a:lvl3pPr marL="914400" algn="l" defTabSz="914400" rtl="0" eaLnBrk="1" latinLnBrk="0" hangingPunct="1">
+      <a:defRPr sz="1200" kern="1200">
+        <a:solidFill>
+          <a:schemeClr val="tx1"/>
+        </a:solidFill>
+        <a:latin typeface="+mn-lt"/>
+        <a:ea typeface="+mn-ea"/>
+        <a:cs typeface="+mn-cs"/>
+      </a:defRPr>
+    </a:lvl3pPr>
+    <a:lvl4pPr marL="1371600" algn="l" defTabSz="914400" rtl="0" eaLnBrk="1" latinLnBrk="0" hangingPunct="1">
+      <a:defRPr sz="1200" kern="1200">
+        <a:solidFill>
+          <a:schemeClr val="tx1"/>
+        </a:solidFill>
+        <a:latin typeface="+mn-lt"/>
+        <a:ea typeface="+mn-ea"/>
+        <a:cs typeface="+mn-cs"/>
+      </a:defRPr>
+    </a:lvl4pPr>
+    <a:lvl5pPr marL="1828800" algn="l" defTabSz="914400" rtl="0" eaLnBrk="1" latinLnBrk="0" hangingPunct="1">
+      <a:defRPr sz="1200" kern="1200">
+        <a:solidFill>
+          <a:schemeClr val="tx1"/>
+        </a:solidFill>
+        <a:latin typeface="+mn-lt"/>
+        <a:ea typeface="+mn-ea"/>
+        <a:cs typeface="+mn-cs"/>
+      </a:defRPr>
+    </a:lvl5pPr>
+    <a:lvl6pPr marL="2286000" algn="l" defTabSz="914400" rtl="0" eaLnBrk="1" latinLnBrk="0" hangingPunct="1">
+      <a:defRPr sz="1200" kern="1200">
+        <a:solidFill>
+          <a:schemeClr val="tx1"/>
+        </a:solidFill>
+        <a:latin typeface="+mn-lt"/>
+        <a:ea typeface="+mn-ea"/>
+        <a:cs typeface="+mn-cs"/>
+      </a:defRPr>
+    </a:lvl6pPr>
+    <a:lvl7pPr marL="2743200" algn="l" defTabSz="914400" rtl="0" eaLnBrk="1" latinLnBrk="0" hangingPunct="1">
+      <a:defRPr sz="1200" kern="1200">
+        <a:solidFill>
+          <a:schemeClr val="tx1"/>
+        </a:solidFill>
+        <a:latin typeface="+mn-lt"/>
+        <a:ea typeface="+mn-ea"/>
+        <a:cs typeface="+mn-cs"/>
+      </a:defRPr>
+    </a:lvl7pPr>
+    <a:lvl8pPr marL="3200400" algn="l" defTabSz="914400" rtl="0" eaLnBrk="1" latinLnBrk="0" hangingPunct="1">
+      <a:defRPr sz="1200" kern="1200">
+        <a:solidFill>
+          <a:schemeClr val="tx1"/>
+        </a:solidFill>
+        <a:latin typeface="+mn-lt"/>
+        <a:ea typeface="+mn-ea"/>
+        <a:cs typeface="+mn-cs"/>
+      </a:defRPr>
+    </a:lvl8pPr>
+    <a:lvl9pPr marL="3657600" algn="l" defTabSz="914400" rtl="0" eaLnBrk="1" latinLnBrk="0" hangingPunct="1">
+      <a:defRPr sz="1200" kern="1200">
+        <a:solidFill>
+          <a:schemeClr val="tx1"/>
+        </a:solidFill>
+        <a:latin typeface="+mn-lt"/>
+        <a:ea typeface="+mn-ea"/>
+        <a:cs typeface="+mn-cs"/>
+      </a:defRPr>
+    </a:lvl9pPr>
+  </p:notesStyle>
+</p:notesMaster>
+</file>
+
+<file path=ppt/notesSlides/notesSlide1.xml><?xml version="1.0" encoding="utf-8"?>
+<p:notes xmlns:a="http://schemas.openxmlformats.org/drawingml/2006/main" xmlns:r="http://schemas.openxmlformats.org/officeDocument/2006/relationships" xmlns:p="http://schemas.openxmlformats.org/presentationml/2006/main">
+  <p:cSld>
+    <p:spTree>
+      <p:nvGrpSpPr>
+        <p:cNvPr id="1" name=""/>
+        <p:cNvGrpSpPr/>
+        <p:nvPr/>
+      </p:nvGrpSpPr>
+      <p:grpSpPr>
+        <a:xfrm>
+          <a:off x="0" y="0"/>
+          <a:ext cx="0" cy="0"/>
+          <a:chOff x="0" y="0"/>
+          <a:chExt cx="0" cy="0"/>
+        </a:xfrm>
+      </p:grpSpPr>
+      <p:sp>
+        <p:nvSpPr>
+          <p:cNvPr id="2" name="Slide Image Placeholder 1"/>
+          <p:cNvSpPr>
+            <a:spLocks noGrp="1" noRot="1" noChangeAspect="1"/>
+          </p:cNvSpPr>
+          <p:nvPr>
+            <p:ph type="sldImg"/>
+          </p:nvPr>
+        </p:nvSpPr>
+        <p:spPr/>
+      </p:sp>
+      <p:sp>
+        <p:nvSpPr>
+          <p:cNvPr id="3" name="Notes Placeholder 2"/>
+          <p:cNvSpPr>
+            <a:spLocks noGrp="1"/>
+          </p:cNvSpPr>
+          <p:nvPr>
+            <p:ph type="body" idx="1"/>
+          </p:nvPr>
+        </p:nvSpPr>
+        <p:spPr/>
+        <p:txBody>
+          <a:bodyPr/>
+          <a:lstStyle/>
+          <a:p>
+            <a:endParaRPr lang="en-US" dirty="0"/>
+          </a:p>
+        </p:txBody>
+      </p:sp>
+      <p:sp>
+        <p:nvSpPr>
+          <p:cNvPr id="4" name="Slide Number Placeholder 3"/>
+          <p:cNvSpPr>
+            <a:spLocks noGrp="1"/>
+          </p:cNvSpPr>
+          <p:nvPr>
+            <p:ph type="sldNum" sz="quarter" idx="5"/>
+          </p:nvPr>
+        </p:nvSpPr>
+        <p:spPr/>
+        <p:txBody>
+          <a:bodyPr/>
+          <a:lstStyle/>
+          <a:p>
+            <a:fld id="{0998412E-3ED9-4A7B-8D66-CBB5CBAF70A7}" type="slidenum">
+              <a:rPr lang="en-US" smtClean="0"/>
+              <a:t>3</a:t>
+            </a:fld>
+            <a:endParaRPr lang="en-US"/>
+          </a:p>
+        </p:txBody>
+      </p:sp>
+    </p:spTree>
+    <p:extLst>
+      <p:ext uri="{BB962C8B-B14F-4D97-AF65-F5344CB8AC3E}">
+        <p14:creationId xmlns:p14="http://schemas.microsoft.com/office/powerpoint/2010/main" val="2881381801"/>
+      </p:ext>
+    </p:extLst>
+  </p:cSld>
+  <p:clrMapOvr>
+    <a:masterClrMapping/>
+  </p:clrMapOvr>
+</p:notes>
+</file>
+
 <file path=ppt/slideLayouts/slideLayout1.xml><?xml version="1.0" encoding="utf-8"?>
-<p:sldLayout xmlns:a="http://schemas.openxmlformats.org/drawingml/2006/main" xmlns:r="http://schemas.openxmlformats.org/officeDocument/2006/relationships" xmlns:p="http://schemas.openxmlformats.org/presentationml/2006/main" type="title" preserve="1">
+<p:sldLayout xmlns:a="http://schemas.openxmlformats.org/drawingml/2006/main" xmlns:r="http://schemas.openxmlformats.org/officeDocument/2006/relationships" xmlns:p="http://schemas.openxmlformats.org/presentationml/2006/main" showMasterSp="0" type="title" preserve="1">
   <p:cSld name="Title Slide">
     <p:spTree>
       <p:nvGrpSpPr>
@@ -131,15 +593,146 @@
           <a:chExt cx="0" cy="0"/>
         </a:xfrm>
       </p:grpSpPr>
-      <p:sp>
-        <p:nvSpPr>
-          <p:cNvPr id="2" name="Title 1">
-            <a:extLst>
-              <a:ext uri="{FF2B5EF4-FFF2-40B4-BE49-F238E27FC236}">
-                <a16:creationId xmlns:a16="http://schemas.microsoft.com/office/drawing/2014/main" id="{876CA833-DBB4-41E8-A4E8-C7D15D88FC2C}"/>
-              </a:ext>
-            </a:extLst>
-          </p:cNvPr>
+      <p:grpSp>
+        <p:nvGrpSpPr>
+          <p:cNvPr id="7" name="Group 6"/>
+          <p:cNvGrpSpPr/>
+          <p:nvPr/>
+        </p:nvGrpSpPr>
+        <p:grpSpPr>
+          <a:xfrm>
+            <a:off x="-16934" y="0"/>
+            <a:ext cx="12231160" cy="6856214"/>
+            <a:chOff x="-16934" y="0"/>
+            <a:chExt cx="12231160" cy="6856214"/>
+          </a:xfrm>
+        </p:grpSpPr>
+        <p:pic>
+          <p:nvPicPr>
+            <p:cNvPr id="16" name="Picture 15" descr="HD-PanelTitleR1.png"/>
+            <p:cNvPicPr>
+              <a:picLocks noChangeAspect="1"/>
+            </p:cNvPicPr>
+            <p:nvPr/>
+          </p:nvPicPr>
+          <p:blipFill>
+            <a:blip r:embed="rId2">
+              <a:extLst>
+                <a:ext uri="{28A0092B-C50C-407E-A947-70E740481C1C}">
+                  <a14:useLocalDpi xmlns:a14="http://schemas.microsoft.com/office/drawing/2010/main" val="0"/>
+                </a:ext>
+              </a:extLst>
+            </a:blip>
+            <a:stretch>
+              <a:fillRect/>
+            </a:stretch>
+          </p:blipFill>
+          <p:spPr>
+            <a:xfrm>
+              <a:off x="0" y="0"/>
+              <a:ext cx="12188825" cy="6856214"/>
+            </a:xfrm>
+            <a:prstGeom prst="rect">
+              <a:avLst/>
+            </a:prstGeom>
+          </p:spPr>
+        </p:pic>
+        <p:sp>
+          <p:nvSpPr>
+            <p:cNvPr id="26" name="Rectangle 25"/>
+            <p:cNvSpPr/>
+            <p:nvPr/>
+          </p:nvSpPr>
+          <p:spPr>
+            <a:xfrm>
+              <a:off x="2328332" y="1540931"/>
+              <a:ext cx="7543802" cy="3835401"/>
+            </a:xfrm>
+            <a:prstGeom prst="rect">
+              <a:avLst/>
+            </a:prstGeom>
+            <a:noFill/>
+            <a:ln w="15875">
+              <a:miter lim="800000"/>
+            </a:ln>
+          </p:spPr>
+          <p:style>
+            <a:lnRef idx="1">
+              <a:schemeClr val="accent1"/>
+            </a:lnRef>
+            <a:fillRef idx="3">
+              <a:schemeClr val="accent1"/>
+            </a:fillRef>
+            <a:effectRef idx="2">
+              <a:schemeClr val="accent1"/>
+            </a:effectRef>
+            <a:fontRef idx="minor">
+              <a:schemeClr val="lt1"/>
+            </a:fontRef>
+          </p:style>
+        </p:sp>
+        <p:pic>
+          <p:nvPicPr>
+            <p:cNvPr id="17" name="Picture 16" descr="HDRibbonTitle-UniformTrim.png"/>
+            <p:cNvPicPr>
+              <a:picLocks noChangeAspect="1"/>
+            </p:cNvPicPr>
+            <p:nvPr/>
+          </p:nvPicPr>
+          <p:blipFill rotWithShape="1">
+            <a:blip r:embed="rId3">
+              <a:extLst>
+                <a:ext uri="{28A0092B-C50C-407E-A947-70E740481C1C}">
+                  <a14:useLocalDpi xmlns:a14="http://schemas.microsoft.com/office/drawing/2010/main" val="0"/>
+                </a:ext>
+              </a:extLst>
+            </a:blip>
+            <a:srcRect/>
+            <a:stretch/>
+          </p:blipFill>
+          <p:spPr>
+            <a:xfrm>
+              <a:off x="-16934" y="3147609"/>
+              <a:ext cx="2478024" cy="612648"/>
+            </a:xfrm>
+            <a:prstGeom prst="rect">
+              <a:avLst/>
+            </a:prstGeom>
+          </p:spPr>
+        </p:pic>
+        <p:pic>
+          <p:nvPicPr>
+            <p:cNvPr id="20" name="Picture 19" descr="HDRibbonTitle-UniformTrim.png"/>
+            <p:cNvPicPr>
+              <a:picLocks noChangeAspect="1"/>
+            </p:cNvPicPr>
+            <p:nvPr/>
+          </p:nvPicPr>
+          <p:blipFill rotWithShape="1">
+            <a:blip r:embed="rId3">
+              <a:extLst>
+                <a:ext uri="{28A0092B-C50C-407E-A947-70E740481C1C}">
+                  <a14:useLocalDpi xmlns:a14="http://schemas.microsoft.com/office/drawing/2010/main" val="0"/>
+                </a:ext>
+              </a:extLst>
+            </a:blip>
+            <a:srcRect/>
+            <a:stretch/>
+          </p:blipFill>
+          <p:spPr>
+            <a:xfrm>
+              <a:off x="9736202" y="3147609"/>
+              <a:ext cx="2478024" cy="612648"/>
+            </a:xfrm>
+            <a:prstGeom prst="rect">
+              <a:avLst/>
+            </a:prstGeom>
+          </p:spPr>
+        </p:pic>
+      </p:grpSp>
+      <p:sp>
+        <p:nvSpPr>
+          <p:cNvPr id="2" name="Title 1"/>
           <p:cNvSpPr>
             <a:spLocks noGrp="1"/>
           </p:cNvSpPr>
@@ -149,15 +742,19 @@
         </p:nvSpPr>
         <p:spPr>
           <a:xfrm>
-            <a:off x="1524000" y="1122363"/>
-            <a:ext cx="9144000" cy="2387600"/>
+            <a:off x="2692398" y="1871131"/>
+            <a:ext cx="6815669" cy="1515533"/>
           </a:xfrm>
         </p:spPr>
         <p:txBody>
-          <a:bodyPr anchor="b"/>
+          <a:bodyPr anchor="b">
+            <a:noAutofit/>
+          </a:bodyPr>
           <a:lstStyle>
             <a:lvl1pPr algn="ctr">
-              <a:defRPr sz="6000"/>
+              <a:defRPr sz="5400">
+                <a:effectLst/>
+              </a:defRPr>
             </a:lvl1pPr>
           </a:lstStyle>
           <a:p>
@@ -165,18 +762,13 @@
               <a:rPr lang="en-US"/>
               <a:t>Click to edit Master title style</a:t>
             </a:r>
-          </a:p>
-        </p:txBody>
-      </p:sp>
-      <p:sp>
-        <p:nvSpPr>
-          <p:cNvPr id="3" name="Subtitle 2">
-            <a:extLst>
-              <a:ext uri="{FF2B5EF4-FFF2-40B4-BE49-F238E27FC236}">
-                <a16:creationId xmlns:a16="http://schemas.microsoft.com/office/drawing/2014/main" id="{E83B2EF6-86E9-43FD-A511-67E822DB6C54}"/>
-              </a:ext>
-            </a:extLst>
-          </p:cNvPr>
+            <a:endParaRPr lang="en-US" dirty="0"/>
+          </a:p>
+        </p:txBody>
+      </p:sp>
+      <p:sp>
+        <p:nvSpPr>
+          <p:cNvPr id="3" name="Subtitle 2"/>
           <p:cNvSpPr>
             <a:spLocks noGrp="1"/>
           </p:cNvSpPr>
@@ -186,48 +778,102 @@
         </p:nvSpPr>
         <p:spPr>
           <a:xfrm>
-            <a:off x="1524000" y="3602038"/>
-            <a:ext cx="9144000" cy="1655762"/>
+            <a:off x="2692398" y="3657597"/>
+            <a:ext cx="6815669" cy="1320802"/>
           </a:xfrm>
         </p:spPr>
         <p:txBody>
-          <a:bodyPr/>
+          <a:bodyPr anchor="t">
+            <a:normAutofit/>
+          </a:bodyPr>
           <a:lstStyle>
             <a:lvl1pPr marL="0" indent="0" algn="ctr">
               <a:buNone/>
-              <a:defRPr sz="2400"/>
+              <a:defRPr sz="2100">
+                <a:solidFill>
+                  <a:schemeClr val="tx1"/>
+                </a:solidFill>
+              </a:defRPr>
             </a:lvl1pPr>
             <a:lvl2pPr marL="457200" indent="0" algn="ctr">
               <a:buNone/>
-              <a:defRPr sz="2000"/>
+              <a:defRPr>
+                <a:solidFill>
+                  <a:schemeClr val="tx1">
+                    <a:tint val="75000"/>
+                  </a:schemeClr>
+                </a:solidFill>
+              </a:defRPr>
             </a:lvl2pPr>
             <a:lvl3pPr marL="914400" indent="0" algn="ctr">
               <a:buNone/>
-              <a:defRPr sz="1800"/>
+              <a:defRPr>
+                <a:solidFill>
+                  <a:schemeClr val="tx1">
+                    <a:tint val="75000"/>
+                  </a:schemeClr>
+                </a:solidFill>
+              </a:defRPr>
             </a:lvl3pPr>
             <a:lvl4pPr marL="1371600" indent="0" algn="ctr">
               <a:buNone/>
-              <a:defRPr sz="1600"/>
+              <a:defRPr>
+                <a:solidFill>
+                  <a:schemeClr val="tx1">
+                    <a:tint val="75000"/>
+                  </a:schemeClr>
+                </a:solidFill>
+              </a:defRPr>
             </a:lvl4pPr>
             <a:lvl5pPr marL="1828800" indent="0" algn="ctr">
               <a:buNone/>
-              <a:defRPr sz="1600"/>
+              <a:defRPr>
+                <a:solidFill>
+                  <a:schemeClr val="tx1">
+                    <a:tint val="75000"/>
+                  </a:schemeClr>
+                </a:solidFill>
+              </a:defRPr>
             </a:lvl5pPr>
             <a:lvl6pPr marL="2286000" indent="0" algn="ctr">
               <a:buNone/>
-              <a:defRPr sz="1600"/>
+              <a:defRPr>
+                <a:solidFill>
+                  <a:schemeClr val="tx1">
+                    <a:tint val="75000"/>
+                  </a:schemeClr>
+                </a:solidFill>
+              </a:defRPr>
             </a:lvl6pPr>
             <a:lvl7pPr marL="2743200" indent="0" algn="ctr">
               <a:buNone/>
-              <a:defRPr sz="1600"/>
+              <a:defRPr>
+                <a:solidFill>
+                  <a:schemeClr val="tx1">
+                    <a:tint val="75000"/>
+                  </a:schemeClr>
+                </a:solidFill>
+              </a:defRPr>
             </a:lvl7pPr>
             <a:lvl8pPr marL="3200400" indent="0" algn="ctr">
               <a:buNone/>
-              <a:defRPr sz="1600"/>
+              <a:defRPr>
+                <a:solidFill>
+                  <a:schemeClr val="tx1">
+                    <a:tint val="75000"/>
+                  </a:schemeClr>
+                </a:solidFill>
+              </a:defRPr>
             </a:lvl8pPr>
             <a:lvl9pPr marL="3657600" indent="0" algn="ctr">
               <a:buNone/>
-              <a:defRPr sz="1600"/>
+              <a:defRPr>
+                <a:solidFill>
+                  <a:schemeClr val="tx1">
+                    <a:tint val="75000"/>
+                  </a:schemeClr>
+                </a:solidFill>
+              </a:defRPr>
             </a:lvl9pPr>
           </a:lstStyle>
           <a:p>
@@ -235,18 +881,13 @@
               <a:rPr lang="en-US"/>
               <a:t>Click to edit Master subtitle style</a:t>
             </a:r>
-          </a:p>
-        </p:txBody>
-      </p:sp>
-      <p:sp>
-        <p:nvSpPr>
-          <p:cNvPr id="4" name="Date Placeholder 3">
-            <a:extLst>
-              <a:ext uri="{FF2B5EF4-FFF2-40B4-BE49-F238E27FC236}">
-                <a16:creationId xmlns:a16="http://schemas.microsoft.com/office/drawing/2014/main" id="{9F8A9B4F-CE01-4EF2-8AF9-DDF3348A7FD3}"/>
-              </a:ext>
-            </a:extLst>
-          </p:cNvPr>
+            <a:endParaRPr lang="en-US" dirty="0"/>
+          </a:p>
+        </p:txBody>
+      </p:sp>
+      <p:sp>
+        <p:nvSpPr>
+          <p:cNvPr id="4" name="Date Placeholder 3"/>
           <p:cNvSpPr>
             <a:spLocks noGrp="1"/>
           </p:cNvSpPr>
@@ -254,7 +895,12 @@
             <p:ph type="dt" sz="half" idx="10"/>
           </p:nvPr>
         </p:nvSpPr>
-        <p:spPr/>
+        <p:spPr>
+          <a:xfrm>
+            <a:off x="7983232" y="5037663"/>
+            <a:ext cx="897467" cy="279400"/>
+          </a:xfrm>
+        </p:spPr>
         <p:txBody>
           <a:bodyPr/>
           <a:lstStyle/>
@@ -269,13 +915,7 @@
       </p:sp>
       <p:sp>
         <p:nvSpPr>
-          <p:cNvPr id="5" name="Footer Placeholder 4">
-            <a:extLst>
-              <a:ext uri="{FF2B5EF4-FFF2-40B4-BE49-F238E27FC236}">
-                <a16:creationId xmlns:a16="http://schemas.microsoft.com/office/drawing/2014/main" id="{124C62B1-C256-48B2-9E37-2702152F98ED}"/>
-              </a:ext>
-            </a:extLst>
-          </p:cNvPr>
+          <p:cNvPr id="5" name="Footer Placeholder 4"/>
           <p:cNvSpPr>
             <a:spLocks noGrp="1"/>
           </p:cNvSpPr>
@@ -283,7 +923,12 @@
             <p:ph type="ftr" sz="quarter" idx="11"/>
           </p:nvPr>
         </p:nvSpPr>
-        <p:spPr/>
+        <p:spPr>
+          <a:xfrm>
+            <a:off x="2692397" y="5037663"/>
+            <a:ext cx="5214635" cy="279400"/>
+          </a:xfrm>
+        </p:spPr>
         <p:txBody>
           <a:bodyPr/>
           <a:lstStyle/>
@@ -294,13 +939,7 @@
       </p:sp>
       <p:sp>
         <p:nvSpPr>
-          <p:cNvPr id="6" name="Slide Number Placeholder 5">
-            <a:extLst>
-              <a:ext uri="{FF2B5EF4-FFF2-40B4-BE49-F238E27FC236}">
-                <a16:creationId xmlns:a16="http://schemas.microsoft.com/office/drawing/2014/main" id="{5E9F4F3A-95C6-4887-8BB4-EA7D3FCECFF4}"/>
-              </a:ext>
-            </a:extLst>
-          </p:cNvPr>
+          <p:cNvPr id="6" name="Slide Number Placeholder 5"/>
           <p:cNvSpPr>
             <a:spLocks noGrp="1"/>
           </p:cNvSpPr>
@@ -308,7 +947,12 @@
             <p:ph type="sldNum" sz="quarter" idx="12"/>
           </p:nvPr>
         </p:nvSpPr>
-        <p:spPr/>
+        <p:spPr>
+          <a:xfrm>
+            <a:off x="8956900" y="5037663"/>
+            <a:ext cx="551167" cy="279400"/>
+          </a:xfrm>
+        </p:spPr>
         <p:txBody>
           <a:bodyPr/>
           <a:lstStyle/>
@@ -321,10 +965,40 @@
           </a:p>
         </p:txBody>
       </p:sp>
+      <p:cxnSp>
+        <p:nvCxnSpPr>
+          <p:cNvPr id="15" name="Straight Connector 14"/>
+          <p:cNvCxnSpPr/>
+          <p:nvPr/>
+        </p:nvCxnSpPr>
+        <p:spPr>
+          <a:xfrm>
+            <a:off x="2692399" y="3522131"/>
+            <a:ext cx="6815668" cy="0"/>
+          </a:xfrm>
+          <a:prstGeom prst="line">
+            <a:avLst/>
+          </a:prstGeom>
+        </p:spPr>
+        <p:style>
+          <a:lnRef idx="2">
+            <a:schemeClr val="accent1"/>
+          </a:lnRef>
+          <a:fillRef idx="0">
+            <a:schemeClr val="accent1"/>
+          </a:fillRef>
+          <a:effectRef idx="1">
+            <a:schemeClr val="accent1"/>
+          </a:effectRef>
+          <a:fontRef idx="minor">
+            <a:schemeClr val="tx1"/>
+          </a:fontRef>
+        </p:style>
+      </p:cxnSp>
     </p:spTree>
     <p:extLst>
       <p:ext uri="{BB962C8B-B14F-4D97-AF65-F5344CB8AC3E}">
-        <p14:creationId xmlns:p14="http://schemas.microsoft.com/office/powerpoint/2010/main" val="854033138"/>
+        <p14:creationId xmlns:p14="http://schemas.microsoft.com/office/powerpoint/2010/main" val="3955304121"/>
       </p:ext>
     </p:extLst>
   </p:cSld>
@@ -335,6 +1009,2099 @@
 </file>
 
 <file path=ppt/slideLayouts/slideLayout10.xml><?xml version="1.0" encoding="utf-8"?>
+<p:sldLayout xmlns:a="http://schemas.openxmlformats.org/drawingml/2006/main" xmlns:r="http://schemas.openxmlformats.org/officeDocument/2006/relationships" xmlns:p="http://schemas.openxmlformats.org/presentationml/2006/main" preserve="1">
+  <p:cSld name="Panoramic Picture with Caption">
+    <p:spTree>
+      <p:nvGrpSpPr>
+        <p:cNvPr id="1" name=""/>
+        <p:cNvGrpSpPr/>
+        <p:nvPr/>
+      </p:nvGrpSpPr>
+      <p:grpSpPr>
+        <a:xfrm>
+          <a:off x="0" y="0"/>
+          <a:ext cx="0" cy="0"/>
+          <a:chOff x="0" y="0"/>
+          <a:chExt cx="0" cy="0"/>
+        </a:xfrm>
+      </p:grpSpPr>
+      <p:sp>
+        <p:nvSpPr>
+          <p:cNvPr id="2" name="Title 1"/>
+          <p:cNvSpPr>
+            <a:spLocks noGrp="1"/>
+          </p:cNvSpPr>
+          <p:nvPr>
+            <p:ph type="title"/>
+          </p:nvPr>
+        </p:nvSpPr>
+        <p:spPr>
+          <a:xfrm>
+            <a:off x="1295401" y="4815415"/>
+            <a:ext cx="9609666" cy="566738"/>
+          </a:xfrm>
+        </p:spPr>
+        <p:txBody>
+          <a:bodyPr anchor="b">
+            <a:normAutofit/>
+          </a:bodyPr>
+          <a:lstStyle>
+            <a:lvl1pPr algn="ctr">
+              <a:defRPr sz="2400" b="0"/>
+            </a:lvl1pPr>
+          </a:lstStyle>
+          <a:p>
+            <a:r>
+              <a:rPr lang="en-US"/>
+              <a:t>Click to edit Master title style</a:t>
+            </a:r>
+            <a:endParaRPr lang="en-US" dirty="0"/>
+          </a:p>
+        </p:txBody>
+      </p:sp>
+      <p:sp>
+        <p:nvSpPr>
+          <p:cNvPr id="3" name="Picture Placeholder 2"/>
+          <p:cNvSpPr>
+            <a:spLocks noGrp="1" noChangeAspect="1"/>
+          </p:cNvSpPr>
+          <p:nvPr>
+            <p:ph type="pic" idx="1"/>
+          </p:nvPr>
+        </p:nvSpPr>
+        <p:spPr>
+          <a:xfrm>
+            <a:off x="1041427" y="1041399"/>
+            <a:ext cx="10105972" cy="3335869"/>
+          </a:xfrm>
+          <a:prstGeom prst="roundRect">
+            <a:avLst>
+              <a:gd name="adj" fmla="val 0"/>
+            </a:avLst>
+          </a:prstGeom>
+          <a:ln w="57150" cmpd="thickThin">
+            <a:solidFill>
+              <a:schemeClr val="tx1">
+                <a:lumMod val="50000"/>
+                <a:lumOff val="50000"/>
+              </a:schemeClr>
+            </a:solidFill>
+            <a:miter lim="800000"/>
+          </a:ln>
+          <a:effectLst>
+            <a:innerShdw blurRad="57150" dist="38100" dir="14460000">
+              <a:srgbClr val="000000">
+                <a:alpha val="70000"/>
+              </a:srgbClr>
+            </a:innerShdw>
+          </a:effectLst>
+        </p:spPr>
+        <p:txBody>
+          <a:bodyPr anchor="t">
+            <a:normAutofit/>
+          </a:bodyPr>
+          <a:lstStyle>
+            <a:lvl1pPr marL="0" indent="0" algn="ctr">
+              <a:buNone/>
+              <a:defRPr sz="1600"/>
+            </a:lvl1pPr>
+            <a:lvl2pPr marL="457200" indent="0">
+              <a:buNone/>
+              <a:defRPr sz="1600"/>
+            </a:lvl2pPr>
+            <a:lvl3pPr marL="914400" indent="0">
+              <a:buNone/>
+              <a:defRPr sz="1600"/>
+            </a:lvl3pPr>
+            <a:lvl4pPr marL="1371600" indent="0">
+              <a:buNone/>
+              <a:defRPr sz="1600"/>
+            </a:lvl4pPr>
+            <a:lvl5pPr marL="1828800" indent="0">
+              <a:buNone/>
+              <a:defRPr sz="1600"/>
+            </a:lvl5pPr>
+            <a:lvl6pPr marL="2286000" indent="0">
+              <a:buNone/>
+              <a:defRPr sz="1600"/>
+            </a:lvl6pPr>
+            <a:lvl7pPr marL="2743200" indent="0">
+              <a:buNone/>
+              <a:defRPr sz="1600"/>
+            </a:lvl7pPr>
+            <a:lvl8pPr marL="3200400" indent="0">
+              <a:buNone/>
+              <a:defRPr sz="1600"/>
+            </a:lvl8pPr>
+            <a:lvl9pPr marL="3657600" indent="0">
+              <a:buNone/>
+              <a:defRPr sz="1600"/>
+            </a:lvl9pPr>
+          </a:lstStyle>
+          <a:p>
+            <a:r>
+              <a:rPr lang="en-US"/>
+              <a:t>Click icon to add picture</a:t>
+            </a:r>
+            <a:endParaRPr lang="en-US" dirty="0"/>
+          </a:p>
+        </p:txBody>
+      </p:sp>
+      <p:sp>
+        <p:nvSpPr>
+          <p:cNvPr id="4" name="Text Placeholder 3"/>
+          <p:cNvSpPr>
+            <a:spLocks noGrp="1"/>
+          </p:cNvSpPr>
+          <p:nvPr>
+            <p:ph type="body" sz="half" idx="2"/>
+          </p:nvPr>
+        </p:nvSpPr>
+        <p:spPr>
+          <a:xfrm>
+            <a:off x="1295401" y="5382153"/>
+            <a:ext cx="9609666" cy="493712"/>
+          </a:xfrm>
+        </p:spPr>
+        <p:txBody>
+          <a:bodyPr>
+            <a:normAutofit/>
+          </a:bodyPr>
+          <a:lstStyle>
+            <a:lvl1pPr marL="0" indent="0" algn="ctr">
+              <a:buNone/>
+              <a:defRPr sz="1400"/>
+            </a:lvl1pPr>
+            <a:lvl2pPr marL="457200" indent="0">
+              <a:buNone/>
+              <a:defRPr sz="1200"/>
+            </a:lvl2pPr>
+            <a:lvl3pPr marL="914400" indent="0">
+              <a:buNone/>
+              <a:defRPr sz="1000"/>
+            </a:lvl3pPr>
+            <a:lvl4pPr marL="1371600" indent="0">
+              <a:buNone/>
+              <a:defRPr sz="900"/>
+            </a:lvl4pPr>
+            <a:lvl5pPr marL="1828800" indent="0">
+              <a:buNone/>
+              <a:defRPr sz="900"/>
+            </a:lvl5pPr>
+            <a:lvl6pPr marL="2286000" indent="0">
+              <a:buNone/>
+              <a:defRPr sz="900"/>
+            </a:lvl6pPr>
+            <a:lvl7pPr marL="2743200" indent="0">
+              <a:buNone/>
+              <a:defRPr sz="900"/>
+            </a:lvl7pPr>
+            <a:lvl8pPr marL="3200400" indent="0">
+              <a:buNone/>
+              <a:defRPr sz="900"/>
+            </a:lvl8pPr>
+            <a:lvl9pPr marL="3657600" indent="0">
+              <a:buNone/>
+              <a:defRPr sz="900"/>
+            </a:lvl9pPr>
+          </a:lstStyle>
+          <a:p>
+            <a:pPr lvl="0"/>
+            <a:r>
+              <a:rPr lang="en-US"/>
+              <a:t>Click to edit Master text styles</a:t>
+            </a:r>
+          </a:p>
+        </p:txBody>
+      </p:sp>
+      <p:sp>
+        <p:nvSpPr>
+          <p:cNvPr id="5" name="Date Placeholder 4"/>
+          <p:cNvSpPr>
+            <a:spLocks noGrp="1"/>
+          </p:cNvSpPr>
+          <p:nvPr>
+            <p:ph type="dt" sz="half" idx="10"/>
+          </p:nvPr>
+        </p:nvSpPr>
+        <p:spPr/>
+        <p:txBody>
+          <a:bodyPr/>
+          <a:lstStyle/>
+          <a:p>
+            <a:fld id="{ED340025-97FB-45C2-8489-5CC4D8912124}" type="datetimeFigureOut">
+              <a:rPr lang="en-US" smtClean="0"/>
+              <a:t>12/5/2019</a:t>
+            </a:fld>
+            <a:endParaRPr lang="en-US"/>
+          </a:p>
+        </p:txBody>
+      </p:sp>
+      <p:sp>
+        <p:nvSpPr>
+          <p:cNvPr id="6" name="Footer Placeholder 5"/>
+          <p:cNvSpPr>
+            <a:spLocks noGrp="1"/>
+          </p:cNvSpPr>
+          <p:nvPr>
+            <p:ph type="ftr" sz="quarter" idx="11"/>
+          </p:nvPr>
+        </p:nvSpPr>
+        <p:spPr/>
+        <p:txBody>
+          <a:bodyPr/>
+          <a:lstStyle/>
+          <a:p>
+            <a:endParaRPr lang="en-US"/>
+          </a:p>
+        </p:txBody>
+      </p:sp>
+      <p:sp>
+        <p:nvSpPr>
+          <p:cNvPr id="7" name="Slide Number Placeholder 6"/>
+          <p:cNvSpPr>
+            <a:spLocks noGrp="1"/>
+          </p:cNvSpPr>
+          <p:nvPr>
+            <p:ph type="sldNum" sz="quarter" idx="12"/>
+          </p:nvPr>
+        </p:nvSpPr>
+        <p:spPr/>
+        <p:txBody>
+          <a:bodyPr/>
+          <a:lstStyle/>
+          <a:p>
+            <a:fld id="{FF2C20B0-DC66-4A70-821B-30D4F417F0F1}" type="slidenum">
+              <a:rPr lang="en-US" smtClean="0"/>
+              <a:t>‹#›</a:t>
+            </a:fld>
+            <a:endParaRPr lang="en-US"/>
+          </a:p>
+        </p:txBody>
+      </p:sp>
+    </p:spTree>
+    <p:extLst>
+      <p:ext uri="{BB962C8B-B14F-4D97-AF65-F5344CB8AC3E}">
+        <p14:creationId xmlns:p14="http://schemas.microsoft.com/office/powerpoint/2010/main" val="4244568893"/>
+      </p:ext>
+    </p:extLst>
+  </p:cSld>
+  <p:clrMapOvr>
+    <a:masterClrMapping/>
+  </p:clrMapOvr>
+</p:sldLayout>
+</file>
+
+<file path=ppt/slideLayouts/slideLayout11.xml><?xml version="1.0" encoding="utf-8"?>
+<p:sldLayout xmlns:a="http://schemas.openxmlformats.org/drawingml/2006/main" xmlns:r="http://schemas.openxmlformats.org/officeDocument/2006/relationships" xmlns:p="http://schemas.openxmlformats.org/presentationml/2006/main" preserve="1">
+  <p:cSld name="Title and Caption">
+    <p:spTree>
+      <p:nvGrpSpPr>
+        <p:cNvPr id="1" name=""/>
+        <p:cNvGrpSpPr/>
+        <p:nvPr/>
+      </p:nvGrpSpPr>
+      <p:grpSpPr>
+        <a:xfrm>
+          <a:off x="0" y="0"/>
+          <a:ext cx="0" cy="0"/>
+          <a:chOff x="0" y="0"/>
+          <a:chExt cx="0" cy="0"/>
+        </a:xfrm>
+      </p:grpSpPr>
+      <p:sp>
+        <p:nvSpPr>
+          <p:cNvPr id="2" name="Title 1"/>
+          <p:cNvSpPr>
+            <a:spLocks noGrp="1"/>
+          </p:cNvSpPr>
+          <p:nvPr>
+            <p:ph type="title"/>
+          </p:nvPr>
+        </p:nvSpPr>
+        <p:spPr>
+          <a:xfrm>
+            <a:off x="1303868" y="982132"/>
+            <a:ext cx="9592732" cy="2954868"/>
+          </a:xfrm>
+        </p:spPr>
+        <p:txBody>
+          <a:bodyPr anchor="ctr">
+            <a:normAutofit/>
+          </a:bodyPr>
+          <a:lstStyle>
+            <a:lvl1pPr algn="ctr">
+              <a:defRPr sz="3200" b="0" cap="none"/>
+            </a:lvl1pPr>
+          </a:lstStyle>
+          <a:p>
+            <a:r>
+              <a:rPr lang="en-US"/>
+              <a:t>Click to edit Master title style</a:t>
+            </a:r>
+            <a:endParaRPr lang="en-US" dirty="0"/>
+          </a:p>
+        </p:txBody>
+      </p:sp>
+      <p:sp>
+        <p:nvSpPr>
+          <p:cNvPr id="3" name="Text Placeholder 2"/>
+          <p:cNvSpPr>
+            <a:spLocks noGrp="1"/>
+          </p:cNvSpPr>
+          <p:nvPr>
+            <p:ph type="body" idx="1"/>
+          </p:nvPr>
+        </p:nvSpPr>
+        <p:spPr>
+          <a:xfrm>
+            <a:off x="1303868" y="4343399"/>
+            <a:ext cx="9592732" cy="1532467"/>
+          </a:xfrm>
+        </p:spPr>
+        <p:txBody>
+          <a:bodyPr anchor="ctr">
+            <a:normAutofit/>
+          </a:bodyPr>
+          <a:lstStyle>
+            <a:lvl1pPr marL="0" indent="0" algn="ctr">
+              <a:buNone/>
+              <a:defRPr sz="2000">
+                <a:solidFill>
+                  <a:schemeClr val="tx1"/>
+                </a:solidFill>
+              </a:defRPr>
+            </a:lvl1pPr>
+            <a:lvl2pPr marL="457200" indent="0">
+              <a:buNone/>
+              <a:defRPr sz="1800">
+                <a:solidFill>
+                  <a:schemeClr val="tx1">
+                    <a:tint val="75000"/>
+                  </a:schemeClr>
+                </a:solidFill>
+              </a:defRPr>
+            </a:lvl2pPr>
+            <a:lvl3pPr marL="914400" indent="0">
+              <a:buNone/>
+              <a:defRPr sz="1600">
+                <a:solidFill>
+                  <a:schemeClr val="tx1">
+                    <a:tint val="75000"/>
+                  </a:schemeClr>
+                </a:solidFill>
+              </a:defRPr>
+            </a:lvl3pPr>
+            <a:lvl4pPr marL="1371600" indent="0">
+              <a:buNone/>
+              <a:defRPr sz="1400">
+                <a:solidFill>
+                  <a:schemeClr val="tx1">
+                    <a:tint val="75000"/>
+                  </a:schemeClr>
+                </a:solidFill>
+              </a:defRPr>
+            </a:lvl4pPr>
+            <a:lvl5pPr marL="1828800" indent="0">
+              <a:buNone/>
+              <a:defRPr sz="1400">
+                <a:solidFill>
+                  <a:schemeClr val="tx1">
+                    <a:tint val="75000"/>
+                  </a:schemeClr>
+                </a:solidFill>
+              </a:defRPr>
+            </a:lvl5pPr>
+            <a:lvl6pPr marL="2286000" indent="0">
+              <a:buNone/>
+              <a:defRPr sz="1400">
+                <a:solidFill>
+                  <a:schemeClr val="tx1">
+                    <a:tint val="75000"/>
+                  </a:schemeClr>
+                </a:solidFill>
+              </a:defRPr>
+            </a:lvl6pPr>
+            <a:lvl7pPr marL="2743200" indent="0">
+              <a:buNone/>
+              <a:defRPr sz="1400">
+                <a:solidFill>
+                  <a:schemeClr val="tx1">
+                    <a:tint val="75000"/>
+                  </a:schemeClr>
+                </a:solidFill>
+              </a:defRPr>
+            </a:lvl7pPr>
+            <a:lvl8pPr marL="3200400" indent="0">
+              <a:buNone/>
+              <a:defRPr sz="1400">
+                <a:solidFill>
+                  <a:schemeClr val="tx1">
+                    <a:tint val="75000"/>
+                  </a:schemeClr>
+                </a:solidFill>
+              </a:defRPr>
+            </a:lvl8pPr>
+            <a:lvl9pPr marL="3657600" indent="0">
+              <a:buNone/>
+              <a:defRPr sz="1400">
+                <a:solidFill>
+                  <a:schemeClr val="tx1">
+                    <a:tint val="75000"/>
+                  </a:schemeClr>
+                </a:solidFill>
+              </a:defRPr>
+            </a:lvl9pPr>
+          </a:lstStyle>
+          <a:p>
+            <a:pPr lvl="0"/>
+            <a:r>
+              <a:rPr lang="en-US"/>
+              <a:t>Click to edit Master text styles</a:t>
+            </a:r>
+          </a:p>
+        </p:txBody>
+      </p:sp>
+      <p:sp>
+        <p:nvSpPr>
+          <p:cNvPr id="4" name="Date Placeholder 3"/>
+          <p:cNvSpPr>
+            <a:spLocks noGrp="1"/>
+          </p:cNvSpPr>
+          <p:nvPr>
+            <p:ph type="dt" sz="half" idx="10"/>
+          </p:nvPr>
+        </p:nvSpPr>
+        <p:spPr/>
+        <p:txBody>
+          <a:bodyPr/>
+          <a:lstStyle/>
+          <a:p>
+            <a:fld id="{ED340025-97FB-45C2-8489-5CC4D8912124}" type="datetimeFigureOut">
+              <a:rPr lang="en-US" smtClean="0"/>
+              <a:t>12/5/2019</a:t>
+            </a:fld>
+            <a:endParaRPr lang="en-US"/>
+          </a:p>
+        </p:txBody>
+      </p:sp>
+      <p:sp>
+        <p:nvSpPr>
+          <p:cNvPr id="5" name="Footer Placeholder 4"/>
+          <p:cNvSpPr>
+            <a:spLocks noGrp="1"/>
+          </p:cNvSpPr>
+          <p:nvPr>
+            <p:ph type="ftr" sz="quarter" idx="11"/>
+          </p:nvPr>
+        </p:nvSpPr>
+        <p:spPr/>
+        <p:txBody>
+          <a:bodyPr/>
+          <a:lstStyle/>
+          <a:p>
+            <a:endParaRPr lang="en-US"/>
+          </a:p>
+        </p:txBody>
+      </p:sp>
+      <p:sp>
+        <p:nvSpPr>
+          <p:cNvPr id="6" name="Slide Number Placeholder 5"/>
+          <p:cNvSpPr>
+            <a:spLocks noGrp="1"/>
+          </p:cNvSpPr>
+          <p:nvPr>
+            <p:ph type="sldNum" sz="quarter" idx="12"/>
+          </p:nvPr>
+        </p:nvSpPr>
+        <p:spPr/>
+        <p:txBody>
+          <a:bodyPr/>
+          <a:lstStyle/>
+          <a:p>
+            <a:fld id="{FF2C20B0-DC66-4A70-821B-30D4F417F0F1}" type="slidenum">
+              <a:rPr lang="en-US" smtClean="0"/>
+              <a:t>‹#›</a:t>
+            </a:fld>
+            <a:endParaRPr lang="en-US"/>
+          </a:p>
+        </p:txBody>
+      </p:sp>
+      <p:cxnSp>
+        <p:nvCxnSpPr>
+          <p:cNvPr id="15" name="Straight Connector 14"/>
+          <p:cNvCxnSpPr/>
+          <p:nvPr/>
+        </p:nvCxnSpPr>
+        <p:spPr>
+          <a:xfrm>
+            <a:off x="1396169" y="4140199"/>
+            <a:ext cx="9407298" cy="0"/>
+          </a:xfrm>
+          <a:prstGeom prst="line">
+            <a:avLst/>
+          </a:prstGeom>
+          <a:ln w="15875"/>
+        </p:spPr>
+        <p:style>
+          <a:lnRef idx="2">
+            <a:schemeClr val="accent1"/>
+          </a:lnRef>
+          <a:fillRef idx="0">
+            <a:schemeClr val="accent1"/>
+          </a:fillRef>
+          <a:effectRef idx="1">
+            <a:schemeClr val="accent1"/>
+          </a:effectRef>
+          <a:fontRef idx="minor">
+            <a:schemeClr val="tx1"/>
+          </a:fontRef>
+        </p:style>
+      </p:cxnSp>
+    </p:spTree>
+    <p:extLst>
+      <p:ext uri="{BB962C8B-B14F-4D97-AF65-F5344CB8AC3E}">
+        <p14:creationId xmlns:p14="http://schemas.microsoft.com/office/powerpoint/2010/main" val="2150752327"/>
+      </p:ext>
+    </p:extLst>
+  </p:cSld>
+  <p:clrMapOvr>
+    <a:masterClrMapping/>
+  </p:clrMapOvr>
+</p:sldLayout>
+</file>
+
+<file path=ppt/slideLayouts/slideLayout12.xml><?xml version="1.0" encoding="utf-8"?>
+<p:sldLayout xmlns:a="http://schemas.openxmlformats.org/drawingml/2006/main" xmlns:r="http://schemas.openxmlformats.org/officeDocument/2006/relationships" xmlns:p="http://schemas.openxmlformats.org/presentationml/2006/main" preserve="1">
+  <p:cSld name="Quote with Caption">
+    <p:spTree>
+      <p:nvGrpSpPr>
+        <p:cNvPr id="1" name=""/>
+        <p:cNvGrpSpPr/>
+        <p:nvPr/>
+      </p:nvGrpSpPr>
+      <p:grpSpPr>
+        <a:xfrm>
+          <a:off x="0" y="0"/>
+          <a:ext cx="0" cy="0"/>
+          <a:chOff x="0" y="0"/>
+          <a:chExt cx="0" cy="0"/>
+        </a:xfrm>
+      </p:grpSpPr>
+      <p:sp>
+        <p:nvSpPr>
+          <p:cNvPr id="2" name="Title 1"/>
+          <p:cNvSpPr>
+            <a:spLocks noGrp="1"/>
+          </p:cNvSpPr>
+          <p:nvPr>
+            <p:ph type="title"/>
+          </p:nvPr>
+        </p:nvSpPr>
+        <p:spPr>
+          <a:xfrm>
+            <a:off x="1446213" y="982132"/>
+            <a:ext cx="9296398" cy="2370668"/>
+          </a:xfrm>
+        </p:spPr>
+        <p:txBody>
+          <a:bodyPr anchor="ctr">
+            <a:normAutofit/>
+          </a:bodyPr>
+          <a:lstStyle>
+            <a:lvl1pPr algn="ctr">
+              <a:defRPr sz="3200" b="0" cap="none">
+                <a:solidFill>
+                  <a:schemeClr val="tx1"/>
+                </a:solidFill>
+              </a:defRPr>
+            </a:lvl1pPr>
+          </a:lstStyle>
+          <a:p>
+            <a:r>
+              <a:rPr lang="en-US"/>
+              <a:t>Click to edit Master title style</a:t>
+            </a:r>
+            <a:endParaRPr lang="en-US" dirty="0"/>
+          </a:p>
+        </p:txBody>
+      </p:sp>
+      <p:sp>
+        <p:nvSpPr>
+          <p:cNvPr id="10" name="Text Placeholder 9"/>
+          <p:cNvSpPr>
+            <a:spLocks noGrp="1"/>
+          </p:cNvSpPr>
+          <p:nvPr>
+            <p:ph type="body" sz="quarter" idx="13"/>
+          </p:nvPr>
+        </p:nvSpPr>
+        <p:spPr>
+          <a:xfrm>
+            <a:off x="1674812" y="3352800"/>
+            <a:ext cx="8839202" cy="584200"/>
+          </a:xfrm>
+        </p:spPr>
+        <p:txBody>
+          <a:bodyPr anchor="ctr">
+            <a:normAutofit/>
+          </a:bodyPr>
+          <a:lstStyle>
+            <a:lvl1pPr marL="0" indent="0" algn="r">
+              <a:buFontTx/>
+              <a:buNone/>
+              <a:defRPr sz="2000"/>
+            </a:lvl1pPr>
+            <a:lvl2pPr marL="457200" indent="0">
+              <a:buFontTx/>
+              <a:buNone/>
+              <a:defRPr/>
+            </a:lvl2pPr>
+            <a:lvl3pPr marL="914400" indent="0">
+              <a:buFontTx/>
+              <a:buNone/>
+              <a:defRPr/>
+            </a:lvl3pPr>
+            <a:lvl4pPr marL="1371600" indent="0">
+              <a:buFontTx/>
+              <a:buNone/>
+              <a:defRPr/>
+            </a:lvl4pPr>
+            <a:lvl5pPr marL="1828800" indent="0">
+              <a:buFontTx/>
+              <a:buNone/>
+              <a:defRPr/>
+            </a:lvl5pPr>
+          </a:lstStyle>
+          <a:p>
+            <a:pPr lvl="0"/>
+            <a:r>
+              <a:rPr lang="en-US"/>
+              <a:t>Click to edit Master text styles</a:t>
+            </a:r>
+          </a:p>
+        </p:txBody>
+      </p:sp>
+      <p:sp>
+        <p:nvSpPr>
+          <p:cNvPr id="3" name="Text Placeholder 2"/>
+          <p:cNvSpPr>
+            <a:spLocks noGrp="1"/>
+          </p:cNvSpPr>
+          <p:nvPr>
+            <p:ph type="body" idx="1"/>
+          </p:nvPr>
+        </p:nvSpPr>
+        <p:spPr>
+          <a:xfrm>
+            <a:off x="1295401" y="4343399"/>
+            <a:ext cx="9609666" cy="1532467"/>
+          </a:xfrm>
+        </p:spPr>
+        <p:txBody>
+          <a:bodyPr anchor="ctr">
+            <a:normAutofit/>
+          </a:bodyPr>
+          <a:lstStyle>
+            <a:lvl1pPr marL="0" indent="0" algn="ctr">
+              <a:buNone/>
+              <a:defRPr sz="2000">
+                <a:solidFill>
+                  <a:schemeClr val="tx1"/>
+                </a:solidFill>
+              </a:defRPr>
+            </a:lvl1pPr>
+            <a:lvl2pPr marL="457200" indent="0">
+              <a:buNone/>
+              <a:defRPr sz="1800">
+                <a:solidFill>
+                  <a:schemeClr val="tx1">
+                    <a:tint val="75000"/>
+                  </a:schemeClr>
+                </a:solidFill>
+              </a:defRPr>
+            </a:lvl2pPr>
+            <a:lvl3pPr marL="914400" indent="0">
+              <a:buNone/>
+              <a:defRPr sz="1600">
+                <a:solidFill>
+                  <a:schemeClr val="tx1">
+                    <a:tint val="75000"/>
+                  </a:schemeClr>
+                </a:solidFill>
+              </a:defRPr>
+            </a:lvl3pPr>
+            <a:lvl4pPr marL="1371600" indent="0">
+              <a:buNone/>
+              <a:defRPr sz="1400">
+                <a:solidFill>
+                  <a:schemeClr val="tx1">
+                    <a:tint val="75000"/>
+                  </a:schemeClr>
+                </a:solidFill>
+              </a:defRPr>
+            </a:lvl4pPr>
+            <a:lvl5pPr marL="1828800" indent="0">
+              <a:buNone/>
+              <a:defRPr sz="1400">
+                <a:solidFill>
+                  <a:schemeClr val="tx1">
+                    <a:tint val="75000"/>
+                  </a:schemeClr>
+                </a:solidFill>
+              </a:defRPr>
+            </a:lvl5pPr>
+            <a:lvl6pPr marL="2286000" indent="0">
+              <a:buNone/>
+              <a:defRPr sz="1400">
+                <a:solidFill>
+                  <a:schemeClr val="tx1">
+                    <a:tint val="75000"/>
+                  </a:schemeClr>
+                </a:solidFill>
+              </a:defRPr>
+            </a:lvl6pPr>
+            <a:lvl7pPr marL="2743200" indent="0">
+              <a:buNone/>
+              <a:defRPr sz="1400">
+                <a:solidFill>
+                  <a:schemeClr val="tx1">
+                    <a:tint val="75000"/>
+                  </a:schemeClr>
+                </a:solidFill>
+              </a:defRPr>
+            </a:lvl7pPr>
+            <a:lvl8pPr marL="3200400" indent="0">
+              <a:buNone/>
+              <a:defRPr sz="1400">
+                <a:solidFill>
+                  <a:schemeClr val="tx1">
+                    <a:tint val="75000"/>
+                  </a:schemeClr>
+                </a:solidFill>
+              </a:defRPr>
+            </a:lvl8pPr>
+            <a:lvl9pPr marL="3657600" indent="0">
+              <a:buNone/>
+              <a:defRPr sz="1400">
+                <a:solidFill>
+                  <a:schemeClr val="tx1">
+                    <a:tint val="75000"/>
+                  </a:schemeClr>
+                </a:solidFill>
+              </a:defRPr>
+            </a:lvl9pPr>
+          </a:lstStyle>
+          <a:p>
+            <a:pPr lvl="0"/>
+            <a:r>
+              <a:rPr lang="en-US"/>
+              <a:t>Click to edit Master text styles</a:t>
+            </a:r>
+          </a:p>
+        </p:txBody>
+      </p:sp>
+      <p:sp>
+        <p:nvSpPr>
+          <p:cNvPr id="4" name="Date Placeholder 3"/>
+          <p:cNvSpPr>
+            <a:spLocks noGrp="1"/>
+          </p:cNvSpPr>
+          <p:nvPr>
+            <p:ph type="dt" sz="half" idx="10"/>
+          </p:nvPr>
+        </p:nvSpPr>
+        <p:spPr/>
+        <p:txBody>
+          <a:bodyPr/>
+          <a:lstStyle/>
+          <a:p>
+            <a:fld id="{ED340025-97FB-45C2-8489-5CC4D8912124}" type="datetimeFigureOut">
+              <a:rPr lang="en-US" smtClean="0"/>
+              <a:t>12/5/2019</a:t>
+            </a:fld>
+            <a:endParaRPr lang="en-US"/>
+          </a:p>
+        </p:txBody>
+      </p:sp>
+      <p:sp>
+        <p:nvSpPr>
+          <p:cNvPr id="5" name="Footer Placeholder 4"/>
+          <p:cNvSpPr>
+            <a:spLocks noGrp="1"/>
+          </p:cNvSpPr>
+          <p:nvPr>
+            <p:ph type="ftr" sz="quarter" idx="11"/>
+          </p:nvPr>
+        </p:nvSpPr>
+        <p:spPr/>
+        <p:txBody>
+          <a:bodyPr/>
+          <a:lstStyle/>
+          <a:p>
+            <a:endParaRPr lang="en-US"/>
+          </a:p>
+        </p:txBody>
+      </p:sp>
+      <p:sp>
+        <p:nvSpPr>
+          <p:cNvPr id="6" name="Slide Number Placeholder 5"/>
+          <p:cNvSpPr>
+            <a:spLocks noGrp="1"/>
+          </p:cNvSpPr>
+          <p:nvPr>
+            <p:ph type="sldNum" sz="quarter" idx="12"/>
+          </p:nvPr>
+        </p:nvSpPr>
+        <p:spPr/>
+        <p:txBody>
+          <a:bodyPr/>
+          <a:lstStyle/>
+          <a:p>
+            <a:fld id="{FF2C20B0-DC66-4A70-821B-30D4F417F0F1}" type="slidenum">
+              <a:rPr lang="en-US" smtClean="0"/>
+              <a:t>‹#›</a:t>
+            </a:fld>
+            <a:endParaRPr lang="en-US"/>
+          </a:p>
+        </p:txBody>
+      </p:sp>
+      <p:sp>
+        <p:nvSpPr>
+          <p:cNvPr id="14" name="TextBox 13"/>
+          <p:cNvSpPr txBox="1"/>
+          <p:nvPr/>
+        </p:nvSpPr>
+        <p:spPr>
+          <a:xfrm>
+            <a:off x="862013" y="879961"/>
+            <a:ext cx="609600" cy="584776"/>
+          </a:xfrm>
+          <a:prstGeom prst="rect">
+            <a:avLst/>
+          </a:prstGeom>
+        </p:spPr>
+        <p:txBody>
+          <a:bodyPr vert="horz" lIns="91440" tIns="45720" rIns="91440" bIns="45720" rtlCol="0" anchor="ctr">
+            <a:noAutofit/>
+          </a:bodyPr>
+          <a:lstStyle/>
+          <a:p>
+            <a:pPr lvl="0"/>
+            <a:r>
+              <a:rPr lang="en-US" sz="8000" dirty="0">
+                <a:solidFill>
+                  <a:schemeClr val="tx1"/>
+                </a:solidFill>
+                <a:effectLst/>
+              </a:rPr>
+              <a:t>“</a:t>
+            </a:r>
+          </a:p>
+        </p:txBody>
+      </p:sp>
+      <p:sp>
+        <p:nvSpPr>
+          <p:cNvPr id="15" name="TextBox 14"/>
+          <p:cNvSpPr txBox="1"/>
+          <p:nvPr/>
+        </p:nvSpPr>
+        <p:spPr>
+          <a:xfrm>
+            <a:off x="10600267" y="2827870"/>
+            <a:ext cx="609600" cy="584776"/>
+          </a:xfrm>
+          <a:prstGeom prst="rect">
+            <a:avLst/>
+          </a:prstGeom>
+        </p:spPr>
+        <p:txBody>
+          <a:bodyPr vert="horz" lIns="91440" tIns="45720" rIns="91440" bIns="45720" rtlCol="0" anchor="ctr">
+            <a:noAutofit/>
+          </a:bodyPr>
+          <a:lstStyle/>
+          <a:p>
+            <a:pPr lvl="0" algn="r"/>
+            <a:r>
+              <a:rPr lang="en-US" sz="8000" dirty="0">
+                <a:solidFill>
+                  <a:schemeClr val="tx1"/>
+                </a:solidFill>
+                <a:effectLst/>
+              </a:rPr>
+              <a:t>”</a:t>
+            </a:r>
+          </a:p>
+        </p:txBody>
+      </p:sp>
+      <p:cxnSp>
+        <p:nvCxnSpPr>
+          <p:cNvPr id="19" name="Straight Connector 18"/>
+          <p:cNvCxnSpPr/>
+          <p:nvPr/>
+        </p:nvCxnSpPr>
+        <p:spPr>
+          <a:xfrm>
+            <a:off x="1396169" y="4140199"/>
+            <a:ext cx="9407298" cy="0"/>
+          </a:xfrm>
+          <a:prstGeom prst="line">
+            <a:avLst/>
+          </a:prstGeom>
+          <a:ln w="15875"/>
+        </p:spPr>
+        <p:style>
+          <a:lnRef idx="2">
+            <a:schemeClr val="accent1"/>
+          </a:lnRef>
+          <a:fillRef idx="0">
+            <a:schemeClr val="accent1"/>
+          </a:fillRef>
+          <a:effectRef idx="1">
+            <a:schemeClr val="accent1"/>
+          </a:effectRef>
+          <a:fontRef idx="minor">
+            <a:schemeClr val="tx1"/>
+          </a:fontRef>
+        </p:style>
+      </p:cxnSp>
+    </p:spTree>
+    <p:extLst>
+      <p:ext uri="{BB962C8B-B14F-4D97-AF65-F5344CB8AC3E}">
+        <p14:creationId xmlns:p14="http://schemas.microsoft.com/office/powerpoint/2010/main" val="979858041"/>
+      </p:ext>
+    </p:extLst>
+  </p:cSld>
+  <p:clrMapOvr>
+    <a:masterClrMapping/>
+  </p:clrMapOvr>
+</p:sldLayout>
+</file>
+
+<file path=ppt/slideLayouts/slideLayout13.xml><?xml version="1.0" encoding="utf-8"?>
+<p:sldLayout xmlns:a="http://schemas.openxmlformats.org/drawingml/2006/main" xmlns:r="http://schemas.openxmlformats.org/officeDocument/2006/relationships" xmlns:p="http://schemas.openxmlformats.org/presentationml/2006/main" preserve="1">
+  <p:cSld name="Name Card">
+    <p:spTree>
+      <p:nvGrpSpPr>
+        <p:cNvPr id="1" name=""/>
+        <p:cNvGrpSpPr/>
+        <p:nvPr/>
+      </p:nvGrpSpPr>
+      <p:grpSpPr>
+        <a:xfrm>
+          <a:off x="0" y="0"/>
+          <a:ext cx="0" cy="0"/>
+          <a:chOff x="0" y="0"/>
+          <a:chExt cx="0" cy="0"/>
+        </a:xfrm>
+      </p:grpSpPr>
+      <p:sp>
+        <p:nvSpPr>
+          <p:cNvPr id="2" name="Title 1"/>
+          <p:cNvSpPr>
+            <a:spLocks noGrp="1"/>
+          </p:cNvSpPr>
+          <p:nvPr>
+            <p:ph type="title"/>
+          </p:nvPr>
+        </p:nvSpPr>
+        <p:spPr>
+          <a:xfrm>
+            <a:off x="1295402" y="3308581"/>
+            <a:ext cx="9609668" cy="1468800"/>
+          </a:xfrm>
+        </p:spPr>
+        <p:txBody>
+          <a:bodyPr anchor="b">
+            <a:normAutofit/>
+          </a:bodyPr>
+          <a:lstStyle>
+            <a:lvl1pPr algn="l">
+              <a:defRPr sz="3200" b="0" cap="none"/>
+            </a:lvl1pPr>
+          </a:lstStyle>
+          <a:p>
+            <a:r>
+              <a:rPr lang="en-US"/>
+              <a:t>Click to edit Master title style</a:t>
+            </a:r>
+            <a:endParaRPr lang="en-US" dirty="0"/>
+          </a:p>
+        </p:txBody>
+      </p:sp>
+      <p:sp>
+        <p:nvSpPr>
+          <p:cNvPr id="3" name="Text Placeholder 2"/>
+          <p:cNvSpPr>
+            <a:spLocks noGrp="1"/>
+          </p:cNvSpPr>
+          <p:nvPr>
+            <p:ph type="body" idx="1"/>
+          </p:nvPr>
+        </p:nvSpPr>
+        <p:spPr>
+          <a:xfrm>
+            <a:off x="1295401" y="4777381"/>
+            <a:ext cx="9609668" cy="860400"/>
+          </a:xfrm>
+        </p:spPr>
+        <p:txBody>
+          <a:bodyPr anchor="t">
+            <a:normAutofit/>
+          </a:bodyPr>
+          <a:lstStyle>
+            <a:lvl1pPr marL="0" indent="0" algn="l">
+              <a:buNone/>
+              <a:defRPr sz="2000">
+                <a:solidFill>
+                  <a:schemeClr val="tx1"/>
+                </a:solidFill>
+              </a:defRPr>
+            </a:lvl1pPr>
+            <a:lvl2pPr marL="457200" indent="0">
+              <a:buNone/>
+              <a:defRPr sz="1800">
+                <a:solidFill>
+                  <a:schemeClr val="tx1">
+                    <a:tint val="75000"/>
+                  </a:schemeClr>
+                </a:solidFill>
+              </a:defRPr>
+            </a:lvl2pPr>
+            <a:lvl3pPr marL="914400" indent="0">
+              <a:buNone/>
+              <a:defRPr sz="1600">
+                <a:solidFill>
+                  <a:schemeClr val="tx1">
+                    <a:tint val="75000"/>
+                  </a:schemeClr>
+                </a:solidFill>
+              </a:defRPr>
+            </a:lvl3pPr>
+            <a:lvl4pPr marL="1371600" indent="0">
+              <a:buNone/>
+              <a:defRPr sz="1400">
+                <a:solidFill>
+                  <a:schemeClr val="tx1">
+                    <a:tint val="75000"/>
+                  </a:schemeClr>
+                </a:solidFill>
+              </a:defRPr>
+            </a:lvl4pPr>
+            <a:lvl5pPr marL="1828800" indent="0">
+              <a:buNone/>
+              <a:defRPr sz="1400">
+                <a:solidFill>
+                  <a:schemeClr val="tx1">
+                    <a:tint val="75000"/>
+                  </a:schemeClr>
+                </a:solidFill>
+              </a:defRPr>
+            </a:lvl5pPr>
+            <a:lvl6pPr marL="2286000" indent="0">
+              <a:buNone/>
+              <a:defRPr sz="1400">
+                <a:solidFill>
+                  <a:schemeClr val="tx1">
+                    <a:tint val="75000"/>
+                  </a:schemeClr>
+                </a:solidFill>
+              </a:defRPr>
+            </a:lvl6pPr>
+            <a:lvl7pPr marL="2743200" indent="0">
+              <a:buNone/>
+              <a:defRPr sz="1400">
+                <a:solidFill>
+                  <a:schemeClr val="tx1">
+                    <a:tint val="75000"/>
+                  </a:schemeClr>
+                </a:solidFill>
+              </a:defRPr>
+            </a:lvl7pPr>
+            <a:lvl8pPr marL="3200400" indent="0">
+              <a:buNone/>
+              <a:defRPr sz="1400">
+                <a:solidFill>
+                  <a:schemeClr val="tx1">
+                    <a:tint val="75000"/>
+                  </a:schemeClr>
+                </a:solidFill>
+              </a:defRPr>
+            </a:lvl8pPr>
+            <a:lvl9pPr marL="3657600" indent="0">
+              <a:buNone/>
+              <a:defRPr sz="1400">
+                <a:solidFill>
+                  <a:schemeClr val="tx1">
+                    <a:tint val="75000"/>
+                  </a:schemeClr>
+                </a:solidFill>
+              </a:defRPr>
+            </a:lvl9pPr>
+          </a:lstStyle>
+          <a:p>
+            <a:pPr lvl="0"/>
+            <a:r>
+              <a:rPr lang="en-US"/>
+              <a:t>Click to edit Master text styles</a:t>
+            </a:r>
+          </a:p>
+        </p:txBody>
+      </p:sp>
+      <p:sp>
+        <p:nvSpPr>
+          <p:cNvPr id="4" name="Date Placeholder 3"/>
+          <p:cNvSpPr>
+            <a:spLocks noGrp="1"/>
+          </p:cNvSpPr>
+          <p:nvPr>
+            <p:ph type="dt" sz="half" idx="10"/>
+          </p:nvPr>
+        </p:nvSpPr>
+        <p:spPr/>
+        <p:txBody>
+          <a:bodyPr/>
+          <a:lstStyle/>
+          <a:p>
+            <a:fld id="{ED340025-97FB-45C2-8489-5CC4D8912124}" type="datetimeFigureOut">
+              <a:rPr lang="en-US" smtClean="0"/>
+              <a:t>12/5/2019</a:t>
+            </a:fld>
+            <a:endParaRPr lang="en-US"/>
+          </a:p>
+        </p:txBody>
+      </p:sp>
+      <p:sp>
+        <p:nvSpPr>
+          <p:cNvPr id="5" name="Footer Placeholder 4"/>
+          <p:cNvSpPr>
+            <a:spLocks noGrp="1"/>
+          </p:cNvSpPr>
+          <p:nvPr>
+            <p:ph type="ftr" sz="quarter" idx="11"/>
+          </p:nvPr>
+        </p:nvSpPr>
+        <p:spPr/>
+        <p:txBody>
+          <a:bodyPr/>
+          <a:lstStyle/>
+          <a:p>
+            <a:endParaRPr lang="en-US"/>
+          </a:p>
+        </p:txBody>
+      </p:sp>
+      <p:sp>
+        <p:nvSpPr>
+          <p:cNvPr id="6" name="Slide Number Placeholder 5"/>
+          <p:cNvSpPr>
+            <a:spLocks noGrp="1"/>
+          </p:cNvSpPr>
+          <p:nvPr>
+            <p:ph type="sldNum" sz="quarter" idx="12"/>
+          </p:nvPr>
+        </p:nvSpPr>
+        <p:spPr/>
+        <p:txBody>
+          <a:bodyPr/>
+          <a:lstStyle/>
+          <a:p>
+            <a:fld id="{FF2C20B0-DC66-4A70-821B-30D4F417F0F1}" type="slidenum">
+              <a:rPr lang="en-US" smtClean="0"/>
+              <a:t>‹#›</a:t>
+            </a:fld>
+            <a:endParaRPr lang="en-US"/>
+          </a:p>
+        </p:txBody>
+      </p:sp>
+    </p:spTree>
+    <p:extLst>
+      <p:ext uri="{BB962C8B-B14F-4D97-AF65-F5344CB8AC3E}">
+        <p14:creationId xmlns:p14="http://schemas.microsoft.com/office/powerpoint/2010/main" val="3344816455"/>
+      </p:ext>
+    </p:extLst>
+  </p:cSld>
+  <p:clrMapOvr>
+    <a:masterClrMapping/>
+  </p:clrMapOvr>
+</p:sldLayout>
+</file>
+
+<file path=ppt/slideLayouts/slideLayout14.xml><?xml version="1.0" encoding="utf-8"?>
+<p:sldLayout xmlns:a="http://schemas.openxmlformats.org/drawingml/2006/main" xmlns:r="http://schemas.openxmlformats.org/officeDocument/2006/relationships" xmlns:p="http://schemas.openxmlformats.org/presentationml/2006/main" preserve="1">
+  <p:cSld name="Quote Name Card">
+    <p:spTree>
+      <p:nvGrpSpPr>
+        <p:cNvPr id="1" name=""/>
+        <p:cNvGrpSpPr/>
+        <p:nvPr/>
+      </p:nvGrpSpPr>
+      <p:grpSpPr>
+        <a:xfrm>
+          <a:off x="0" y="0"/>
+          <a:ext cx="0" cy="0"/>
+          <a:chOff x="0" y="0"/>
+          <a:chExt cx="0" cy="0"/>
+        </a:xfrm>
+      </p:grpSpPr>
+      <p:sp>
+        <p:nvSpPr>
+          <p:cNvPr id="2" name="Title 1"/>
+          <p:cNvSpPr>
+            <a:spLocks noGrp="1"/>
+          </p:cNvSpPr>
+          <p:nvPr>
+            <p:ph type="title"/>
+          </p:nvPr>
+        </p:nvSpPr>
+        <p:spPr>
+          <a:xfrm>
+            <a:off x="1446213" y="982132"/>
+            <a:ext cx="9296398" cy="2243668"/>
+          </a:xfrm>
+        </p:spPr>
+        <p:txBody>
+          <a:bodyPr anchor="ctr">
+            <a:normAutofit/>
+          </a:bodyPr>
+          <a:lstStyle>
+            <a:lvl1pPr algn="ctr">
+              <a:defRPr sz="3200" b="0" cap="none">
+                <a:solidFill>
+                  <a:schemeClr val="tx1"/>
+                </a:solidFill>
+              </a:defRPr>
+            </a:lvl1pPr>
+          </a:lstStyle>
+          <a:p>
+            <a:r>
+              <a:rPr lang="en-US"/>
+              <a:t>Click to edit Master title style</a:t>
+            </a:r>
+            <a:endParaRPr lang="en-US" dirty="0"/>
+          </a:p>
+        </p:txBody>
+      </p:sp>
+      <p:sp>
+        <p:nvSpPr>
+          <p:cNvPr id="23" name="Text Placeholder 2"/>
+          <p:cNvSpPr>
+            <a:spLocks noGrp="1"/>
+          </p:cNvSpPr>
+          <p:nvPr>
+            <p:ph type="body" idx="13"/>
+          </p:nvPr>
+        </p:nvSpPr>
+        <p:spPr>
+          <a:xfrm>
+            <a:off x="1295401" y="3639312"/>
+            <a:ext cx="9609668" cy="886968"/>
+          </a:xfrm>
+        </p:spPr>
+        <p:txBody>
+          <a:bodyPr anchor="b">
+            <a:normAutofit/>
+          </a:bodyPr>
+          <a:lstStyle>
+            <a:lvl1pPr marL="0" indent="0" algn="l">
+              <a:spcBef>
+                <a:spcPts val="0"/>
+              </a:spcBef>
+              <a:buNone/>
+              <a:defRPr sz="2400">
+                <a:solidFill>
+                  <a:schemeClr val="tx1"/>
+                </a:solidFill>
+              </a:defRPr>
+            </a:lvl1pPr>
+            <a:lvl2pPr marL="457200" indent="0">
+              <a:buNone/>
+              <a:defRPr sz="1800">
+                <a:solidFill>
+                  <a:schemeClr val="tx1">
+                    <a:tint val="75000"/>
+                  </a:schemeClr>
+                </a:solidFill>
+              </a:defRPr>
+            </a:lvl2pPr>
+            <a:lvl3pPr marL="914400" indent="0">
+              <a:buNone/>
+              <a:defRPr sz="1600">
+                <a:solidFill>
+                  <a:schemeClr val="tx1">
+                    <a:tint val="75000"/>
+                  </a:schemeClr>
+                </a:solidFill>
+              </a:defRPr>
+            </a:lvl3pPr>
+            <a:lvl4pPr marL="1371600" indent="0">
+              <a:buNone/>
+              <a:defRPr sz="1400">
+                <a:solidFill>
+                  <a:schemeClr val="tx1">
+                    <a:tint val="75000"/>
+                  </a:schemeClr>
+                </a:solidFill>
+              </a:defRPr>
+            </a:lvl4pPr>
+            <a:lvl5pPr marL="1828800" indent="0">
+              <a:buNone/>
+              <a:defRPr sz="1400">
+                <a:solidFill>
+                  <a:schemeClr val="tx1">
+                    <a:tint val="75000"/>
+                  </a:schemeClr>
+                </a:solidFill>
+              </a:defRPr>
+            </a:lvl5pPr>
+            <a:lvl6pPr marL="2286000" indent="0">
+              <a:buNone/>
+              <a:defRPr sz="1400">
+                <a:solidFill>
+                  <a:schemeClr val="tx1">
+                    <a:tint val="75000"/>
+                  </a:schemeClr>
+                </a:solidFill>
+              </a:defRPr>
+            </a:lvl6pPr>
+            <a:lvl7pPr marL="2743200" indent="0">
+              <a:buNone/>
+              <a:defRPr sz="1400">
+                <a:solidFill>
+                  <a:schemeClr val="tx1">
+                    <a:tint val="75000"/>
+                  </a:schemeClr>
+                </a:solidFill>
+              </a:defRPr>
+            </a:lvl7pPr>
+            <a:lvl8pPr marL="3200400" indent="0">
+              <a:buNone/>
+              <a:defRPr sz="1400">
+                <a:solidFill>
+                  <a:schemeClr val="tx1">
+                    <a:tint val="75000"/>
+                  </a:schemeClr>
+                </a:solidFill>
+              </a:defRPr>
+            </a:lvl8pPr>
+            <a:lvl9pPr marL="3657600" indent="0">
+              <a:buNone/>
+              <a:defRPr sz="1400">
+                <a:solidFill>
+                  <a:schemeClr val="tx1">
+                    <a:tint val="75000"/>
+                  </a:schemeClr>
+                </a:solidFill>
+              </a:defRPr>
+            </a:lvl9pPr>
+          </a:lstStyle>
+          <a:p>
+            <a:pPr lvl="0"/>
+            <a:r>
+              <a:rPr lang="en-US"/>
+              <a:t>Click to edit Master text styles</a:t>
+            </a:r>
+          </a:p>
+        </p:txBody>
+      </p:sp>
+      <p:sp>
+        <p:nvSpPr>
+          <p:cNvPr id="3" name="Text Placeholder 2"/>
+          <p:cNvSpPr>
+            <a:spLocks noGrp="1"/>
+          </p:cNvSpPr>
+          <p:nvPr>
+            <p:ph type="body" idx="1"/>
+          </p:nvPr>
+        </p:nvSpPr>
+        <p:spPr>
+          <a:xfrm>
+            <a:off x="1295401" y="4529667"/>
+            <a:ext cx="9609668" cy="1346200"/>
+          </a:xfrm>
+        </p:spPr>
+        <p:txBody>
+          <a:bodyPr anchor="t">
+            <a:normAutofit/>
+          </a:bodyPr>
+          <a:lstStyle>
+            <a:lvl1pPr marL="0" indent="0" algn="l">
+              <a:buNone/>
+              <a:defRPr sz="1800">
+                <a:solidFill>
+                  <a:schemeClr val="tx1"/>
+                </a:solidFill>
+              </a:defRPr>
+            </a:lvl1pPr>
+            <a:lvl2pPr marL="457200" indent="0">
+              <a:buNone/>
+              <a:defRPr sz="1800">
+                <a:solidFill>
+                  <a:schemeClr val="tx1">
+                    <a:tint val="75000"/>
+                  </a:schemeClr>
+                </a:solidFill>
+              </a:defRPr>
+            </a:lvl2pPr>
+            <a:lvl3pPr marL="914400" indent="0">
+              <a:buNone/>
+              <a:defRPr sz="1600">
+                <a:solidFill>
+                  <a:schemeClr val="tx1">
+                    <a:tint val="75000"/>
+                  </a:schemeClr>
+                </a:solidFill>
+              </a:defRPr>
+            </a:lvl3pPr>
+            <a:lvl4pPr marL="1371600" indent="0">
+              <a:buNone/>
+              <a:defRPr sz="1400">
+                <a:solidFill>
+                  <a:schemeClr val="tx1">
+                    <a:tint val="75000"/>
+                  </a:schemeClr>
+                </a:solidFill>
+              </a:defRPr>
+            </a:lvl4pPr>
+            <a:lvl5pPr marL="1828800" indent="0">
+              <a:buNone/>
+              <a:defRPr sz="1400">
+                <a:solidFill>
+                  <a:schemeClr val="tx1">
+                    <a:tint val="75000"/>
+                  </a:schemeClr>
+                </a:solidFill>
+              </a:defRPr>
+            </a:lvl5pPr>
+            <a:lvl6pPr marL="2286000" indent="0">
+              <a:buNone/>
+              <a:defRPr sz="1400">
+                <a:solidFill>
+                  <a:schemeClr val="tx1">
+                    <a:tint val="75000"/>
+                  </a:schemeClr>
+                </a:solidFill>
+              </a:defRPr>
+            </a:lvl6pPr>
+            <a:lvl7pPr marL="2743200" indent="0">
+              <a:buNone/>
+              <a:defRPr sz="1400">
+                <a:solidFill>
+                  <a:schemeClr val="tx1">
+                    <a:tint val="75000"/>
+                  </a:schemeClr>
+                </a:solidFill>
+              </a:defRPr>
+            </a:lvl7pPr>
+            <a:lvl8pPr marL="3200400" indent="0">
+              <a:buNone/>
+              <a:defRPr sz="1400">
+                <a:solidFill>
+                  <a:schemeClr val="tx1">
+                    <a:tint val="75000"/>
+                  </a:schemeClr>
+                </a:solidFill>
+              </a:defRPr>
+            </a:lvl8pPr>
+            <a:lvl9pPr marL="3657600" indent="0">
+              <a:buNone/>
+              <a:defRPr sz="1400">
+                <a:solidFill>
+                  <a:schemeClr val="tx1">
+                    <a:tint val="75000"/>
+                  </a:schemeClr>
+                </a:solidFill>
+              </a:defRPr>
+            </a:lvl9pPr>
+          </a:lstStyle>
+          <a:p>
+            <a:pPr lvl="0"/>
+            <a:r>
+              <a:rPr lang="en-US"/>
+              <a:t>Click to edit Master text styles</a:t>
+            </a:r>
+          </a:p>
+        </p:txBody>
+      </p:sp>
+      <p:sp>
+        <p:nvSpPr>
+          <p:cNvPr id="4" name="Date Placeholder 3"/>
+          <p:cNvSpPr>
+            <a:spLocks noGrp="1"/>
+          </p:cNvSpPr>
+          <p:nvPr>
+            <p:ph type="dt" sz="half" idx="10"/>
+          </p:nvPr>
+        </p:nvSpPr>
+        <p:spPr/>
+        <p:txBody>
+          <a:bodyPr/>
+          <a:lstStyle/>
+          <a:p>
+            <a:fld id="{ED340025-97FB-45C2-8489-5CC4D8912124}" type="datetimeFigureOut">
+              <a:rPr lang="en-US" smtClean="0"/>
+              <a:t>12/5/2019</a:t>
+            </a:fld>
+            <a:endParaRPr lang="en-US"/>
+          </a:p>
+        </p:txBody>
+      </p:sp>
+      <p:sp>
+        <p:nvSpPr>
+          <p:cNvPr id="5" name="Footer Placeholder 4"/>
+          <p:cNvSpPr>
+            <a:spLocks noGrp="1"/>
+          </p:cNvSpPr>
+          <p:nvPr>
+            <p:ph type="ftr" sz="quarter" idx="11"/>
+          </p:nvPr>
+        </p:nvSpPr>
+        <p:spPr/>
+        <p:txBody>
+          <a:bodyPr/>
+          <a:lstStyle/>
+          <a:p>
+            <a:endParaRPr lang="en-US"/>
+          </a:p>
+        </p:txBody>
+      </p:sp>
+      <p:sp>
+        <p:nvSpPr>
+          <p:cNvPr id="6" name="Slide Number Placeholder 5"/>
+          <p:cNvSpPr>
+            <a:spLocks noGrp="1"/>
+          </p:cNvSpPr>
+          <p:nvPr>
+            <p:ph type="sldNum" sz="quarter" idx="12"/>
+          </p:nvPr>
+        </p:nvSpPr>
+        <p:spPr/>
+        <p:txBody>
+          <a:bodyPr/>
+          <a:lstStyle/>
+          <a:p>
+            <a:fld id="{FF2C20B0-DC66-4A70-821B-30D4F417F0F1}" type="slidenum">
+              <a:rPr lang="en-US" smtClean="0"/>
+              <a:t>‹#›</a:t>
+            </a:fld>
+            <a:endParaRPr lang="en-US"/>
+          </a:p>
+        </p:txBody>
+      </p:sp>
+      <p:sp>
+        <p:nvSpPr>
+          <p:cNvPr id="12" name="TextBox 11"/>
+          <p:cNvSpPr txBox="1"/>
+          <p:nvPr/>
+        </p:nvSpPr>
+        <p:spPr>
+          <a:xfrm>
+            <a:off x="862013" y="879961"/>
+            <a:ext cx="609600" cy="584776"/>
+          </a:xfrm>
+          <a:prstGeom prst="rect">
+            <a:avLst/>
+          </a:prstGeom>
+        </p:spPr>
+        <p:txBody>
+          <a:bodyPr vert="horz" lIns="91440" tIns="45720" rIns="91440" bIns="45720" rtlCol="0" anchor="ctr">
+            <a:noAutofit/>
+          </a:bodyPr>
+          <a:lstStyle/>
+          <a:p>
+            <a:pPr lvl="0"/>
+            <a:r>
+              <a:rPr lang="en-US" sz="8000" dirty="0">
+                <a:solidFill>
+                  <a:schemeClr val="tx1"/>
+                </a:solidFill>
+                <a:effectLst/>
+              </a:rPr>
+              <a:t>“</a:t>
+            </a:r>
+          </a:p>
+        </p:txBody>
+      </p:sp>
+      <p:sp>
+        <p:nvSpPr>
+          <p:cNvPr id="13" name="TextBox 12"/>
+          <p:cNvSpPr txBox="1"/>
+          <p:nvPr/>
+        </p:nvSpPr>
+        <p:spPr>
+          <a:xfrm>
+            <a:off x="10600267" y="2599261"/>
+            <a:ext cx="609600" cy="584776"/>
+          </a:xfrm>
+          <a:prstGeom prst="rect">
+            <a:avLst/>
+          </a:prstGeom>
+        </p:spPr>
+        <p:txBody>
+          <a:bodyPr vert="horz" lIns="91440" tIns="45720" rIns="91440" bIns="45720" rtlCol="0" anchor="ctr">
+            <a:noAutofit/>
+          </a:bodyPr>
+          <a:lstStyle/>
+          <a:p>
+            <a:pPr lvl="0" algn="r"/>
+            <a:r>
+              <a:rPr lang="en-US" sz="8000" dirty="0">
+                <a:solidFill>
+                  <a:schemeClr val="tx1"/>
+                </a:solidFill>
+                <a:effectLst/>
+              </a:rPr>
+              <a:t>”</a:t>
+            </a:r>
+          </a:p>
+        </p:txBody>
+      </p:sp>
+      <p:cxnSp>
+        <p:nvCxnSpPr>
+          <p:cNvPr id="26" name="Straight Connector 25"/>
+          <p:cNvCxnSpPr/>
+          <p:nvPr/>
+        </p:nvCxnSpPr>
+        <p:spPr>
+          <a:xfrm>
+            <a:off x="1396169" y="3429000"/>
+            <a:ext cx="9407298" cy="0"/>
+          </a:xfrm>
+          <a:prstGeom prst="line">
+            <a:avLst/>
+          </a:prstGeom>
+          <a:ln w="15875"/>
+        </p:spPr>
+        <p:style>
+          <a:lnRef idx="2">
+            <a:schemeClr val="accent1"/>
+          </a:lnRef>
+          <a:fillRef idx="0">
+            <a:schemeClr val="accent1"/>
+          </a:fillRef>
+          <a:effectRef idx="1">
+            <a:schemeClr val="accent1"/>
+          </a:effectRef>
+          <a:fontRef idx="minor">
+            <a:schemeClr val="tx1"/>
+          </a:fontRef>
+        </p:style>
+      </p:cxnSp>
+    </p:spTree>
+    <p:extLst>
+      <p:ext uri="{BB962C8B-B14F-4D97-AF65-F5344CB8AC3E}">
+        <p14:creationId xmlns:p14="http://schemas.microsoft.com/office/powerpoint/2010/main" val="2254060684"/>
+      </p:ext>
+    </p:extLst>
+  </p:cSld>
+  <p:clrMapOvr>
+    <a:masterClrMapping/>
+  </p:clrMapOvr>
+</p:sldLayout>
+</file>
+
+<file path=ppt/slideLayouts/slideLayout15.xml><?xml version="1.0" encoding="utf-8"?>
+<p:sldLayout xmlns:a="http://schemas.openxmlformats.org/drawingml/2006/main" xmlns:r="http://schemas.openxmlformats.org/officeDocument/2006/relationships" xmlns:p="http://schemas.openxmlformats.org/presentationml/2006/main" preserve="1">
+  <p:cSld name="True or False">
+    <p:spTree>
+      <p:nvGrpSpPr>
+        <p:cNvPr id="1" name=""/>
+        <p:cNvGrpSpPr/>
+        <p:nvPr/>
+      </p:nvGrpSpPr>
+      <p:grpSpPr>
+        <a:xfrm>
+          <a:off x="0" y="0"/>
+          <a:ext cx="0" cy="0"/>
+          <a:chOff x="0" y="0"/>
+          <a:chExt cx="0" cy="0"/>
+        </a:xfrm>
+      </p:grpSpPr>
+      <p:sp>
+        <p:nvSpPr>
+          <p:cNvPr id="2" name="Title 1"/>
+          <p:cNvSpPr>
+            <a:spLocks noGrp="1"/>
+          </p:cNvSpPr>
+          <p:nvPr>
+            <p:ph type="title"/>
+          </p:nvPr>
+        </p:nvSpPr>
+        <p:spPr>
+          <a:xfrm>
+            <a:off x="1295401" y="982132"/>
+            <a:ext cx="9609666" cy="2243668"/>
+          </a:xfrm>
+        </p:spPr>
+        <p:txBody>
+          <a:bodyPr vert="horz" lIns="91440" tIns="45720" rIns="91440" bIns="45720" rtlCol="0" anchor="ctr">
+            <a:normAutofit/>
+          </a:bodyPr>
+          <a:lstStyle>
+            <a:lvl1pPr>
+              <a:defRPr lang="en-US" b="0" dirty="0"/>
+            </a:lvl1pPr>
+          </a:lstStyle>
+          <a:p>
+            <a:pPr marL="0" lvl="0"/>
+            <a:r>
+              <a:rPr lang="en-US"/>
+              <a:t>Click to edit Master title style</a:t>
+            </a:r>
+            <a:endParaRPr lang="en-US" dirty="0"/>
+          </a:p>
+        </p:txBody>
+      </p:sp>
+      <p:sp>
+        <p:nvSpPr>
+          <p:cNvPr id="20" name="Text Placeholder 2"/>
+          <p:cNvSpPr>
+            <a:spLocks noGrp="1"/>
+          </p:cNvSpPr>
+          <p:nvPr>
+            <p:ph type="body" idx="13"/>
+          </p:nvPr>
+        </p:nvSpPr>
+        <p:spPr>
+          <a:xfrm>
+            <a:off x="1295401" y="3630168"/>
+            <a:ext cx="9609668" cy="841248"/>
+          </a:xfrm>
+        </p:spPr>
+        <p:txBody>
+          <a:bodyPr anchor="b">
+            <a:normAutofit/>
+          </a:bodyPr>
+          <a:lstStyle>
+            <a:lvl1pPr marL="0" indent="0" algn="l">
+              <a:spcBef>
+                <a:spcPts val="0"/>
+              </a:spcBef>
+              <a:buNone/>
+              <a:defRPr sz="2800">
+                <a:solidFill>
+                  <a:schemeClr val="tx1"/>
+                </a:solidFill>
+              </a:defRPr>
+            </a:lvl1pPr>
+            <a:lvl2pPr marL="457200" indent="0">
+              <a:buNone/>
+              <a:defRPr sz="1800">
+                <a:solidFill>
+                  <a:schemeClr val="tx1">
+                    <a:tint val="75000"/>
+                  </a:schemeClr>
+                </a:solidFill>
+              </a:defRPr>
+            </a:lvl2pPr>
+            <a:lvl3pPr marL="914400" indent="0">
+              <a:buNone/>
+              <a:defRPr sz="1600">
+                <a:solidFill>
+                  <a:schemeClr val="tx1">
+                    <a:tint val="75000"/>
+                  </a:schemeClr>
+                </a:solidFill>
+              </a:defRPr>
+            </a:lvl3pPr>
+            <a:lvl4pPr marL="1371600" indent="0">
+              <a:buNone/>
+              <a:defRPr sz="1400">
+                <a:solidFill>
+                  <a:schemeClr val="tx1">
+                    <a:tint val="75000"/>
+                  </a:schemeClr>
+                </a:solidFill>
+              </a:defRPr>
+            </a:lvl4pPr>
+            <a:lvl5pPr marL="1828800" indent="0">
+              <a:buNone/>
+              <a:defRPr sz="1400">
+                <a:solidFill>
+                  <a:schemeClr val="tx1">
+                    <a:tint val="75000"/>
+                  </a:schemeClr>
+                </a:solidFill>
+              </a:defRPr>
+            </a:lvl5pPr>
+            <a:lvl6pPr marL="2286000" indent="0">
+              <a:buNone/>
+              <a:defRPr sz="1400">
+                <a:solidFill>
+                  <a:schemeClr val="tx1">
+                    <a:tint val="75000"/>
+                  </a:schemeClr>
+                </a:solidFill>
+              </a:defRPr>
+            </a:lvl6pPr>
+            <a:lvl7pPr marL="2743200" indent="0">
+              <a:buNone/>
+              <a:defRPr sz="1400">
+                <a:solidFill>
+                  <a:schemeClr val="tx1">
+                    <a:tint val="75000"/>
+                  </a:schemeClr>
+                </a:solidFill>
+              </a:defRPr>
+            </a:lvl7pPr>
+            <a:lvl8pPr marL="3200400" indent="0">
+              <a:buNone/>
+              <a:defRPr sz="1400">
+                <a:solidFill>
+                  <a:schemeClr val="tx1">
+                    <a:tint val="75000"/>
+                  </a:schemeClr>
+                </a:solidFill>
+              </a:defRPr>
+            </a:lvl8pPr>
+            <a:lvl9pPr marL="3657600" indent="0">
+              <a:buNone/>
+              <a:defRPr sz="1400">
+                <a:solidFill>
+                  <a:schemeClr val="tx1">
+                    <a:tint val="75000"/>
+                  </a:schemeClr>
+                </a:solidFill>
+              </a:defRPr>
+            </a:lvl9pPr>
+          </a:lstStyle>
+          <a:p>
+            <a:pPr lvl="0"/>
+            <a:r>
+              <a:rPr lang="en-US"/>
+              <a:t>Click to edit Master text styles</a:t>
+            </a:r>
+          </a:p>
+        </p:txBody>
+      </p:sp>
+      <p:sp>
+        <p:nvSpPr>
+          <p:cNvPr id="3" name="Text Placeholder 2"/>
+          <p:cNvSpPr>
+            <a:spLocks noGrp="1"/>
+          </p:cNvSpPr>
+          <p:nvPr>
+            <p:ph type="body" idx="1"/>
+          </p:nvPr>
+        </p:nvSpPr>
+        <p:spPr>
+          <a:xfrm>
+            <a:off x="1295400" y="4470399"/>
+            <a:ext cx="9609670" cy="1405467"/>
+          </a:xfrm>
+        </p:spPr>
+        <p:txBody>
+          <a:bodyPr anchor="t">
+            <a:normAutofit/>
+          </a:bodyPr>
+          <a:lstStyle>
+            <a:lvl1pPr marL="0" indent="0" algn="l">
+              <a:buNone/>
+              <a:defRPr sz="1800">
+                <a:solidFill>
+                  <a:schemeClr val="tx1"/>
+                </a:solidFill>
+              </a:defRPr>
+            </a:lvl1pPr>
+            <a:lvl2pPr marL="457200" indent="0">
+              <a:buNone/>
+              <a:defRPr sz="1800">
+                <a:solidFill>
+                  <a:schemeClr val="tx1">
+                    <a:tint val="75000"/>
+                  </a:schemeClr>
+                </a:solidFill>
+              </a:defRPr>
+            </a:lvl2pPr>
+            <a:lvl3pPr marL="914400" indent="0">
+              <a:buNone/>
+              <a:defRPr sz="1600">
+                <a:solidFill>
+                  <a:schemeClr val="tx1">
+                    <a:tint val="75000"/>
+                  </a:schemeClr>
+                </a:solidFill>
+              </a:defRPr>
+            </a:lvl3pPr>
+            <a:lvl4pPr marL="1371600" indent="0">
+              <a:buNone/>
+              <a:defRPr sz="1400">
+                <a:solidFill>
+                  <a:schemeClr val="tx1">
+                    <a:tint val="75000"/>
+                  </a:schemeClr>
+                </a:solidFill>
+              </a:defRPr>
+            </a:lvl4pPr>
+            <a:lvl5pPr marL="1828800" indent="0">
+              <a:buNone/>
+              <a:defRPr sz="1400">
+                <a:solidFill>
+                  <a:schemeClr val="tx1">
+                    <a:tint val="75000"/>
+                  </a:schemeClr>
+                </a:solidFill>
+              </a:defRPr>
+            </a:lvl5pPr>
+            <a:lvl6pPr marL="2286000" indent="0">
+              <a:buNone/>
+              <a:defRPr sz="1400">
+                <a:solidFill>
+                  <a:schemeClr val="tx1">
+                    <a:tint val="75000"/>
+                  </a:schemeClr>
+                </a:solidFill>
+              </a:defRPr>
+            </a:lvl6pPr>
+            <a:lvl7pPr marL="2743200" indent="0">
+              <a:buNone/>
+              <a:defRPr sz="1400">
+                <a:solidFill>
+                  <a:schemeClr val="tx1">
+                    <a:tint val="75000"/>
+                  </a:schemeClr>
+                </a:solidFill>
+              </a:defRPr>
+            </a:lvl7pPr>
+            <a:lvl8pPr marL="3200400" indent="0">
+              <a:buNone/>
+              <a:defRPr sz="1400">
+                <a:solidFill>
+                  <a:schemeClr val="tx1">
+                    <a:tint val="75000"/>
+                  </a:schemeClr>
+                </a:solidFill>
+              </a:defRPr>
+            </a:lvl8pPr>
+            <a:lvl9pPr marL="3657600" indent="0">
+              <a:buNone/>
+              <a:defRPr sz="1400">
+                <a:solidFill>
+                  <a:schemeClr val="tx1">
+                    <a:tint val="75000"/>
+                  </a:schemeClr>
+                </a:solidFill>
+              </a:defRPr>
+            </a:lvl9pPr>
+          </a:lstStyle>
+          <a:p>
+            <a:pPr lvl="0"/>
+            <a:r>
+              <a:rPr lang="en-US"/>
+              <a:t>Click to edit Master text styles</a:t>
+            </a:r>
+          </a:p>
+        </p:txBody>
+      </p:sp>
+      <p:sp>
+        <p:nvSpPr>
+          <p:cNvPr id="4" name="Date Placeholder 3"/>
+          <p:cNvSpPr>
+            <a:spLocks noGrp="1"/>
+          </p:cNvSpPr>
+          <p:nvPr>
+            <p:ph type="dt" sz="half" idx="10"/>
+          </p:nvPr>
+        </p:nvSpPr>
+        <p:spPr/>
+        <p:txBody>
+          <a:bodyPr/>
+          <a:lstStyle/>
+          <a:p>
+            <a:fld id="{ED340025-97FB-45C2-8489-5CC4D8912124}" type="datetimeFigureOut">
+              <a:rPr lang="en-US" smtClean="0"/>
+              <a:t>12/5/2019</a:t>
+            </a:fld>
+            <a:endParaRPr lang="en-US"/>
+          </a:p>
+        </p:txBody>
+      </p:sp>
+      <p:sp>
+        <p:nvSpPr>
+          <p:cNvPr id="5" name="Footer Placeholder 4"/>
+          <p:cNvSpPr>
+            <a:spLocks noGrp="1"/>
+          </p:cNvSpPr>
+          <p:nvPr>
+            <p:ph type="ftr" sz="quarter" idx="11"/>
+          </p:nvPr>
+        </p:nvSpPr>
+        <p:spPr/>
+        <p:txBody>
+          <a:bodyPr/>
+          <a:lstStyle/>
+          <a:p>
+            <a:endParaRPr lang="en-US"/>
+          </a:p>
+        </p:txBody>
+      </p:sp>
+      <p:sp>
+        <p:nvSpPr>
+          <p:cNvPr id="6" name="Slide Number Placeholder 5"/>
+          <p:cNvSpPr>
+            <a:spLocks noGrp="1"/>
+          </p:cNvSpPr>
+          <p:nvPr>
+            <p:ph type="sldNum" sz="quarter" idx="12"/>
+          </p:nvPr>
+        </p:nvSpPr>
+        <p:spPr/>
+        <p:txBody>
+          <a:bodyPr/>
+          <a:lstStyle/>
+          <a:p>
+            <a:fld id="{FF2C20B0-DC66-4A70-821B-30D4F417F0F1}" type="slidenum">
+              <a:rPr lang="en-US" smtClean="0"/>
+              <a:t>‹#›</a:t>
+            </a:fld>
+            <a:endParaRPr lang="en-US"/>
+          </a:p>
+        </p:txBody>
+      </p:sp>
+      <p:cxnSp>
+        <p:nvCxnSpPr>
+          <p:cNvPr id="15" name="Straight Connector 14"/>
+          <p:cNvCxnSpPr/>
+          <p:nvPr/>
+        </p:nvCxnSpPr>
+        <p:spPr>
+          <a:xfrm>
+            <a:off x="1396169" y="3429000"/>
+            <a:ext cx="9407298" cy="0"/>
+          </a:xfrm>
+          <a:prstGeom prst="line">
+            <a:avLst/>
+          </a:prstGeom>
+          <a:ln w="15875"/>
+        </p:spPr>
+        <p:style>
+          <a:lnRef idx="2">
+            <a:schemeClr val="accent1"/>
+          </a:lnRef>
+          <a:fillRef idx="0">
+            <a:schemeClr val="accent1"/>
+          </a:fillRef>
+          <a:effectRef idx="1">
+            <a:schemeClr val="accent1"/>
+          </a:effectRef>
+          <a:fontRef idx="minor">
+            <a:schemeClr val="tx1"/>
+          </a:fontRef>
+        </p:style>
+      </p:cxnSp>
+    </p:spTree>
+    <p:extLst>
+      <p:ext uri="{BB962C8B-B14F-4D97-AF65-F5344CB8AC3E}">
+        <p14:creationId xmlns:p14="http://schemas.microsoft.com/office/powerpoint/2010/main" val="351841363"/>
+      </p:ext>
+    </p:extLst>
+  </p:cSld>
+  <p:clrMapOvr>
+    <a:masterClrMapping/>
+  </p:clrMapOvr>
+</p:sldLayout>
+</file>
+
+<file path=ppt/slideLayouts/slideLayout16.xml><?xml version="1.0" encoding="utf-8"?>
 <p:sldLayout xmlns:a="http://schemas.openxmlformats.org/drawingml/2006/main" xmlns:r="http://schemas.openxmlformats.org/officeDocument/2006/relationships" xmlns:p="http://schemas.openxmlformats.org/presentationml/2006/main" type="vertTx" preserve="1">
   <p:cSld name="Title and Vertical Text">
     <p:spTree>
@@ -353,13 +3120,7 @@
       </p:grpSpPr>
       <p:sp>
         <p:nvSpPr>
-          <p:cNvPr id="2" name="Title 1">
-            <a:extLst>
-              <a:ext uri="{FF2B5EF4-FFF2-40B4-BE49-F238E27FC236}">
-                <a16:creationId xmlns:a16="http://schemas.microsoft.com/office/drawing/2014/main" id="{E8D2A9B8-FFB3-45CB-B950-334F280B9CA2}"/>
-              </a:ext>
-            </a:extLst>
-          </p:cNvPr>
+          <p:cNvPr id="2" name="Title 1"/>
           <p:cNvSpPr>
             <a:spLocks noGrp="1"/>
           </p:cNvSpPr>
@@ -370,24 +3131,23 @@
         <p:spPr/>
         <p:txBody>
           <a:bodyPr/>
-          <a:lstStyle/>
+          <a:lstStyle>
+            <a:lvl1pPr algn="ctr">
+              <a:defRPr/>
+            </a:lvl1pPr>
+          </a:lstStyle>
           <a:p>
             <a:r>
               <a:rPr lang="en-US"/>
               <a:t>Click to edit Master title style</a:t>
             </a:r>
-          </a:p>
-        </p:txBody>
-      </p:sp>
-      <p:sp>
-        <p:nvSpPr>
-          <p:cNvPr id="3" name="Vertical Text Placeholder 2">
-            <a:extLst>
-              <a:ext uri="{FF2B5EF4-FFF2-40B4-BE49-F238E27FC236}">
-                <a16:creationId xmlns:a16="http://schemas.microsoft.com/office/drawing/2014/main" id="{1C690B84-5CE0-4569-8862-DF8ECAF9173C}"/>
-              </a:ext>
-            </a:extLst>
-          </p:cNvPr>
+            <a:endParaRPr lang="en-US" dirty="0"/>
+          </a:p>
+        </p:txBody>
+      </p:sp>
+      <p:sp>
+        <p:nvSpPr>
+          <p:cNvPr id="3" name="Vertical Text Placeholder 2"/>
           <p:cNvSpPr>
             <a:spLocks noGrp="1"/>
           </p:cNvSpPr>
@@ -397,7 +3157,7 @@
         </p:nvSpPr>
         <p:spPr/>
         <p:txBody>
-          <a:bodyPr vert="eaVert"/>
+          <a:bodyPr vert="eaVert" anchor="t"/>
           <a:lstStyle/>
           <a:p>
             <a:pPr lvl="0"/>
@@ -433,18 +3193,13 @@
               <a:rPr lang="en-US"/>
               <a:t>Fifth level</a:t>
             </a:r>
-          </a:p>
-        </p:txBody>
-      </p:sp>
-      <p:sp>
-        <p:nvSpPr>
-          <p:cNvPr id="4" name="Date Placeholder 3">
-            <a:extLst>
-              <a:ext uri="{FF2B5EF4-FFF2-40B4-BE49-F238E27FC236}">
-                <a16:creationId xmlns:a16="http://schemas.microsoft.com/office/drawing/2014/main" id="{12D2DE70-9ADC-4D52-B9D4-2CB955DFC301}"/>
-              </a:ext>
-            </a:extLst>
-          </p:cNvPr>
+            <a:endParaRPr lang="en-US" dirty="0"/>
+          </a:p>
+        </p:txBody>
+      </p:sp>
+      <p:sp>
+        <p:nvSpPr>
+          <p:cNvPr id="4" name="Date Placeholder 3"/>
           <p:cNvSpPr>
             <a:spLocks noGrp="1"/>
           </p:cNvSpPr>
@@ -467,13 +3222,7 @@
       </p:sp>
       <p:sp>
         <p:nvSpPr>
-          <p:cNvPr id="5" name="Footer Placeholder 4">
-            <a:extLst>
-              <a:ext uri="{FF2B5EF4-FFF2-40B4-BE49-F238E27FC236}">
-                <a16:creationId xmlns:a16="http://schemas.microsoft.com/office/drawing/2014/main" id="{21365866-4D0D-48E9-A1F9-E19F27B6BA19}"/>
-              </a:ext>
-            </a:extLst>
-          </p:cNvPr>
+          <p:cNvPr id="5" name="Footer Placeholder 4"/>
           <p:cNvSpPr>
             <a:spLocks noGrp="1"/>
           </p:cNvSpPr>
@@ -492,13 +3241,7 @@
       </p:sp>
       <p:sp>
         <p:nvSpPr>
-          <p:cNvPr id="6" name="Slide Number Placeholder 5">
-            <a:extLst>
-              <a:ext uri="{FF2B5EF4-FFF2-40B4-BE49-F238E27FC236}">
-                <a16:creationId xmlns:a16="http://schemas.microsoft.com/office/drawing/2014/main" id="{FF3597D8-96EF-4620-BA8E-6CFEB087C351}"/>
-              </a:ext>
-            </a:extLst>
-          </p:cNvPr>
+          <p:cNvPr id="6" name="Slide Number Placeholder 5"/>
           <p:cNvSpPr>
             <a:spLocks noGrp="1"/>
           </p:cNvSpPr>
@@ -519,10 +3262,41 @@
           </a:p>
         </p:txBody>
       </p:sp>
+      <p:cxnSp>
+        <p:nvCxnSpPr>
+          <p:cNvPr id="14" name="Straight Connector 13"/>
+          <p:cNvCxnSpPr/>
+          <p:nvPr/>
+        </p:nvCxnSpPr>
+        <p:spPr>
+          <a:xfrm>
+            <a:off x="1396169" y="2421466"/>
+            <a:ext cx="9407298" cy="0"/>
+          </a:xfrm>
+          <a:prstGeom prst="line">
+            <a:avLst/>
+          </a:prstGeom>
+          <a:ln w="15875"/>
+        </p:spPr>
+        <p:style>
+          <a:lnRef idx="2">
+            <a:schemeClr val="accent1"/>
+          </a:lnRef>
+          <a:fillRef idx="0">
+            <a:schemeClr val="accent1"/>
+          </a:fillRef>
+          <a:effectRef idx="1">
+            <a:schemeClr val="accent1"/>
+          </a:effectRef>
+          <a:fontRef idx="minor">
+            <a:schemeClr val="tx1"/>
+          </a:fontRef>
+        </p:style>
+      </p:cxnSp>
     </p:spTree>
     <p:extLst>
       <p:ext uri="{BB962C8B-B14F-4D97-AF65-F5344CB8AC3E}">
-        <p14:creationId xmlns:p14="http://schemas.microsoft.com/office/powerpoint/2010/main" val="354786517"/>
+        <p14:creationId xmlns:p14="http://schemas.microsoft.com/office/powerpoint/2010/main" val="939800974"/>
       </p:ext>
     </p:extLst>
   </p:cSld>
@@ -532,7 +3306,7 @@
 </p:sldLayout>
 </file>
 
-<file path=ppt/slideLayouts/slideLayout11.xml><?xml version="1.0" encoding="utf-8"?>
+<file path=ppt/slideLayouts/slideLayout17.xml><?xml version="1.0" encoding="utf-8"?>
 <p:sldLayout xmlns:a="http://schemas.openxmlformats.org/drawingml/2006/main" xmlns:r="http://schemas.openxmlformats.org/officeDocument/2006/relationships" xmlns:p="http://schemas.openxmlformats.org/presentationml/2006/main" type="vertTitleAndTx" preserve="1">
   <p:cSld name="Vertical Title and Text">
     <p:spTree>
@@ -551,13 +3325,7 @@
       </p:grpSpPr>
       <p:sp>
         <p:nvSpPr>
-          <p:cNvPr id="2" name="Vertical Title 1">
-            <a:extLst>
-              <a:ext uri="{FF2B5EF4-FFF2-40B4-BE49-F238E27FC236}">
-                <a16:creationId xmlns:a16="http://schemas.microsoft.com/office/drawing/2014/main" id="{B9514F64-1477-4A41-9178-DD6728402A42}"/>
-              </a:ext>
-            </a:extLst>
-          </p:cNvPr>
+          <p:cNvPr id="2" name="Vertical Title 1"/>
           <p:cNvSpPr>
             <a:spLocks noGrp="1"/>
           </p:cNvSpPr>
@@ -567,8 +3335,8 @@
         </p:nvSpPr>
         <p:spPr>
           <a:xfrm>
-            <a:off x="8724900" y="365125"/>
-            <a:ext cx="2628900" cy="5811838"/>
+            <a:off x="8999356" y="982131"/>
+            <a:ext cx="1890895" cy="4893735"/>
           </a:xfrm>
         </p:spPr>
         <p:txBody>
@@ -579,18 +3347,13 @@
               <a:rPr lang="en-US"/>
               <a:t>Click to edit Master title style</a:t>
             </a:r>
-          </a:p>
-        </p:txBody>
-      </p:sp>
-      <p:sp>
-        <p:nvSpPr>
-          <p:cNvPr id="3" name="Vertical Text Placeholder 2">
-            <a:extLst>
-              <a:ext uri="{FF2B5EF4-FFF2-40B4-BE49-F238E27FC236}">
-                <a16:creationId xmlns:a16="http://schemas.microsoft.com/office/drawing/2014/main" id="{1B6061CA-0607-4A00-8B31-A944149633BB}"/>
-              </a:ext>
-            </a:extLst>
-          </p:cNvPr>
+            <a:endParaRPr lang="en-US" dirty="0"/>
+          </a:p>
+        </p:txBody>
+      </p:sp>
+      <p:sp>
+        <p:nvSpPr>
+          <p:cNvPr id="3" name="Vertical Text Placeholder 2"/>
           <p:cNvSpPr>
             <a:spLocks noGrp="1"/>
           </p:cNvSpPr>
@@ -600,12 +3363,12 @@
         </p:nvSpPr>
         <p:spPr>
           <a:xfrm>
-            <a:off x="838200" y="365125"/>
-            <a:ext cx="7734300" cy="5811838"/>
+            <a:off x="1295398" y="982132"/>
+            <a:ext cx="7433025" cy="4893734"/>
           </a:xfrm>
         </p:spPr>
         <p:txBody>
-          <a:bodyPr vert="eaVert"/>
+          <a:bodyPr vert="eaVert" anchor="t"/>
           <a:lstStyle/>
           <a:p>
             <a:pPr lvl="0"/>
@@ -641,18 +3404,13 @@
               <a:rPr lang="en-US"/>
               <a:t>Fifth level</a:t>
             </a:r>
-          </a:p>
-        </p:txBody>
-      </p:sp>
-      <p:sp>
-        <p:nvSpPr>
-          <p:cNvPr id="4" name="Date Placeholder 3">
-            <a:extLst>
-              <a:ext uri="{FF2B5EF4-FFF2-40B4-BE49-F238E27FC236}">
-                <a16:creationId xmlns:a16="http://schemas.microsoft.com/office/drawing/2014/main" id="{CE03C708-6057-4955-9798-9CCD37C405D8}"/>
-              </a:ext>
-            </a:extLst>
-          </p:cNvPr>
+            <a:endParaRPr lang="en-US" dirty="0"/>
+          </a:p>
+        </p:txBody>
+      </p:sp>
+      <p:sp>
+        <p:nvSpPr>
+          <p:cNvPr id="4" name="Date Placeholder 3"/>
           <p:cNvSpPr>
             <a:spLocks noGrp="1"/>
           </p:cNvSpPr>
@@ -675,13 +3433,7 @@
       </p:sp>
       <p:sp>
         <p:nvSpPr>
-          <p:cNvPr id="5" name="Footer Placeholder 4">
-            <a:extLst>
-              <a:ext uri="{FF2B5EF4-FFF2-40B4-BE49-F238E27FC236}">
-                <a16:creationId xmlns:a16="http://schemas.microsoft.com/office/drawing/2014/main" id="{2D61AC45-F106-4875-A6BF-DCE4A9195E4C}"/>
-              </a:ext>
-            </a:extLst>
-          </p:cNvPr>
+          <p:cNvPr id="5" name="Footer Placeholder 4"/>
           <p:cNvSpPr>
             <a:spLocks noGrp="1"/>
           </p:cNvSpPr>
@@ -700,13 +3452,7 @@
       </p:sp>
       <p:sp>
         <p:nvSpPr>
-          <p:cNvPr id="6" name="Slide Number Placeholder 5">
-            <a:extLst>
-              <a:ext uri="{FF2B5EF4-FFF2-40B4-BE49-F238E27FC236}">
-                <a16:creationId xmlns:a16="http://schemas.microsoft.com/office/drawing/2014/main" id="{EB9DAAE6-7E94-4F04-BE6E-3208A6EC96FC}"/>
-              </a:ext>
-            </a:extLst>
-          </p:cNvPr>
+          <p:cNvPr id="6" name="Slide Number Placeholder 5"/>
           <p:cNvSpPr>
             <a:spLocks noGrp="1"/>
           </p:cNvSpPr>
@@ -727,10 +3473,41 @@
           </a:p>
         </p:txBody>
       </p:sp>
+      <p:cxnSp>
+        <p:nvCxnSpPr>
+          <p:cNvPr id="14" name="Straight Connector 13"/>
+          <p:cNvCxnSpPr/>
+          <p:nvPr/>
+        </p:nvCxnSpPr>
+        <p:spPr>
+          <a:xfrm>
+            <a:off x="8863890" y="990600"/>
+            <a:ext cx="0" cy="4876800"/>
+          </a:xfrm>
+          <a:prstGeom prst="line">
+            <a:avLst/>
+          </a:prstGeom>
+          <a:ln w="15875"/>
+        </p:spPr>
+        <p:style>
+          <a:lnRef idx="2">
+            <a:schemeClr val="accent1"/>
+          </a:lnRef>
+          <a:fillRef idx="0">
+            <a:schemeClr val="accent1"/>
+          </a:fillRef>
+          <a:effectRef idx="1">
+            <a:schemeClr val="accent1"/>
+          </a:effectRef>
+          <a:fontRef idx="minor">
+            <a:schemeClr val="tx1"/>
+          </a:fontRef>
+        </p:style>
+      </p:cxnSp>
     </p:spTree>
     <p:extLst>
       <p:ext uri="{BB962C8B-B14F-4D97-AF65-F5344CB8AC3E}">
-        <p14:creationId xmlns:p14="http://schemas.microsoft.com/office/powerpoint/2010/main" val="3614155597"/>
+        <p14:creationId xmlns:p14="http://schemas.microsoft.com/office/powerpoint/2010/main" val="2737990104"/>
       </p:ext>
     </p:extLst>
   </p:cSld>
@@ -757,15 +3534,40 @@
           <a:chExt cx="0" cy="0"/>
         </a:xfrm>
       </p:grpSpPr>
-      <p:sp>
-        <p:nvSpPr>
-          <p:cNvPr id="2" name="Title 1">
-            <a:extLst>
-              <a:ext uri="{FF2B5EF4-FFF2-40B4-BE49-F238E27FC236}">
-                <a16:creationId xmlns:a16="http://schemas.microsoft.com/office/drawing/2014/main" id="{1C54296C-AB0C-44F1-A3DE-587F2A409228}"/>
-              </a:ext>
-            </a:extLst>
-          </p:cNvPr>
+      <p:cxnSp>
+        <p:nvCxnSpPr>
+          <p:cNvPr id="7" name="Straight Connector 6"/>
+          <p:cNvCxnSpPr/>
+          <p:nvPr/>
+        </p:nvCxnSpPr>
+        <p:spPr>
+          <a:xfrm>
+            <a:off x="1396169" y="2421466"/>
+            <a:ext cx="9407298" cy="0"/>
+          </a:xfrm>
+          <a:prstGeom prst="line">
+            <a:avLst/>
+          </a:prstGeom>
+          <a:ln w="15875"/>
+        </p:spPr>
+        <p:style>
+          <a:lnRef idx="2">
+            <a:schemeClr val="accent1"/>
+          </a:lnRef>
+          <a:fillRef idx="0">
+            <a:schemeClr val="accent1"/>
+          </a:fillRef>
+          <a:effectRef idx="1">
+            <a:schemeClr val="accent1"/>
+          </a:effectRef>
+          <a:fontRef idx="minor">
+            <a:schemeClr val="tx1"/>
+          </a:fontRef>
+        </p:style>
+      </p:cxnSp>
+      <p:sp>
+        <p:nvSpPr>
+          <p:cNvPr id="2" name="Title 1"/>
           <p:cNvSpPr>
             <a:spLocks noGrp="1"/>
           </p:cNvSpPr>
@@ -782,18 +3584,13 @@
               <a:rPr lang="en-US"/>
               <a:t>Click to edit Master title style</a:t>
             </a:r>
-          </a:p>
-        </p:txBody>
-      </p:sp>
-      <p:sp>
-        <p:nvSpPr>
-          <p:cNvPr id="3" name="Content Placeholder 2">
-            <a:extLst>
-              <a:ext uri="{FF2B5EF4-FFF2-40B4-BE49-F238E27FC236}">
-                <a16:creationId xmlns:a16="http://schemas.microsoft.com/office/drawing/2014/main" id="{3555EC5B-B599-4854-84FA-0A53311F57FB}"/>
-              </a:ext>
-            </a:extLst>
-          </p:cNvPr>
+            <a:endParaRPr lang="en-US" dirty="0"/>
+          </a:p>
+        </p:txBody>
+      </p:sp>
+      <p:sp>
+        <p:nvSpPr>
+          <p:cNvPr id="3" name="Content Placeholder 2"/>
           <p:cNvSpPr>
             <a:spLocks noGrp="1"/>
           </p:cNvSpPr>
@@ -839,18 +3636,13 @@
               <a:rPr lang="en-US"/>
               <a:t>Fifth level</a:t>
             </a:r>
-          </a:p>
-        </p:txBody>
-      </p:sp>
-      <p:sp>
-        <p:nvSpPr>
-          <p:cNvPr id="4" name="Date Placeholder 3">
-            <a:extLst>
-              <a:ext uri="{FF2B5EF4-FFF2-40B4-BE49-F238E27FC236}">
-                <a16:creationId xmlns:a16="http://schemas.microsoft.com/office/drawing/2014/main" id="{79C684D5-117A-4291-A37C-662635959971}"/>
-              </a:ext>
-            </a:extLst>
-          </p:cNvPr>
+            <a:endParaRPr lang="en-US" dirty="0"/>
+          </a:p>
+        </p:txBody>
+      </p:sp>
+      <p:sp>
+        <p:nvSpPr>
+          <p:cNvPr id="4" name="Date Placeholder 3"/>
           <p:cNvSpPr>
             <a:spLocks noGrp="1"/>
           </p:cNvSpPr>
@@ -873,13 +3665,7 @@
       </p:sp>
       <p:sp>
         <p:nvSpPr>
-          <p:cNvPr id="5" name="Footer Placeholder 4">
-            <a:extLst>
-              <a:ext uri="{FF2B5EF4-FFF2-40B4-BE49-F238E27FC236}">
-                <a16:creationId xmlns:a16="http://schemas.microsoft.com/office/drawing/2014/main" id="{D99C1EAC-2B5E-444A-A327-C2A81E7DFCD5}"/>
-              </a:ext>
-            </a:extLst>
-          </p:cNvPr>
+          <p:cNvPr id="5" name="Footer Placeholder 4"/>
           <p:cNvSpPr>
             <a:spLocks noGrp="1"/>
           </p:cNvSpPr>
@@ -898,13 +3684,7 @@
       </p:sp>
       <p:sp>
         <p:nvSpPr>
-          <p:cNvPr id="6" name="Slide Number Placeholder 5">
-            <a:extLst>
-              <a:ext uri="{FF2B5EF4-FFF2-40B4-BE49-F238E27FC236}">
-                <a16:creationId xmlns:a16="http://schemas.microsoft.com/office/drawing/2014/main" id="{A46EC281-CF49-4DB5-B575-EE0B5EFCF0FC}"/>
-              </a:ext>
-            </a:extLst>
-          </p:cNvPr>
+          <p:cNvPr id="6" name="Slide Number Placeholder 5"/>
           <p:cNvSpPr>
             <a:spLocks noGrp="1"/>
           </p:cNvSpPr>
@@ -928,7 +3708,7 @@
     </p:spTree>
     <p:extLst>
       <p:ext uri="{BB962C8B-B14F-4D97-AF65-F5344CB8AC3E}">
-        <p14:creationId xmlns:p14="http://schemas.microsoft.com/office/powerpoint/2010/main" val="1028472899"/>
+        <p14:creationId xmlns:p14="http://schemas.microsoft.com/office/powerpoint/2010/main" val="1929019041"/>
       </p:ext>
     </p:extLst>
   </p:cSld>
@@ -957,13 +3737,7 @@
       </p:grpSpPr>
       <p:sp>
         <p:nvSpPr>
-          <p:cNvPr id="2" name="Title 1">
-            <a:extLst>
-              <a:ext uri="{FF2B5EF4-FFF2-40B4-BE49-F238E27FC236}">
-                <a16:creationId xmlns:a16="http://schemas.microsoft.com/office/drawing/2014/main" id="{B26662FD-9E9D-4C99-9DA4-6F4880E83C76}"/>
-              </a:ext>
-            </a:extLst>
-          </p:cNvPr>
+          <p:cNvPr id="2" name="Title 1"/>
           <p:cNvSpPr>
             <a:spLocks noGrp="1"/>
           </p:cNvSpPr>
@@ -973,15 +3747,17 @@
         </p:nvSpPr>
         <p:spPr>
           <a:xfrm>
-            <a:off x="831850" y="1709738"/>
-            <a:ext cx="10515600" cy="2852737"/>
+            <a:off x="2015069" y="1752606"/>
+            <a:ext cx="8158688" cy="1822514"/>
           </a:xfrm>
         </p:spPr>
         <p:txBody>
-          <a:bodyPr anchor="b"/>
+          <a:bodyPr anchor="b">
+            <a:normAutofit/>
+          </a:bodyPr>
           <a:lstStyle>
-            <a:lvl1pPr>
-              <a:defRPr sz="6000"/>
+            <a:lvl1pPr algn="ctr">
+              <a:defRPr sz="4400" b="0" cap="none"/>
             </a:lvl1pPr>
           </a:lstStyle>
           <a:p>
@@ -989,18 +3765,13 @@
               <a:rPr lang="en-US"/>
               <a:t>Click to edit Master title style</a:t>
             </a:r>
-          </a:p>
-        </p:txBody>
-      </p:sp>
-      <p:sp>
-        <p:nvSpPr>
-          <p:cNvPr id="3" name="Text Placeholder 2">
-            <a:extLst>
-              <a:ext uri="{FF2B5EF4-FFF2-40B4-BE49-F238E27FC236}">
-                <a16:creationId xmlns:a16="http://schemas.microsoft.com/office/drawing/2014/main" id="{FD687E79-69AE-4BCE-8941-33E5493E4506}"/>
-              </a:ext>
-            </a:extLst>
-          </p:cNvPr>
+            <a:endParaRPr lang="en-US" dirty="0"/>
+          </a:p>
+        </p:txBody>
+      </p:sp>
+      <p:sp>
+        <p:nvSpPr>
+          <p:cNvPr id="3" name="Text Placeholder 2"/>
           <p:cNvSpPr>
             <a:spLocks noGrp="1"/>
           </p:cNvSpPr>
@@ -1010,102 +3781,102 @@
         </p:nvSpPr>
         <p:spPr>
           <a:xfrm>
-            <a:off x="831850" y="4589463"/>
-            <a:ext cx="10515600" cy="1500187"/>
+            <a:off x="2015067" y="3846051"/>
+            <a:ext cx="8158690" cy="954547"/>
           </a:xfrm>
         </p:spPr>
         <p:txBody>
-          <a:bodyPr/>
+          <a:bodyPr anchor="t">
+            <a:normAutofit/>
+          </a:bodyPr>
           <a:lstStyle>
-            <a:lvl1pPr marL="0" indent="0">
+            <a:lvl1pPr marL="0" indent="0" algn="ctr">
               <a:buNone/>
               <a:defRPr sz="2400">
+                <a:solidFill>
+                  <a:schemeClr val="tx1"/>
+                </a:solidFill>
+              </a:defRPr>
+            </a:lvl1pPr>
+            <a:lvl2pPr marL="457200" indent="0">
+              <a:buNone/>
+              <a:defRPr sz="1800">
                 <a:solidFill>
                   <a:schemeClr val="tx1">
                     <a:tint val="75000"/>
                   </a:schemeClr>
                 </a:solidFill>
               </a:defRPr>
-            </a:lvl1pPr>
-            <a:lvl2pPr marL="457200" indent="0">
-              <a:buNone/>
-              <a:defRPr sz="2000">
+            </a:lvl2pPr>
+            <a:lvl3pPr marL="914400" indent="0">
+              <a:buNone/>
+              <a:defRPr sz="1600">
                 <a:solidFill>
                   <a:schemeClr val="tx1">
                     <a:tint val="75000"/>
                   </a:schemeClr>
                 </a:solidFill>
               </a:defRPr>
-            </a:lvl2pPr>
-            <a:lvl3pPr marL="914400" indent="0">
-              <a:buNone/>
-              <a:defRPr sz="1800">
+            </a:lvl3pPr>
+            <a:lvl4pPr marL="1371600" indent="0">
+              <a:buNone/>
+              <a:defRPr sz="1400">
                 <a:solidFill>
                   <a:schemeClr val="tx1">
                     <a:tint val="75000"/>
                   </a:schemeClr>
                 </a:solidFill>
               </a:defRPr>
-            </a:lvl3pPr>
-            <a:lvl4pPr marL="1371600" indent="0">
-              <a:buNone/>
-              <a:defRPr sz="1600">
+            </a:lvl4pPr>
+            <a:lvl5pPr marL="1828800" indent="0">
+              <a:buNone/>
+              <a:defRPr sz="1400">
                 <a:solidFill>
                   <a:schemeClr val="tx1">
                     <a:tint val="75000"/>
                   </a:schemeClr>
                 </a:solidFill>
               </a:defRPr>
-            </a:lvl4pPr>
-            <a:lvl5pPr marL="1828800" indent="0">
-              <a:buNone/>
-              <a:defRPr sz="1600">
+            </a:lvl5pPr>
+            <a:lvl6pPr marL="2286000" indent="0">
+              <a:buNone/>
+              <a:defRPr sz="1400">
                 <a:solidFill>
                   <a:schemeClr val="tx1">
                     <a:tint val="75000"/>
                   </a:schemeClr>
                 </a:solidFill>
               </a:defRPr>
-            </a:lvl5pPr>
-            <a:lvl6pPr marL="2286000" indent="0">
-              <a:buNone/>
-              <a:defRPr sz="1600">
+            </a:lvl6pPr>
+            <a:lvl7pPr marL="2743200" indent="0">
+              <a:buNone/>
+              <a:defRPr sz="1400">
                 <a:solidFill>
                   <a:schemeClr val="tx1">
                     <a:tint val="75000"/>
                   </a:schemeClr>
                 </a:solidFill>
               </a:defRPr>
-            </a:lvl6pPr>
-            <a:lvl7pPr marL="2743200" indent="0">
-              <a:buNone/>
-              <a:defRPr sz="1600">
+            </a:lvl7pPr>
+            <a:lvl8pPr marL="3200400" indent="0">
+              <a:buNone/>
+              <a:defRPr sz="1400">
                 <a:solidFill>
                   <a:schemeClr val="tx1">
                     <a:tint val="75000"/>
                   </a:schemeClr>
                 </a:solidFill>
               </a:defRPr>
-            </a:lvl7pPr>
-            <a:lvl8pPr marL="3200400" indent="0">
-              <a:buNone/>
-              <a:defRPr sz="1600">
+            </a:lvl8pPr>
+            <a:lvl9pPr marL="3657600" indent="0">
+              <a:buNone/>
+              <a:defRPr sz="1400">
                 <a:solidFill>
                   <a:schemeClr val="tx1">
                     <a:tint val="75000"/>
                   </a:schemeClr>
                 </a:solidFill>
               </a:defRPr>
-            </a:lvl8pPr>
-            <a:lvl9pPr marL="3657600" indent="0">
-              <a:buNone/>
-              <a:defRPr sz="1600">
-                <a:solidFill>
-                  <a:schemeClr val="tx1">
-                    <a:tint val="75000"/>
-                  </a:schemeClr>
-                </a:solidFill>
-              </a:defRPr>
             </a:lvl9pPr>
           </a:lstStyle>
           <a:p>
@@ -1119,13 +3890,7 @@
       </p:sp>
       <p:sp>
         <p:nvSpPr>
-          <p:cNvPr id="4" name="Date Placeholder 3">
-            <a:extLst>
-              <a:ext uri="{FF2B5EF4-FFF2-40B4-BE49-F238E27FC236}">
-                <a16:creationId xmlns:a16="http://schemas.microsoft.com/office/drawing/2014/main" id="{B7E307AB-1BEF-4DF2-9775-23E4AB1AA1E7}"/>
-              </a:ext>
-            </a:extLst>
-          </p:cNvPr>
+          <p:cNvPr id="4" name="Date Placeholder 3"/>
           <p:cNvSpPr>
             <a:spLocks noGrp="1"/>
           </p:cNvSpPr>
@@ -1148,13 +3913,7 @@
       </p:sp>
       <p:sp>
         <p:nvSpPr>
-          <p:cNvPr id="5" name="Footer Placeholder 4">
-            <a:extLst>
-              <a:ext uri="{FF2B5EF4-FFF2-40B4-BE49-F238E27FC236}">
-                <a16:creationId xmlns:a16="http://schemas.microsoft.com/office/drawing/2014/main" id="{F7A41899-0718-4E35-9E2A-EE76ECD8FC9F}"/>
-              </a:ext>
-            </a:extLst>
-          </p:cNvPr>
+          <p:cNvPr id="5" name="Footer Placeholder 4"/>
           <p:cNvSpPr>
             <a:spLocks noGrp="1"/>
           </p:cNvSpPr>
@@ -1173,13 +3932,7 @@
       </p:sp>
       <p:sp>
         <p:nvSpPr>
-          <p:cNvPr id="6" name="Slide Number Placeholder 5">
-            <a:extLst>
-              <a:ext uri="{FF2B5EF4-FFF2-40B4-BE49-F238E27FC236}">
-                <a16:creationId xmlns:a16="http://schemas.microsoft.com/office/drawing/2014/main" id="{00F05C38-8F16-4F4F-B982-7095D5DF1D72}"/>
-              </a:ext>
-            </a:extLst>
-          </p:cNvPr>
+          <p:cNvPr id="6" name="Slide Number Placeholder 5"/>
           <p:cNvSpPr>
             <a:spLocks noGrp="1"/>
           </p:cNvSpPr>
@@ -1200,10 +3953,41 @@
           </a:p>
         </p:txBody>
       </p:sp>
+      <p:cxnSp>
+        <p:nvCxnSpPr>
+          <p:cNvPr id="16" name="Straight Connector 15"/>
+          <p:cNvCxnSpPr/>
+          <p:nvPr/>
+        </p:nvCxnSpPr>
+        <p:spPr>
+          <a:xfrm>
+            <a:off x="2012723" y="3710585"/>
+            <a:ext cx="8163380" cy="0"/>
+          </a:xfrm>
+          <a:prstGeom prst="line">
+            <a:avLst/>
+          </a:prstGeom>
+          <a:ln w="15875"/>
+        </p:spPr>
+        <p:style>
+          <a:lnRef idx="2">
+            <a:schemeClr val="accent1"/>
+          </a:lnRef>
+          <a:fillRef idx="0">
+            <a:schemeClr val="accent1"/>
+          </a:fillRef>
+          <a:effectRef idx="1">
+            <a:schemeClr val="accent1"/>
+          </a:effectRef>
+          <a:fontRef idx="minor">
+            <a:schemeClr val="tx1"/>
+          </a:fontRef>
+        </p:style>
+      </p:cxnSp>
     </p:spTree>
     <p:extLst>
       <p:ext uri="{BB962C8B-B14F-4D97-AF65-F5344CB8AC3E}">
-        <p14:creationId xmlns:p14="http://schemas.microsoft.com/office/powerpoint/2010/main" val="3157718358"/>
+        <p14:creationId xmlns:p14="http://schemas.microsoft.com/office/powerpoint/2010/main" val="1669778556"/>
       </p:ext>
     </p:extLst>
   </p:cSld>
@@ -1230,58 +4014,80 @@
           <a:chExt cx="0" cy="0"/>
         </a:xfrm>
       </p:grpSpPr>
-      <p:sp>
-        <p:nvSpPr>
-          <p:cNvPr id="2" name="Title 1">
-            <a:extLst>
-              <a:ext uri="{FF2B5EF4-FFF2-40B4-BE49-F238E27FC236}">
-                <a16:creationId xmlns:a16="http://schemas.microsoft.com/office/drawing/2014/main" id="{B96719CD-6BC2-4F24-B57C-F93E5B34D0DE}"/>
-              </a:ext>
-            </a:extLst>
-          </p:cNvPr>
-          <p:cNvSpPr>
-            <a:spLocks noGrp="1"/>
-          </p:cNvSpPr>
-          <p:nvPr>
-            <p:ph type="title"/>
-          </p:nvPr>
-        </p:nvSpPr>
-        <p:spPr/>
-        <p:txBody>
-          <a:bodyPr/>
-          <a:lstStyle/>
-          <a:p>
-            <a:r>
-              <a:rPr lang="en-US"/>
-              <a:t>Click to edit Master title style</a:t>
-            </a:r>
-          </a:p>
-        </p:txBody>
-      </p:sp>
-      <p:sp>
-        <p:nvSpPr>
-          <p:cNvPr id="3" name="Content Placeholder 2">
-            <a:extLst>
-              <a:ext uri="{FF2B5EF4-FFF2-40B4-BE49-F238E27FC236}">
-                <a16:creationId xmlns:a16="http://schemas.microsoft.com/office/drawing/2014/main" id="{547D1C4C-AFFB-4E8F-A627-02BAEE70DBCF}"/>
-              </a:ext>
-            </a:extLst>
-          </p:cNvPr>
-          <p:cNvSpPr>
-            <a:spLocks noGrp="1"/>
-          </p:cNvSpPr>
-          <p:nvPr>
-            <p:ph sz="half" idx="1"/>
-          </p:nvPr>
-        </p:nvSpPr>
+      <p:cxnSp>
+        <p:nvCxnSpPr>
+          <p:cNvPr id="8" name="Straight Connector 7"/>
+          <p:cNvCxnSpPr/>
+          <p:nvPr/>
+        </p:nvCxnSpPr>
         <p:spPr>
           <a:xfrm>
-            <a:off x="838200" y="1825625"/>
-            <a:ext cx="5181600" cy="4351338"/>
+            <a:off x="1396169" y="2421466"/>
+            <a:ext cx="9407298" cy="0"/>
+          </a:xfrm>
+          <a:prstGeom prst="line">
+            <a:avLst/>
+          </a:prstGeom>
+          <a:ln w="15875"/>
+        </p:spPr>
+        <p:style>
+          <a:lnRef idx="2">
+            <a:schemeClr val="accent1"/>
+          </a:lnRef>
+          <a:fillRef idx="0">
+            <a:schemeClr val="accent1"/>
+          </a:fillRef>
+          <a:effectRef idx="1">
+            <a:schemeClr val="accent1"/>
+          </a:effectRef>
+          <a:fontRef idx="minor">
+            <a:schemeClr val="tx1"/>
+          </a:fontRef>
+        </p:style>
+      </p:cxnSp>
+      <p:sp>
+        <p:nvSpPr>
+          <p:cNvPr id="2" name="Title 1"/>
+          <p:cNvSpPr>
+            <a:spLocks noGrp="1"/>
+          </p:cNvSpPr>
+          <p:nvPr>
+            <p:ph type="title"/>
+          </p:nvPr>
+        </p:nvSpPr>
+        <p:spPr/>
+        <p:txBody>
+          <a:bodyPr/>
+          <a:lstStyle/>
+          <a:p>
+            <a:r>
+              <a:rPr lang="en-US"/>
+              <a:t>Click to edit Master title style</a:t>
+            </a:r>
+            <a:endParaRPr lang="en-US" dirty="0"/>
+          </a:p>
+        </p:txBody>
+      </p:sp>
+      <p:sp>
+        <p:nvSpPr>
+          <p:cNvPr id="3" name="Content Placeholder 2"/>
+          <p:cNvSpPr>
+            <a:spLocks noGrp="1"/>
+          </p:cNvSpPr>
+          <p:nvPr>
+            <p:ph sz="half" idx="1"/>
+          </p:nvPr>
+        </p:nvSpPr>
+        <p:spPr>
+          <a:xfrm>
+            <a:off x="1298448" y="2560320"/>
+            <a:ext cx="4718304" cy="3310128"/>
           </a:xfrm>
         </p:spPr>
         <p:txBody>
-          <a:bodyPr/>
+          <a:bodyPr>
+            <a:normAutofit/>
+          </a:bodyPr>
           <a:lstStyle/>
           <a:p>
             <a:pPr lvl="0"/>
@@ -1317,18 +4123,13 @@
               <a:rPr lang="en-US"/>
               <a:t>Fifth level</a:t>
             </a:r>
-          </a:p>
-        </p:txBody>
-      </p:sp>
-      <p:sp>
-        <p:nvSpPr>
-          <p:cNvPr id="4" name="Content Placeholder 3">
-            <a:extLst>
-              <a:ext uri="{FF2B5EF4-FFF2-40B4-BE49-F238E27FC236}">
-                <a16:creationId xmlns:a16="http://schemas.microsoft.com/office/drawing/2014/main" id="{99927440-77FC-4C57-923D-41156B325AAB}"/>
-              </a:ext>
-            </a:extLst>
-          </p:cNvPr>
+            <a:endParaRPr lang="en-US" dirty="0"/>
+          </a:p>
+        </p:txBody>
+      </p:sp>
+      <p:sp>
+        <p:nvSpPr>
+          <p:cNvPr id="4" name="Content Placeholder 3"/>
           <p:cNvSpPr>
             <a:spLocks noGrp="1"/>
           </p:cNvSpPr>
@@ -1338,12 +4139,14 @@
         </p:nvSpPr>
         <p:spPr>
           <a:xfrm>
-            <a:off x="6172200" y="1825625"/>
-            <a:ext cx="5181600" cy="4351338"/>
+            <a:off x="6181344" y="2560320"/>
+            <a:ext cx="4718304" cy="3310128"/>
           </a:xfrm>
         </p:spPr>
         <p:txBody>
-          <a:bodyPr/>
+          <a:bodyPr>
+            <a:normAutofit/>
+          </a:bodyPr>
           <a:lstStyle/>
           <a:p>
             <a:pPr lvl="0"/>
@@ -1379,18 +4182,13 @@
               <a:rPr lang="en-US"/>
               <a:t>Fifth level</a:t>
             </a:r>
-          </a:p>
-        </p:txBody>
-      </p:sp>
-      <p:sp>
-        <p:nvSpPr>
-          <p:cNvPr id="5" name="Date Placeholder 4">
-            <a:extLst>
-              <a:ext uri="{FF2B5EF4-FFF2-40B4-BE49-F238E27FC236}">
-                <a16:creationId xmlns:a16="http://schemas.microsoft.com/office/drawing/2014/main" id="{5A03A7E5-5A3C-4724-9525-D8F23D454AEC}"/>
-              </a:ext>
-            </a:extLst>
-          </p:cNvPr>
+            <a:endParaRPr lang="en-US" dirty="0"/>
+          </a:p>
+        </p:txBody>
+      </p:sp>
+      <p:sp>
+        <p:nvSpPr>
+          <p:cNvPr id="5" name="Date Placeholder 4"/>
           <p:cNvSpPr>
             <a:spLocks noGrp="1"/>
           </p:cNvSpPr>
@@ -1413,13 +4211,7 @@
       </p:sp>
       <p:sp>
         <p:nvSpPr>
-          <p:cNvPr id="6" name="Footer Placeholder 5">
-            <a:extLst>
-              <a:ext uri="{FF2B5EF4-FFF2-40B4-BE49-F238E27FC236}">
-                <a16:creationId xmlns:a16="http://schemas.microsoft.com/office/drawing/2014/main" id="{84A2378A-18EC-4888-B760-12206B682778}"/>
-              </a:ext>
-            </a:extLst>
-          </p:cNvPr>
+          <p:cNvPr id="6" name="Footer Placeholder 5"/>
           <p:cNvSpPr>
             <a:spLocks noGrp="1"/>
           </p:cNvSpPr>
@@ -1438,13 +4230,7 @@
       </p:sp>
       <p:sp>
         <p:nvSpPr>
-          <p:cNvPr id="7" name="Slide Number Placeholder 6">
-            <a:extLst>
-              <a:ext uri="{FF2B5EF4-FFF2-40B4-BE49-F238E27FC236}">
-                <a16:creationId xmlns:a16="http://schemas.microsoft.com/office/drawing/2014/main" id="{5B4F3262-171C-4280-BE17-E571655EA293}"/>
-              </a:ext>
-            </a:extLst>
-          </p:cNvPr>
+          <p:cNvPr id="7" name="Slide Number Placeholder 6"/>
           <p:cNvSpPr>
             <a:spLocks noGrp="1"/>
           </p:cNvSpPr>
@@ -1468,7 +4254,7 @@
     </p:spTree>
     <p:extLst>
       <p:ext uri="{BB962C8B-B14F-4D97-AF65-F5344CB8AC3E}">
-        <p14:creationId xmlns:p14="http://schemas.microsoft.com/office/powerpoint/2010/main" val="3783278958"/>
+        <p14:creationId xmlns:p14="http://schemas.microsoft.com/office/powerpoint/2010/main" val="3814043174"/>
       </p:ext>
     </p:extLst>
   </p:cSld>
@@ -1497,65 +4283,65 @@
       </p:grpSpPr>
       <p:sp>
         <p:nvSpPr>
-          <p:cNvPr id="2" name="Title 1">
-            <a:extLst>
-              <a:ext uri="{FF2B5EF4-FFF2-40B4-BE49-F238E27FC236}">
-                <a16:creationId xmlns:a16="http://schemas.microsoft.com/office/drawing/2014/main" id="{40C2AD4B-7002-4FF4-BE11-25E00EB1CDC5}"/>
-              </a:ext>
-            </a:extLst>
-          </p:cNvPr>
+          <p:cNvPr id="2" name="Title 1"/>
           <p:cNvSpPr>
             <a:spLocks noGrp="1"/>
           </p:cNvSpPr>
           <p:nvPr>
             <p:ph type="title"/>
+          </p:nvPr>
+        </p:nvSpPr>
+        <p:spPr/>
+        <p:txBody>
+          <a:bodyPr/>
+          <a:lstStyle>
+            <a:lvl1pPr>
+              <a:defRPr/>
+            </a:lvl1pPr>
+          </a:lstStyle>
+          <a:p>
+            <a:r>
+              <a:rPr lang="en-US"/>
+              <a:t>Click to edit Master title style</a:t>
+            </a:r>
+            <a:endParaRPr lang="en-US" dirty="0"/>
+          </a:p>
+        </p:txBody>
+      </p:sp>
+      <p:sp>
+        <p:nvSpPr>
+          <p:cNvPr id="3" name="Text Placeholder 2"/>
+          <p:cNvSpPr>
+            <a:spLocks noGrp="1"/>
+          </p:cNvSpPr>
+          <p:nvPr>
+            <p:ph type="body" idx="1"/>
           </p:nvPr>
         </p:nvSpPr>
         <p:spPr>
           <a:xfrm>
-            <a:off x="839788" y="365125"/>
-            <a:ext cx="10515600" cy="1325563"/>
+            <a:off x="1295400" y="2658533"/>
+            <a:ext cx="4718304" cy="576262"/>
           </a:xfrm>
         </p:spPr>
         <p:txBody>
-          <a:bodyPr/>
-          <a:lstStyle/>
-          <a:p>
-            <a:r>
-              <a:rPr lang="en-US"/>
-              <a:t>Click to edit Master title style</a:t>
-            </a:r>
-          </a:p>
-        </p:txBody>
-      </p:sp>
-      <p:sp>
-        <p:nvSpPr>
-          <p:cNvPr id="3" name="Text Placeholder 2">
-            <a:extLst>
-              <a:ext uri="{FF2B5EF4-FFF2-40B4-BE49-F238E27FC236}">
-                <a16:creationId xmlns:a16="http://schemas.microsoft.com/office/drawing/2014/main" id="{8BDCEFC9-39E0-4DFB-A937-2543900BB2D2}"/>
-              </a:ext>
-            </a:extLst>
-          </p:cNvPr>
-          <p:cNvSpPr>
-            <a:spLocks noGrp="1"/>
-          </p:cNvSpPr>
-          <p:nvPr>
-            <p:ph type="body" idx="1"/>
-          </p:nvPr>
-        </p:nvSpPr>
-        <p:spPr>
-          <a:xfrm>
-            <a:off x="839788" y="1681163"/>
-            <a:ext cx="5157787" cy="823912"/>
-          </a:xfrm>
-        </p:spPr>
-        <p:txBody>
-          <a:bodyPr anchor="b"/>
+          <a:bodyPr anchor="b">
+            <a:noAutofit/>
+          </a:bodyPr>
           <a:lstStyle>
             <a:lvl1pPr marL="0" indent="0">
-              <a:buNone/>
-              <a:defRPr sz="2400" b="1"/>
+              <a:spcBef>
+                <a:spcPts val="672"/>
+              </a:spcBef>
+              <a:spcAft>
+                <a:spcPts val="600"/>
+              </a:spcAft>
+              <a:buNone/>
+              <a:defRPr sz="2800" b="0">
+                <a:solidFill>
+                  <a:schemeClr val="accent1"/>
+                </a:solidFill>
+              </a:defRPr>
             </a:lvl1pPr>
             <a:lvl2pPr marL="457200" indent="0">
               <a:buNone/>
@@ -1601,13 +4387,7 @@
       </p:sp>
       <p:sp>
         <p:nvSpPr>
-          <p:cNvPr id="4" name="Content Placeholder 3">
-            <a:extLst>
-              <a:ext uri="{FF2B5EF4-FFF2-40B4-BE49-F238E27FC236}">
-                <a16:creationId xmlns:a16="http://schemas.microsoft.com/office/drawing/2014/main" id="{54F23600-7FCF-45C8-A5C5-7C45E2D331F5}"/>
-              </a:ext>
-            </a:extLst>
-          </p:cNvPr>
+          <p:cNvPr id="4" name="Content Placeholder 3"/>
           <p:cNvSpPr>
             <a:spLocks noGrp="1"/>
           </p:cNvSpPr>
@@ -1617,12 +4397,14 @@
         </p:nvSpPr>
         <p:spPr>
           <a:xfrm>
-            <a:off x="839788" y="2505075"/>
-            <a:ext cx="5157787" cy="3684588"/>
+            <a:off x="1295400" y="3243262"/>
+            <a:ext cx="4718304" cy="2632605"/>
           </a:xfrm>
         </p:spPr>
         <p:txBody>
-          <a:bodyPr/>
+          <a:bodyPr anchor="t">
+            <a:normAutofit/>
+          </a:bodyPr>
           <a:lstStyle/>
           <a:p>
             <a:pPr lvl="0"/>
@@ -1658,18 +4440,13 @@
               <a:rPr lang="en-US"/>
               <a:t>Fifth level</a:t>
             </a:r>
-          </a:p>
-        </p:txBody>
-      </p:sp>
-      <p:sp>
-        <p:nvSpPr>
-          <p:cNvPr id="5" name="Text Placeholder 4">
-            <a:extLst>
-              <a:ext uri="{FF2B5EF4-FFF2-40B4-BE49-F238E27FC236}">
-                <a16:creationId xmlns:a16="http://schemas.microsoft.com/office/drawing/2014/main" id="{9F01481B-DF66-43A5-82C2-8BB9F858DC2F}"/>
-              </a:ext>
-            </a:extLst>
-          </p:cNvPr>
+            <a:endParaRPr lang="en-US" dirty="0"/>
+          </a:p>
+        </p:txBody>
+      </p:sp>
+      <p:sp>
+        <p:nvSpPr>
+          <p:cNvPr id="5" name="Text Placeholder 4"/>
           <p:cNvSpPr>
             <a:spLocks noGrp="1"/>
           </p:cNvSpPr>
@@ -1679,16 +4456,28 @@
         </p:nvSpPr>
         <p:spPr>
           <a:xfrm>
-            <a:off x="6172200" y="1681163"/>
-            <a:ext cx="5183188" cy="823912"/>
+            <a:off x="6180670" y="2658533"/>
+            <a:ext cx="4718304" cy="576262"/>
           </a:xfrm>
         </p:spPr>
         <p:txBody>
-          <a:bodyPr anchor="b"/>
+          <a:bodyPr anchor="b">
+            <a:noAutofit/>
+          </a:bodyPr>
           <a:lstStyle>
             <a:lvl1pPr marL="0" indent="0">
-              <a:buNone/>
-              <a:defRPr sz="2400" b="1"/>
+              <a:spcBef>
+                <a:spcPts val="672"/>
+              </a:spcBef>
+              <a:spcAft>
+                <a:spcPts val="600"/>
+              </a:spcAft>
+              <a:buNone/>
+              <a:defRPr sz="2800" b="0">
+                <a:solidFill>
+                  <a:schemeClr val="accent1"/>
+                </a:solidFill>
+              </a:defRPr>
             </a:lvl1pPr>
             <a:lvl2pPr marL="457200" indent="0">
               <a:buNone/>
@@ -1734,13 +4523,7 @@
       </p:sp>
       <p:sp>
         <p:nvSpPr>
-          <p:cNvPr id="6" name="Content Placeholder 5">
-            <a:extLst>
-              <a:ext uri="{FF2B5EF4-FFF2-40B4-BE49-F238E27FC236}">
-                <a16:creationId xmlns:a16="http://schemas.microsoft.com/office/drawing/2014/main" id="{2E29FD02-D9D3-43EA-90E2-CE0857228653}"/>
-              </a:ext>
-            </a:extLst>
-          </p:cNvPr>
+          <p:cNvPr id="6" name="Content Placeholder 5"/>
           <p:cNvSpPr>
             <a:spLocks noGrp="1"/>
           </p:cNvSpPr>
@@ -1750,12 +4533,14 @@
         </p:nvSpPr>
         <p:spPr>
           <a:xfrm>
-            <a:off x="6172200" y="2505075"/>
-            <a:ext cx="5183188" cy="3684588"/>
+            <a:off x="6180670" y="3243262"/>
+            <a:ext cx="4718304" cy="2632605"/>
           </a:xfrm>
         </p:spPr>
         <p:txBody>
-          <a:bodyPr/>
+          <a:bodyPr anchor="t">
+            <a:normAutofit/>
+          </a:bodyPr>
           <a:lstStyle/>
           <a:p>
             <a:pPr lvl="0"/>
@@ -1791,18 +4576,13 @@
               <a:rPr lang="en-US"/>
               <a:t>Fifth level</a:t>
             </a:r>
-          </a:p>
-        </p:txBody>
-      </p:sp>
-      <p:sp>
-        <p:nvSpPr>
-          <p:cNvPr id="7" name="Date Placeholder 6">
-            <a:extLst>
-              <a:ext uri="{FF2B5EF4-FFF2-40B4-BE49-F238E27FC236}">
-                <a16:creationId xmlns:a16="http://schemas.microsoft.com/office/drawing/2014/main" id="{DF3F4B5D-2F63-4B3E-969F-2C92CFD5C3BC}"/>
-              </a:ext>
-            </a:extLst>
-          </p:cNvPr>
+            <a:endParaRPr lang="en-US" dirty="0"/>
+          </a:p>
+        </p:txBody>
+      </p:sp>
+      <p:sp>
+        <p:nvSpPr>
+          <p:cNvPr id="7" name="Date Placeholder 6"/>
           <p:cNvSpPr>
             <a:spLocks noGrp="1"/>
           </p:cNvSpPr>
@@ -1825,13 +4605,7 @@
       </p:sp>
       <p:sp>
         <p:nvSpPr>
-          <p:cNvPr id="8" name="Footer Placeholder 7">
-            <a:extLst>
-              <a:ext uri="{FF2B5EF4-FFF2-40B4-BE49-F238E27FC236}">
-                <a16:creationId xmlns:a16="http://schemas.microsoft.com/office/drawing/2014/main" id="{EDED962C-011E-4F3B-9A66-CC3D76AC7D0E}"/>
-              </a:ext>
-            </a:extLst>
-          </p:cNvPr>
+          <p:cNvPr id="8" name="Footer Placeholder 7"/>
           <p:cNvSpPr>
             <a:spLocks noGrp="1"/>
           </p:cNvSpPr>
@@ -1850,13 +4624,7 @@
       </p:sp>
       <p:sp>
         <p:nvSpPr>
-          <p:cNvPr id="9" name="Slide Number Placeholder 8">
-            <a:extLst>
-              <a:ext uri="{FF2B5EF4-FFF2-40B4-BE49-F238E27FC236}">
-                <a16:creationId xmlns:a16="http://schemas.microsoft.com/office/drawing/2014/main" id="{A59AAD08-4FA4-4EA1-910F-A66A976F6CF3}"/>
-              </a:ext>
-            </a:extLst>
-          </p:cNvPr>
+          <p:cNvPr id="9" name="Slide Number Placeholder 8"/>
           <p:cNvSpPr>
             <a:spLocks noGrp="1"/>
           </p:cNvSpPr>
@@ -1877,10 +4645,41 @@
           </a:p>
         </p:txBody>
       </p:sp>
+      <p:cxnSp>
+        <p:nvCxnSpPr>
+          <p:cNvPr id="18" name="Straight Connector 17"/>
+          <p:cNvCxnSpPr/>
+          <p:nvPr/>
+        </p:nvCxnSpPr>
+        <p:spPr>
+          <a:xfrm>
+            <a:off x="1396169" y="2421466"/>
+            <a:ext cx="9407298" cy="0"/>
+          </a:xfrm>
+          <a:prstGeom prst="line">
+            <a:avLst/>
+          </a:prstGeom>
+          <a:ln w="15875"/>
+        </p:spPr>
+        <p:style>
+          <a:lnRef idx="2">
+            <a:schemeClr val="accent1"/>
+          </a:lnRef>
+          <a:fillRef idx="0">
+            <a:schemeClr val="accent1"/>
+          </a:fillRef>
+          <a:effectRef idx="1">
+            <a:schemeClr val="accent1"/>
+          </a:effectRef>
+          <a:fontRef idx="minor">
+            <a:schemeClr val="tx1"/>
+          </a:fontRef>
+        </p:style>
+      </p:cxnSp>
     </p:spTree>
     <p:extLst>
       <p:ext uri="{BB962C8B-B14F-4D97-AF65-F5344CB8AC3E}">
-        <p14:creationId xmlns:p14="http://schemas.microsoft.com/office/powerpoint/2010/main" val="1167601563"/>
+        <p14:creationId xmlns:p14="http://schemas.microsoft.com/office/powerpoint/2010/main" val="2588144567"/>
       </p:ext>
     </p:extLst>
   </p:cSld>
@@ -1909,13 +4708,7 @@
       </p:grpSpPr>
       <p:sp>
         <p:nvSpPr>
-          <p:cNvPr id="2" name="Title 1">
-            <a:extLst>
-              <a:ext uri="{FF2B5EF4-FFF2-40B4-BE49-F238E27FC236}">
-                <a16:creationId xmlns:a16="http://schemas.microsoft.com/office/drawing/2014/main" id="{54FC3DD6-1711-41A4-88C8-ED44986BB29C}"/>
-              </a:ext>
-            </a:extLst>
-          </p:cNvPr>
+          <p:cNvPr id="2" name="Title 1"/>
           <p:cNvSpPr>
             <a:spLocks noGrp="1"/>
           </p:cNvSpPr>
@@ -1932,18 +4725,13 @@
               <a:rPr lang="en-US"/>
               <a:t>Click to edit Master title style</a:t>
             </a:r>
-          </a:p>
-        </p:txBody>
-      </p:sp>
-      <p:sp>
-        <p:nvSpPr>
-          <p:cNvPr id="3" name="Date Placeholder 2">
-            <a:extLst>
-              <a:ext uri="{FF2B5EF4-FFF2-40B4-BE49-F238E27FC236}">
-                <a16:creationId xmlns:a16="http://schemas.microsoft.com/office/drawing/2014/main" id="{6A192DB4-5D49-4168-BCAD-B2ACDC1FEAA3}"/>
-              </a:ext>
-            </a:extLst>
-          </p:cNvPr>
+            <a:endParaRPr lang="en-US" dirty="0"/>
+          </a:p>
+        </p:txBody>
+      </p:sp>
+      <p:sp>
+        <p:nvSpPr>
+          <p:cNvPr id="3" name="Date Placeholder 2"/>
           <p:cNvSpPr>
             <a:spLocks noGrp="1"/>
           </p:cNvSpPr>
@@ -1966,13 +4754,7 @@
       </p:sp>
       <p:sp>
         <p:nvSpPr>
-          <p:cNvPr id="4" name="Footer Placeholder 3">
-            <a:extLst>
-              <a:ext uri="{FF2B5EF4-FFF2-40B4-BE49-F238E27FC236}">
-                <a16:creationId xmlns:a16="http://schemas.microsoft.com/office/drawing/2014/main" id="{93530C5B-030D-4503-B90E-B05D492773AA}"/>
-              </a:ext>
-            </a:extLst>
-          </p:cNvPr>
+          <p:cNvPr id="4" name="Footer Placeholder 3"/>
           <p:cNvSpPr>
             <a:spLocks noGrp="1"/>
           </p:cNvSpPr>
@@ -1991,13 +4773,7 @@
       </p:sp>
       <p:sp>
         <p:nvSpPr>
-          <p:cNvPr id="5" name="Slide Number Placeholder 4">
-            <a:extLst>
-              <a:ext uri="{FF2B5EF4-FFF2-40B4-BE49-F238E27FC236}">
-                <a16:creationId xmlns:a16="http://schemas.microsoft.com/office/drawing/2014/main" id="{67B8AD48-0858-49F1-98A5-FB8FA7BCE79B}"/>
-              </a:ext>
-            </a:extLst>
-          </p:cNvPr>
+          <p:cNvPr id="5" name="Slide Number Placeholder 4"/>
           <p:cNvSpPr>
             <a:spLocks noGrp="1"/>
           </p:cNvSpPr>
@@ -2018,10 +4794,41 @@
           </a:p>
         </p:txBody>
       </p:sp>
+      <p:cxnSp>
+        <p:nvCxnSpPr>
+          <p:cNvPr id="14" name="Straight Connector 13"/>
+          <p:cNvCxnSpPr/>
+          <p:nvPr/>
+        </p:nvCxnSpPr>
+        <p:spPr>
+          <a:xfrm>
+            <a:off x="1396169" y="2421466"/>
+            <a:ext cx="9407298" cy="0"/>
+          </a:xfrm>
+          <a:prstGeom prst="line">
+            <a:avLst/>
+          </a:prstGeom>
+          <a:ln w="15875"/>
+        </p:spPr>
+        <p:style>
+          <a:lnRef idx="2">
+            <a:schemeClr val="accent1"/>
+          </a:lnRef>
+          <a:fillRef idx="0">
+            <a:schemeClr val="accent1"/>
+          </a:fillRef>
+          <a:effectRef idx="1">
+            <a:schemeClr val="accent1"/>
+          </a:effectRef>
+          <a:fontRef idx="minor">
+            <a:schemeClr val="tx1"/>
+          </a:fontRef>
+        </p:style>
+      </p:cxnSp>
     </p:spTree>
     <p:extLst>
       <p:ext uri="{BB962C8B-B14F-4D97-AF65-F5344CB8AC3E}">
-        <p14:creationId xmlns:p14="http://schemas.microsoft.com/office/powerpoint/2010/main" val="2737994987"/>
+        <p14:creationId xmlns:p14="http://schemas.microsoft.com/office/powerpoint/2010/main" val="2672287489"/>
       </p:ext>
     </p:extLst>
   </p:cSld>
@@ -2050,13 +4857,7 @@
       </p:grpSpPr>
       <p:sp>
         <p:nvSpPr>
-          <p:cNvPr id="2" name="Date Placeholder 1">
-            <a:extLst>
-              <a:ext uri="{FF2B5EF4-FFF2-40B4-BE49-F238E27FC236}">
-                <a16:creationId xmlns:a16="http://schemas.microsoft.com/office/drawing/2014/main" id="{72B15D27-EDAC-4192-BBB8-7B7728BEC4C8}"/>
-              </a:ext>
-            </a:extLst>
-          </p:cNvPr>
+          <p:cNvPr id="2" name="Date Placeholder 1"/>
           <p:cNvSpPr>
             <a:spLocks noGrp="1"/>
           </p:cNvSpPr>
@@ -2079,13 +4880,7 @@
       </p:sp>
       <p:sp>
         <p:nvSpPr>
-          <p:cNvPr id="3" name="Footer Placeholder 2">
-            <a:extLst>
-              <a:ext uri="{FF2B5EF4-FFF2-40B4-BE49-F238E27FC236}">
-                <a16:creationId xmlns:a16="http://schemas.microsoft.com/office/drawing/2014/main" id="{0E3EFE35-3658-4AC7-A785-291116289773}"/>
-              </a:ext>
-            </a:extLst>
-          </p:cNvPr>
+          <p:cNvPr id="3" name="Footer Placeholder 2"/>
           <p:cNvSpPr>
             <a:spLocks noGrp="1"/>
           </p:cNvSpPr>
@@ -2104,13 +4899,7 @@
       </p:sp>
       <p:sp>
         <p:nvSpPr>
-          <p:cNvPr id="4" name="Slide Number Placeholder 3">
-            <a:extLst>
-              <a:ext uri="{FF2B5EF4-FFF2-40B4-BE49-F238E27FC236}">
-                <a16:creationId xmlns:a16="http://schemas.microsoft.com/office/drawing/2014/main" id="{410E9EE8-1FDB-4AD9-A2EC-AD0A9DF22475}"/>
-              </a:ext>
-            </a:extLst>
-          </p:cNvPr>
+          <p:cNvPr id="4" name="Slide Number Placeholder 3"/>
           <p:cNvSpPr>
             <a:spLocks noGrp="1"/>
           </p:cNvSpPr>
@@ -2134,7 +4923,7 @@
     </p:spTree>
     <p:extLst>
       <p:ext uri="{BB962C8B-B14F-4D97-AF65-F5344CB8AC3E}">
-        <p14:creationId xmlns:p14="http://schemas.microsoft.com/office/powerpoint/2010/main" val="1482298855"/>
+        <p14:creationId xmlns:p14="http://schemas.microsoft.com/office/powerpoint/2010/main" val="924180945"/>
       </p:ext>
     </p:extLst>
   </p:cSld>
@@ -2163,13 +4952,7 @@
       </p:grpSpPr>
       <p:sp>
         <p:nvSpPr>
-          <p:cNvPr id="2" name="Title 1">
-            <a:extLst>
-              <a:ext uri="{FF2B5EF4-FFF2-40B4-BE49-F238E27FC236}">
-                <a16:creationId xmlns:a16="http://schemas.microsoft.com/office/drawing/2014/main" id="{42E72DE7-32EA-4A5E-B97F-F7A9D24CD9EF}"/>
-              </a:ext>
-            </a:extLst>
-          </p:cNvPr>
+          <p:cNvPr id="2" name="Title 1"/>
           <p:cNvSpPr>
             <a:spLocks noGrp="1"/>
           </p:cNvSpPr>
@@ -2179,15 +4962,17 @@
         </p:nvSpPr>
         <p:spPr>
           <a:xfrm>
-            <a:off x="839788" y="457200"/>
-            <a:ext cx="3932237" cy="1600200"/>
+            <a:off x="1293811" y="1388534"/>
+            <a:ext cx="3718455" cy="1371600"/>
           </a:xfrm>
         </p:spPr>
         <p:txBody>
-          <a:bodyPr anchor="b"/>
+          <a:bodyPr anchor="b">
+            <a:normAutofit/>
+          </a:bodyPr>
           <a:lstStyle>
-            <a:lvl1pPr>
-              <a:defRPr sz="3200"/>
+            <a:lvl1pPr algn="ctr">
+              <a:defRPr sz="2400" b="0"/>
             </a:lvl1pPr>
           </a:lstStyle>
           <a:p>
@@ -2195,18 +4980,13 @@
               <a:rPr lang="en-US"/>
               <a:t>Click to edit Master title style</a:t>
             </a:r>
-          </a:p>
-        </p:txBody>
-      </p:sp>
-      <p:sp>
-        <p:nvSpPr>
-          <p:cNvPr id="3" name="Content Placeholder 2">
-            <a:extLst>
-              <a:ext uri="{FF2B5EF4-FFF2-40B4-BE49-F238E27FC236}">
-                <a16:creationId xmlns:a16="http://schemas.microsoft.com/office/drawing/2014/main" id="{E0CAF477-CDFA-46F0-BE78-214422AF7B93}"/>
-              </a:ext>
-            </a:extLst>
-          </p:cNvPr>
+            <a:endParaRPr lang="en-US" dirty="0"/>
+          </a:p>
+        </p:txBody>
+      </p:sp>
+      <p:sp>
+        <p:nvSpPr>
+          <p:cNvPr id="3" name="Content Placeholder 2"/>
           <p:cNvSpPr>
             <a:spLocks noGrp="1"/>
           </p:cNvSpPr>
@@ -2216,41 +4996,15 @@
         </p:nvSpPr>
         <p:spPr>
           <a:xfrm>
-            <a:off x="5183188" y="987425"/>
-            <a:ext cx="6172200" cy="4873625"/>
+            <a:off x="5418668" y="982131"/>
+            <a:ext cx="5469466" cy="4893735"/>
           </a:xfrm>
         </p:spPr>
         <p:txBody>
-          <a:bodyPr/>
-          <a:lstStyle>
-            <a:lvl1pPr>
-              <a:defRPr sz="3200"/>
-            </a:lvl1pPr>
-            <a:lvl2pPr>
-              <a:defRPr sz="2800"/>
-            </a:lvl2pPr>
-            <a:lvl3pPr>
-              <a:defRPr sz="2400"/>
-            </a:lvl3pPr>
-            <a:lvl4pPr>
-              <a:defRPr sz="2000"/>
-            </a:lvl4pPr>
-            <a:lvl5pPr>
-              <a:defRPr sz="2000"/>
-            </a:lvl5pPr>
-            <a:lvl6pPr>
-              <a:defRPr sz="2000"/>
-            </a:lvl6pPr>
-            <a:lvl7pPr>
-              <a:defRPr sz="2000"/>
-            </a:lvl7pPr>
-            <a:lvl8pPr>
-              <a:defRPr sz="2000"/>
-            </a:lvl8pPr>
-            <a:lvl9pPr>
-              <a:defRPr sz="2000"/>
-            </a:lvl9pPr>
-          </a:lstStyle>
+          <a:bodyPr anchor="ctr">
+            <a:normAutofit/>
+          </a:bodyPr>
+          <a:lstStyle/>
           <a:p>
             <a:pPr lvl="0"/>
             <a:r>
@@ -2285,18 +5039,13 @@
               <a:rPr lang="en-US"/>
               <a:t>Fifth level</a:t>
             </a:r>
-          </a:p>
-        </p:txBody>
-      </p:sp>
-      <p:sp>
-        <p:nvSpPr>
-          <p:cNvPr id="4" name="Text Placeholder 3">
-            <a:extLst>
-              <a:ext uri="{FF2B5EF4-FFF2-40B4-BE49-F238E27FC236}">
-                <a16:creationId xmlns:a16="http://schemas.microsoft.com/office/drawing/2014/main" id="{D1EFE8D1-CC0E-4E02-AFBF-978A09CE7C43}"/>
-              </a:ext>
-            </a:extLst>
-          </p:cNvPr>
+            <a:endParaRPr lang="en-US" dirty="0"/>
+          </a:p>
+        </p:txBody>
+      </p:sp>
+      <p:sp>
+        <p:nvSpPr>
+          <p:cNvPr id="4" name="Text Placeholder 3"/>
           <p:cNvSpPr>
             <a:spLocks noGrp="1"/>
           </p:cNvSpPr>
@@ -2306,48 +5055,50 @@
         </p:nvSpPr>
         <p:spPr>
           <a:xfrm>
-            <a:off x="839788" y="2057400"/>
-            <a:ext cx="3932237" cy="3811588"/>
+            <a:off x="1293811" y="3031065"/>
+            <a:ext cx="3718455" cy="2438404"/>
           </a:xfrm>
         </p:spPr>
         <p:txBody>
-          <a:bodyPr/>
+          <a:bodyPr anchor="t">
+            <a:normAutofit/>
+          </a:bodyPr>
           <a:lstStyle>
-            <a:lvl1pPr marL="0" indent="0">
+            <a:lvl1pPr marL="0" indent="0" algn="ctr">
               <a:buNone/>
               <a:defRPr sz="1600"/>
             </a:lvl1pPr>
             <a:lvl2pPr marL="457200" indent="0">
               <a:buNone/>
-              <a:defRPr sz="1400"/>
+              <a:defRPr sz="1200"/>
             </a:lvl2pPr>
             <a:lvl3pPr marL="914400" indent="0">
               <a:buNone/>
-              <a:defRPr sz="1200"/>
+              <a:defRPr sz="1000"/>
             </a:lvl3pPr>
             <a:lvl4pPr marL="1371600" indent="0">
               <a:buNone/>
-              <a:defRPr sz="1000"/>
+              <a:defRPr sz="900"/>
             </a:lvl4pPr>
             <a:lvl5pPr marL="1828800" indent="0">
               <a:buNone/>
-              <a:defRPr sz="1000"/>
+              <a:defRPr sz="900"/>
             </a:lvl5pPr>
             <a:lvl6pPr marL="2286000" indent="0">
               <a:buNone/>
-              <a:defRPr sz="1000"/>
+              <a:defRPr sz="900"/>
             </a:lvl6pPr>
             <a:lvl7pPr marL="2743200" indent="0">
               <a:buNone/>
-              <a:defRPr sz="1000"/>
+              <a:defRPr sz="900"/>
             </a:lvl7pPr>
             <a:lvl8pPr marL="3200400" indent="0">
               <a:buNone/>
-              <a:defRPr sz="1000"/>
+              <a:defRPr sz="900"/>
             </a:lvl8pPr>
             <a:lvl9pPr marL="3657600" indent="0">
               <a:buNone/>
-              <a:defRPr sz="1000"/>
+              <a:defRPr sz="900"/>
             </a:lvl9pPr>
           </a:lstStyle>
           <a:p>
@@ -2361,13 +5112,7 @@
       </p:sp>
       <p:sp>
         <p:nvSpPr>
-          <p:cNvPr id="5" name="Date Placeholder 4">
-            <a:extLst>
-              <a:ext uri="{FF2B5EF4-FFF2-40B4-BE49-F238E27FC236}">
-                <a16:creationId xmlns:a16="http://schemas.microsoft.com/office/drawing/2014/main" id="{9FAE23F2-DED5-4AEF-8C94-3142E3FEBBF7}"/>
-              </a:ext>
-            </a:extLst>
-          </p:cNvPr>
+          <p:cNvPr id="5" name="Date Placeholder 4"/>
           <p:cNvSpPr>
             <a:spLocks noGrp="1"/>
           </p:cNvSpPr>
@@ -2390,13 +5135,7 @@
       </p:sp>
       <p:sp>
         <p:nvSpPr>
-          <p:cNvPr id="6" name="Footer Placeholder 5">
-            <a:extLst>
-              <a:ext uri="{FF2B5EF4-FFF2-40B4-BE49-F238E27FC236}">
-                <a16:creationId xmlns:a16="http://schemas.microsoft.com/office/drawing/2014/main" id="{0C608CFB-4067-4BC4-AD76-5DCFFD6B9D73}"/>
-              </a:ext>
-            </a:extLst>
-          </p:cNvPr>
+          <p:cNvPr id="6" name="Footer Placeholder 5"/>
           <p:cNvSpPr>
             <a:spLocks noGrp="1"/>
           </p:cNvSpPr>
@@ -2415,13 +5154,7 @@
       </p:sp>
       <p:sp>
         <p:nvSpPr>
-          <p:cNvPr id="7" name="Slide Number Placeholder 6">
-            <a:extLst>
-              <a:ext uri="{FF2B5EF4-FFF2-40B4-BE49-F238E27FC236}">
-                <a16:creationId xmlns:a16="http://schemas.microsoft.com/office/drawing/2014/main" id="{B4FC426A-29B1-4974-898F-F1059A4F88DF}"/>
-              </a:ext>
-            </a:extLst>
-          </p:cNvPr>
+          <p:cNvPr id="7" name="Slide Number Placeholder 6"/>
           <p:cNvSpPr>
             <a:spLocks noGrp="1"/>
           </p:cNvSpPr>
@@ -2442,10 +5175,41 @@
           </a:p>
         </p:txBody>
       </p:sp>
+      <p:cxnSp>
+        <p:nvCxnSpPr>
+          <p:cNvPr id="16" name="Straight Connector 15"/>
+          <p:cNvCxnSpPr/>
+          <p:nvPr/>
+        </p:nvCxnSpPr>
+        <p:spPr>
+          <a:xfrm>
+            <a:off x="1396169" y="2912533"/>
+            <a:ext cx="3514498" cy="0"/>
+          </a:xfrm>
+          <a:prstGeom prst="line">
+            <a:avLst/>
+          </a:prstGeom>
+          <a:ln w="15875"/>
+        </p:spPr>
+        <p:style>
+          <a:lnRef idx="2">
+            <a:schemeClr val="accent1"/>
+          </a:lnRef>
+          <a:fillRef idx="0">
+            <a:schemeClr val="accent1"/>
+          </a:fillRef>
+          <a:effectRef idx="1">
+            <a:schemeClr val="accent1"/>
+          </a:effectRef>
+          <a:fontRef idx="minor">
+            <a:schemeClr val="tx1"/>
+          </a:fontRef>
+        </p:style>
+      </p:cxnSp>
     </p:spTree>
     <p:extLst>
       <p:ext uri="{BB962C8B-B14F-4D97-AF65-F5344CB8AC3E}">
-        <p14:creationId xmlns:p14="http://schemas.microsoft.com/office/powerpoint/2010/main" val="2862384186"/>
+        <p14:creationId xmlns:p14="http://schemas.microsoft.com/office/powerpoint/2010/main" val="1946872681"/>
       </p:ext>
     </p:extLst>
   </p:cSld>
@@ -2474,13 +5238,7 @@
       </p:grpSpPr>
       <p:sp>
         <p:nvSpPr>
-          <p:cNvPr id="2" name="Title 1">
-            <a:extLst>
-              <a:ext uri="{FF2B5EF4-FFF2-40B4-BE49-F238E27FC236}">
-                <a16:creationId xmlns:a16="http://schemas.microsoft.com/office/drawing/2014/main" id="{BA636C8D-BE3A-4C73-A1D4-F732B769D669}"/>
-              </a:ext>
-            </a:extLst>
-          </p:cNvPr>
+          <p:cNvPr id="2" name="Title 1"/>
           <p:cNvSpPr>
             <a:spLocks noGrp="1"/>
           </p:cNvSpPr>
@@ -2490,15 +5248,17 @@
         </p:nvSpPr>
         <p:spPr>
           <a:xfrm>
-            <a:off x="839788" y="457200"/>
-            <a:ext cx="3932237" cy="1600200"/>
+            <a:off x="1295399" y="1883832"/>
+            <a:ext cx="6241816" cy="1371600"/>
           </a:xfrm>
         </p:spPr>
         <p:txBody>
-          <a:bodyPr anchor="b"/>
+          <a:bodyPr anchor="b">
+            <a:normAutofit/>
+          </a:bodyPr>
           <a:lstStyle>
-            <a:lvl1pPr>
-              <a:defRPr sz="3200"/>
+            <a:lvl1pPr algn="ctr">
+              <a:defRPr sz="2800" b="0"/>
             </a:lvl1pPr>
           </a:lstStyle>
           <a:p>
@@ -2506,20 +5266,15 @@
               <a:rPr lang="en-US"/>
               <a:t>Click to edit Master title style</a:t>
             </a:r>
-          </a:p>
-        </p:txBody>
-      </p:sp>
-      <p:sp>
-        <p:nvSpPr>
-          <p:cNvPr id="3" name="Picture Placeholder 2">
-            <a:extLst>
-              <a:ext uri="{FF2B5EF4-FFF2-40B4-BE49-F238E27FC236}">
-                <a16:creationId xmlns:a16="http://schemas.microsoft.com/office/drawing/2014/main" id="{DB3E2259-60A8-49C6-9863-DCE332AE402A}"/>
-              </a:ext>
-            </a:extLst>
-          </p:cNvPr>
-          <p:cNvSpPr>
-            <a:spLocks noGrp="1"/>
+            <a:endParaRPr lang="en-US" dirty="0"/>
+          </a:p>
+        </p:txBody>
+      </p:sp>
+      <p:sp>
+        <p:nvSpPr>
+          <p:cNvPr id="17" name="Picture Placeholder 2"/>
+          <p:cNvSpPr>
+            <a:spLocks noGrp="1" noChangeAspect="1"/>
           </p:cNvSpPr>
           <p:nvPr>
             <p:ph type="pic" idx="1"/>
@@ -2527,118 +5282,141 @@
         </p:nvSpPr>
         <p:spPr>
           <a:xfrm>
-            <a:off x="5183188" y="987425"/>
-            <a:ext cx="6172200" cy="4873625"/>
+            <a:off x="8094831" y="1041400"/>
+            <a:ext cx="3063347" cy="4775200"/>
           </a:xfrm>
+          <a:prstGeom prst="roundRect">
+            <a:avLst>
+              <a:gd name="adj" fmla="val 0"/>
+            </a:avLst>
+          </a:prstGeom>
+          <a:ln w="57150" cmpd="thickThin">
+            <a:solidFill>
+              <a:schemeClr val="tx1">
+                <a:lumMod val="50000"/>
+                <a:lumOff val="50000"/>
+              </a:schemeClr>
+            </a:solidFill>
+            <a:miter lim="800000"/>
+          </a:ln>
+          <a:effectLst>
+            <a:innerShdw blurRad="57150" dist="38100" dir="14460000">
+              <a:srgbClr val="000000">
+                <a:alpha val="70000"/>
+              </a:srgbClr>
+            </a:innerShdw>
+          </a:effectLst>
         </p:spPr>
         <p:txBody>
-          <a:bodyPr/>
+          <a:bodyPr anchor="t">
+            <a:normAutofit/>
+          </a:bodyPr>
           <a:lstStyle>
-            <a:lvl1pPr marL="0" indent="0">
-              <a:buNone/>
-              <a:defRPr sz="3200"/>
-            </a:lvl1pPr>
-            <a:lvl2pPr marL="457200" indent="0">
-              <a:buNone/>
-              <a:defRPr sz="2800"/>
-            </a:lvl2pPr>
-            <a:lvl3pPr marL="914400" indent="0">
-              <a:buNone/>
-              <a:defRPr sz="2400"/>
-            </a:lvl3pPr>
-            <a:lvl4pPr marL="1371600" indent="0">
-              <a:buNone/>
-              <a:defRPr sz="2000"/>
-            </a:lvl4pPr>
-            <a:lvl5pPr marL="1828800" indent="0">
-              <a:buNone/>
-              <a:defRPr sz="2000"/>
-            </a:lvl5pPr>
-            <a:lvl6pPr marL="2286000" indent="0">
-              <a:buNone/>
-              <a:defRPr sz="2000"/>
-            </a:lvl6pPr>
-            <a:lvl7pPr marL="2743200" indent="0">
-              <a:buNone/>
-              <a:defRPr sz="2000"/>
-            </a:lvl7pPr>
-            <a:lvl8pPr marL="3200400" indent="0">
-              <a:buNone/>
-              <a:defRPr sz="2000"/>
-            </a:lvl8pPr>
-            <a:lvl9pPr marL="3657600" indent="0">
-              <a:buNone/>
-              <a:defRPr sz="2000"/>
-            </a:lvl9pPr>
-          </a:lstStyle>
-          <a:p>
-            <a:endParaRPr lang="en-US"/>
-          </a:p>
-        </p:txBody>
-      </p:sp>
-      <p:sp>
-        <p:nvSpPr>
-          <p:cNvPr id="4" name="Text Placeholder 3">
-            <a:extLst>
-              <a:ext uri="{FF2B5EF4-FFF2-40B4-BE49-F238E27FC236}">
-                <a16:creationId xmlns:a16="http://schemas.microsoft.com/office/drawing/2014/main" id="{939CD6D3-0CFB-4A90-96E1-D0F6FCA8E65E}"/>
-              </a:ext>
-            </a:extLst>
-          </p:cNvPr>
-          <p:cNvSpPr>
-            <a:spLocks noGrp="1"/>
-          </p:cNvSpPr>
-          <p:nvPr>
-            <p:ph type="body" sz="half" idx="2"/>
-          </p:nvPr>
-        </p:nvSpPr>
-        <p:spPr>
-          <a:xfrm>
-            <a:off x="839788" y="2057400"/>
-            <a:ext cx="3932237" cy="3811588"/>
-          </a:xfrm>
-        </p:spPr>
-        <p:txBody>
-          <a:bodyPr/>
-          <a:lstStyle>
-            <a:lvl1pPr marL="0" indent="0">
+            <a:lvl1pPr marL="0" indent="0" algn="ctr">
               <a:buNone/>
               <a:defRPr sz="1600"/>
             </a:lvl1pPr>
             <a:lvl2pPr marL="457200" indent="0">
               <a:buNone/>
-              <a:defRPr sz="1400"/>
+              <a:defRPr sz="1600"/>
             </a:lvl2pPr>
             <a:lvl3pPr marL="914400" indent="0">
               <a:buNone/>
-              <a:defRPr sz="1200"/>
+              <a:defRPr sz="1600"/>
             </a:lvl3pPr>
             <a:lvl4pPr marL="1371600" indent="0">
               <a:buNone/>
-              <a:defRPr sz="1000"/>
+              <a:defRPr sz="1600"/>
             </a:lvl4pPr>
             <a:lvl5pPr marL="1828800" indent="0">
               <a:buNone/>
-              <a:defRPr sz="1000"/>
+              <a:defRPr sz="1600"/>
             </a:lvl5pPr>
             <a:lvl6pPr marL="2286000" indent="0">
               <a:buNone/>
-              <a:defRPr sz="1000"/>
+              <a:defRPr sz="1600"/>
             </a:lvl6pPr>
             <a:lvl7pPr marL="2743200" indent="0">
               <a:buNone/>
-              <a:defRPr sz="1000"/>
+              <a:defRPr sz="1600"/>
             </a:lvl7pPr>
             <a:lvl8pPr marL="3200400" indent="0">
               <a:buNone/>
-              <a:defRPr sz="1000"/>
+              <a:defRPr sz="1600"/>
             </a:lvl8pPr>
             <a:lvl9pPr marL="3657600" indent="0">
               <a:buNone/>
-              <a:defRPr sz="1000"/>
+              <a:defRPr sz="1600"/>
             </a:lvl9pPr>
           </a:lstStyle>
           <a:p>
+            <a:r>
+              <a:rPr lang="en-US"/>
+              <a:t>Click icon to add picture</a:t>
+            </a:r>
+            <a:endParaRPr lang="en-US" dirty="0"/>
+          </a:p>
+        </p:txBody>
+      </p:sp>
+      <p:sp>
+        <p:nvSpPr>
+          <p:cNvPr id="4" name="Text Placeholder 3"/>
+          <p:cNvSpPr>
+            <a:spLocks noGrp="1"/>
+          </p:cNvSpPr>
+          <p:nvPr>
+            <p:ph type="body" sz="half" idx="2"/>
+          </p:nvPr>
+        </p:nvSpPr>
+        <p:spPr>
+          <a:xfrm>
+            <a:off x="1295399" y="3255432"/>
+            <a:ext cx="6241816" cy="1828800"/>
+          </a:xfrm>
+        </p:spPr>
+        <p:txBody>
+          <a:bodyPr anchor="t">
+            <a:normAutofit/>
+          </a:bodyPr>
+          <a:lstStyle>
+            <a:lvl1pPr marL="0" indent="0" algn="ctr">
+              <a:buNone/>
+              <a:defRPr sz="1800"/>
+            </a:lvl1pPr>
+            <a:lvl2pPr marL="457200" indent="0">
+              <a:buNone/>
+              <a:defRPr sz="1200"/>
+            </a:lvl2pPr>
+            <a:lvl3pPr marL="914400" indent="0">
+              <a:buNone/>
+              <a:defRPr sz="1000"/>
+            </a:lvl3pPr>
+            <a:lvl4pPr marL="1371600" indent="0">
+              <a:buNone/>
+              <a:defRPr sz="900"/>
+            </a:lvl4pPr>
+            <a:lvl5pPr marL="1828800" indent="0">
+              <a:buNone/>
+              <a:defRPr sz="900"/>
+            </a:lvl5pPr>
+            <a:lvl6pPr marL="2286000" indent="0">
+              <a:buNone/>
+              <a:defRPr sz="900"/>
+            </a:lvl6pPr>
+            <a:lvl7pPr marL="2743200" indent="0">
+              <a:buNone/>
+              <a:defRPr sz="900"/>
+            </a:lvl7pPr>
+            <a:lvl8pPr marL="3200400" indent="0">
+              <a:buNone/>
+              <a:defRPr sz="900"/>
+            </a:lvl8pPr>
+            <a:lvl9pPr marL="3657600" indent="0">
+              <a:buNone/>
+              <a:defRPr sz="900"/>
+            </a:lvl9pPr>
+          </a:lstStyle>
+          <a:p>
             <a:pPr lvl="0"/>
             <a:r>
               <a:rPr lang="en-US"/>
@@ -2649,13 +5427,7 @@
       </p:sp>
       <p:sp>
         <p:nvSpPr>
-          <p:cNvPr id="5" name="Date Placeholder 4">
-            <a:extLst>
-              <a:ext uri="{FF2B5EF4-FFF2-40B4-BE49-F238E27FC236}">
-                <a16:creationId xmlns:a16="http://schemas.microsoft.com/office/drawing/2014/main" id="{C2B4D5E3-6178-4BFB-B1F5-AE61A78DFDF0}"/>
-              </a:ext>
-            </a:extLst>
-          </p:cNvPr>
+          <p:cNvPr id="5" name="Date Placeholder 4"/>
           <p:cNvSpPr>
             <a:spLocks noGrp="1"/>
           </p:cNvSpPr>
@@ -2678,13 +5450,7 @@
       </p:sp>
       <p:sp>
         <p:nvSpPr>
-          <p:cNvPr id="6" name="Footer Placeholder 5">
-            <a:extLst>
-              <a:ext uri="{FF2B5EF4-FFF2-40B4-BE49-F238E27FC236}">
-                <a16:creationId xmlns:a16="http://schemas.microsoft.com/office/drawing/2014/main" id="{CB8DF0F5-9243-4830-AAFF-392FDD1A84B7}"/>
-              </a:ext>
-            </a:extLst>
-          </p:cNvPr>
+          <p:cNvPr id="6" name="Footer Placeholder 5"/>
           <p:cNvSpPr>
             <a:spLocks noGrp="1"/>
           </p:cNvSpPr>
@@ -2703,13 +5469,7 @@
       </p:sp>
       <p:sp>
         <p:nvSpPr>
-          <p:cNvPr id="7" name="Slide Number Placeholder 6">
-            <a:extLst>
-              <a:ext uri="{FF2B5EF4-FFF2-40B4-BE49-F238E27FC236}">
-                <a16:creationId xmlns:a16="http://schemas.microsoft.com/office/drawing/2014/main" id="{7DFEE39E-4B63-4650-AD65-7EC3C64F723F}"/>
-              </a:ext>
-            </a:extLst>
-          </p:cNvPr>
+          <p:cNvPr id="7" name="Slide Number Placeholder 6"/>
           <p:cNvSpPr>
             <a:spLocks noGrp="1"/>
           </p:cNvSpPr>
@@ -2733,7 +5493,7 @@
     </p:spTree>
     <p:extLst>
       <p:ext uri="{BB962C8B-B14F-4D97-AF65-F5344CB8AC3E}">
-        <p14:creationId xmlns:p14="http://schemas.microsoft.com/office/powerpoint/2010/main" val="2915170628"/>
+        <p14:creationId xmlns:p14="http://schemas.microsoft.com/office/powerpoint/2010/main" val="3464902712"/>
       </p:ext>
     </p:extLst>
   </p:cSld>
@@ -2747,7 +5507,7 @@
 <p:sldMaster xmlns:a="http://schemas.openxmlformats.org/drawingml/2006/main" xmlns:r="http://schemas.openxmlformats.org/officeDocument/2006/relationships" xmlns:p="http://schemas.openxmlformats.org/presentationml/2006/main">
   <p:cSld>
     <p:bg>
-      <p:bgRef idx="1001">
+      <p:bgRef idx="1003">
         <a:schemeClr val="bg1"/>
       </p:bgRef>
     </p:bg>
@@ -2765,15 +5525,146 @@
           <a:chExt cx="0" cy="0"/>
         </a:xfrm>
       </p:grpSpPr>
-      <p:sp>
-        <p:nvSpPr>
-          <p:cNvPr id="2" name="Title Placeholder 1">
-            <a:extLst>
-              <a:ext uri="{FF2B5EF4-FFF2-40B4-BE49-F238E27FC236}">
-                <a16:creationId xmlns:a16="http://schemas.microsoft.com/office/drawing/2014/main" id="{CD8C59CA-2C11-4121-802C-FB86C6B603E6}"/>
-              </a:ext>
-            </a:extLst>
-          </p:cNvPr>
+      <p:grpSp>
+        <p:nvGrpSpPr>
+          <p:cNvPr id="7" name="Group 6"/>
+          <p:cNvGrpSpPr/>
+          <p:nvPr/>
+        </p:nvGrpSpPr>
+        <p:grpSpPr>
+          <a:xfrm>
+            <a:off x="-15736" y="0"/>
+            <a:ext cx="12229962" cy="6856214"/>
+            <a:chOff x="-15736" y="0"/>
+            <a:chExt cx="12229962" cy="6856214"/>
+          </a:xfrm>
+        </p:grpSpPr>
+        <p:pic>
+          <p:nvPicPr>
+            <p:cNvPr id="8" name="Picture 7" descr="HD-PanelContent.png"/>
+            <p:cNvPicPr>
+              <a:picLocks noChangeAspect="1"/>
+            </p:cNvPicPr>
+            <p:nvPr/>
+          </p:nvPicPr>
+          <p:blipFill>
+            <a:blip r:embed="rId19">
+              <a:extLst>
+                <a:ext uri="{28A0092B-C50C-407E-A947-70E740481C1C}">
+                  <a14:useLocalDpi xmlns:a14="http://schemas.microsoft.com/office/drawing/2010/main" val="0"/>
+                </a:ext>
+              </a:extLst>
+            </a:blip>
+            <a:stretch>
+              <a:fillRect/>
+            </a:stretch>
+          </p:blipFill>
+          <p:spPr>
+            <a:xfrm>
+              <a:off x="0" y="0"/>
+              <a:ext cx="12188825" cy="6856214"/>
+            </a:xfrm>
+            <a:prstGeom prst="rect">
+              <a:avLst/>
+            </a:prstGeom>
+          </p:spPr>
+        </p:pic>
+        <p:sp>
+          <p:nvSpPr>
+            <p:cNvPr id="9" name="Rectangle 8"/>
+            <p:cNvSpPr/>
+            <p:nvPr/>
+          </p:nvSpPr>
+          <p:spPr>
+            <a:xfrm>
+              <a:off x="608012" y="609600"/>
+              <a:ext cx="10972800" cy="5638800"/>
+            </a:xfrm>
+            <a:prstGeom prst="rect">
+              <a:avLst/>
+            </a:prstGeom>
+            <a:noFill/>
+            <a:ln w="15875" cap="flat">
+              <a:miter lim="800000"/>
+            </a:ln>
+          </p:spPr>
+          <p:style>
+            <a:lnRef idx="1">
+              <a:schemeClr val="accent1"/>
+            </a:lnRef>
+            <a:fillRef idx="3">
+              <a:schemeClr val="accent1"/>
+            </a:fillRef>
+            <a:effectRef idx="2">
+              <a:schemeClr val="accent1"/>
+            </a:effectRef>
+            <a:fontRef idx="minor">
+              <a:schemeClr val="lt1"/>
+            </a:fontRef>
+          </p:style>
+        </p:sp>
+        <p:pic>
+          <p:nvPicPr>
+            <p:cNvPr id="10" name="Picture 9" descr="HDRibbonContent-UniformTrim.png"/>
+            <p:cNvPicPr>
+              <a:picLocks noChangeAspect="1"/>
+            </p:cNvPicPr>
+            <p:nvPr/>
+          </p:nvPicPr>
+          <p:blipFill rotWithShape="1">
+            <a:blip r:embed="rId20">
+              <a:extLst>
+                <a:ext uri="{28A0092B-C50C-407E-A947-70E740481C1C}">
+                  <a14:useLocalDpi xmlns:a14="http://schemas.microsoft.com/office/drawing/2010/main" val="0"/>
+                </a:ext>
+              </a:extLst>
+            </a:blip>
+            <a:srcRect/>
+            <a:stretch/>
+          </p:blipFill>
+          <p:spPr>
+            <a:xfrm>
+              <a:off x="-15736" y="3153832"/>
+              <a:ext cx="777240" cy="606425"/>
+            </a:xfrm>
+            <a:prstGeom prst="rect">
+              <a:avLst/>
+            </a:prstGeom>
+          </p:spPr>
+        </p:pic>
+        <p:pic>
+          <p:nvPicPr>
+            <p:cNvPr id="11" name="Picture 10" descr="HDRibbonContent-UniformTrim.png"/>
+            <p:cNvPicPr>
+              <a:picLocks noChangeAspect="1"/>
+            </p:cNvPicPr>
+            <p:nvPr/>
+          </p:nvPicPr>
+          <p:blipFill rotWithShape="1">
+            <a:blip r:embed="rId20">
+              <a:extLst>
+                <a:ext uri="{28A0092B-C50C-407E-A947-70E740481C1C}">
+                  <a14:useLocalDpi xmlns:a14="http://schemas.microsoft.com/office/drawing/2010/main" val="0"/>
+                </a:ext>
+              </a:extLst>
+            </a:blip>
+            <a:srcRect/>
+            <a:stretch/>
+          </p:blipFill>
+          <p:spPr>
+            <a:xfrm>
+              <a:off x="11436986" y="3153832"/>
+              <a:ext cx="777240" cy="606425"/>
+            </a:xfrm>
+            <a:prstGeom prst="rect">
+              <a:avLst/>
+            </a:prstGeom>
+          </p:spPr>
+        </p:pic>
+      </p:grpSp>
+      <p:sp>
+        <p:nvSpPr>
+          <p:cNvPr id="2" name="Title Placeholder 1"/>
           <p:cNvSpPr>
             <a:spLocks noGrp="1"/>
           </p:cNvSpPr>
@@ -2783,113 +5674,145 @@
         </p:nvSpPr>
         <p:spPr>
           <a:xfrm>
-            <a:off x="838200" y="365125"/>
-            <a:ext cx="10515600" cy="1325563"/>
+            <a:off x="1295402" y="982132"/>
+            <a:ext cx="9601196" cy="1303867"/>
+          </a:xfrm>
+          <a:prstGeom prst="rect">
+            <a:avLst/>
+          </a:prstGeom>
+          <a:effectLst/>
+        </p:spPr>
+        <p:txBody>
+          <a:bodyPr vert="horz" lIns="91440" tIns="45720" rIns="91440" bIns="45720" rtlCol="0" anchor="ctr">
+            <a:normAutofit/>
+          </a:bodyPr>
+          <a:lstStyle/>
+          <a:p>
+            <a:r>
+              <a:rPr lang="en-US"/>
+              <a:t>Click to edit Master title style</a:t>
+            </a:r>
+            <a:endParaRPr lang="en-US" dirty="0"/>
+          </a:p>
+        </p:txBody>
+      </p:sp>
+      <p:sp>
+        <p:nvSpPr>
+          <p:cNvPr id="3" name="Text Placeholder 2"/>
+          <p:cNvSpPr>
+            <a:spLocks noGrp="1"/>
+          </p:cNvSpPr>
+          <p:nvPr>
+            <p:ph type="body" idx="1"/>
+          </p:nvPr>
+        </p:nvSpPr>
+        <p:spPr>
+          <a:xfrm>
+            <a:off x="1295401" y="2556932"/>
+            <a:ext cx="9601196" cy="3318936"/>
           </a:xfrm>
           <a:prstGeom prst="rect">
             <a:avLst/>
           </a:prstGeom>
         </p:spPr>
         <p:txBody>
-          <a:bodyPr vert="horz" lIns="91440" tIns="45720" rIns="91440" bIns="45720" rtlCol="0" anchor="ctr">
+          <a:bodyPr vert="horz" lIns="91440" tIns="45720" rIns="91440" bIns="45720" rtlCol="0" anchor="t">
             <a:normAutofit/>
           </a:bodyPr>
           <a:lstStyle/>
           <a:p>
-            <a:r>
-              <a:rPr lang="en-US"/>
-              <a:t>Click to edit Master title style</a:t>
-            </a:r>
-          </a:p>
-        </p:txBody>
-      </p:sp>
-      <p:sp>
-        <p:nvSpPr>
-          <p:cNvPr id="3" name="Text Placeholder 2">
-            <a:extLst>
-              <a:ext uri="{FF2B5EF4-FFF2-40B4-BE49-F238E27FC236}">
-                <a16:creationId xmlns:a16="http://schemas.microsoft.com/office/drawing/2014/main" id="{3C7CD34B-96D9-48F6-88E6-5080BCDC15F3}"/>
-              </a:ext>
-            </a:extLst>
-          </p:cNvPr>
-          <p:cNvSpPr>
-            <a:spLocks noGrp="1"/>
-          </p:cNvSpPr>
-          <p:nvPr>
-            <p:ph type="body" idx="1"/>
+            <a:pPr lvl="0"/>
+            <a:r>
+              <a:rPr lang="en-US"/>
+              <a:t>Click to edit Master text styles</a:t>
+            </a:r>
+          </a:p>
+          <a:p>
+            <a:pPr lvl="1"/>
+            <a:r>
+              <a:rPr lang="en-US"/>
+              <a:t>Second level</a:t>
+            </a:r>
+          </a:p>
+          <a:p>
+            <a:pPr lvl="2"/>
+            <a:r>
+              <a:rPr lang="en-US"/>
+              <a:t>Third level</a:t>
+            </a:r>
+          </a:p>
+          <a:p>
+            <a:pPr lvl="3"/>
+            <a:r>
+              <a:rPr lang="en-US"/>
+              <a:t>Fourth level</a:t>
+            </a:r>
+          </a:p>
+          <a:p>
+            <a:pPr lvl="4"/>
+            <a:r>
+              <a:rPr lang="en-US"/>
+              <a:t>Fifth level</a:t>
+            </a:r>
+            <a:endParaRPr lang="en-US" dirty="0"/>
+          </a:p>
+        </p:txBody>
+      </p:sp>
+      <p:sp>
+        <p:nvSpPr>
+          <p:cNvPr id="4" name="Date Placeholder 3"/>
+          <p:cNvSpPr>
+            <a:spLocks noGrp="1"/>
+          </p:cNvSpPr>
+          <p:nvPr>
+            <p:ph type="dt" sz="half" idx="2"/>
           </p:nvPr>
         </p:nvSpPr>
         <p:spPr>
           <a:xfrm>
-            <a:off x="838200" y="1825625"/>
-            <a:ext cx="10515600" cy="4351338"/>
+            <a:off x="8677501" y="5969000"/>
+            <a:ext cx="1600200" cy="279400"/>
           </a:xfrm>
           <a:prstGeom prst="rect">
             <a:avLst/>
           </a:prstGeom>
         </p:spPr>
         <p:txBody>
-          <a:bodyPr vert="horz" lIns="91440" tIns="45720" rIns="91440" bIns="45720" rtlCol="0">
-            <a:normAutofit/>
-          </a:bodyPr>
-          <a:lstStyle/>
-          <a:p>
-            <a:pPr lvl="0"/>
-            <a:r>
-              <a:rPr lang="en-US"/>
-              <a:t>Click to edit Master text styles</a:t>
-            </a:r>
-          </a:p>
-          <a:p>
-            <a:pPr lvl="1"/>
-            <a:r>
-              <a:rPr lang="en-US"/>
-              <a:t>Second level</a:t>
-            </a:r>
-          </a:p>
-          <a:p>
-            <a:pPr lvl="2"/>
-            <a:r>
-              <a:rPr lang="en-US"/>
-              <a:t>Third level</a:t>
-            </a:r>
-          </a:p>
-          <a:p>
-            <a:pPr lvl="3"/>
-            <a:r>
-              <a:rPr lang="en-US"/>
-              <a:t>Fourth level</a:t>
-            </a:r>
-          </a:p>
-          <a:p>
-            <a:pPr lvl="4"/>
-            <a:r>
-              <a:rPr lang="en-US"/>
-              <a:t>Fifth level</a:t>
-            </a:r>
-          </a:p>
-        </p:txBody>
-      </p:sp>
-      <p:sp>
-        <p:nvSpPr>
-          <p:cNvPr id="4" name="Date Placeholder 3">
-            <a:extLst>
-              <a:ext uri="{FF2B5EF4-FFF2-40B4-BE49-F238E27FC236}">
-                <a16:creationId xmlns:a16="http://schemas.microsoft.com/office/drawing/2014/main" id="{F365AF40-88C2-4527-B11F-595CDB590C8B}"/>
-              </a:ext>
-            </a:extLst>
-          </p:cNvPr>
-          <p:cNvSpPr>
-            <a:spLocks noGrp="1"/>
-          </p:cNvSpPr>
-          <p:nvPr>
-            <p:ph type="dt" sz="half" idx="2"/>
+          <a:bodyPr vert="horz" lIns="91440" tIns="45720" rIns="91440" bIns="45720" rtlCol="0" anchor="ctr"/>
+          <a:lstStyle>
+            <a:lvl1pPr algn="r">
+              <a:defRPr sz="1000" b="0" i="0">
+                <a:solidFill>
+                  <a:schemeClr val="tx1"/>
+                </a:solidFill>
+                <a:effectLst/>
+                <a:latin typeface="+mn-lt"/>
+              </a:defRPr>
+            </a:lvl1pPr>
+          </a:lstStyle>
+          <a:p>
+            <a:fld id="{ED340025-97FB-45C2-8489-5CC4D8912124}" type="datetimeFigureOut">
+              <a:rPr lang="en-US" smtClean="0"/>
+              <a:t>12/5/2019</a:t>
+            </a:fld>
+            <a:endParaRPr lang="en-US"/>
+          </a:p>
+        </p:txBody>
+      </p:sp>
+      <p:sp>
+        <p:nvSpPr>
+          <p:cNvPr id="5" name="Footer Placeholder 4"/>
+          <p:cNvSpPr>
+            <a:spLocks noGrp="1"/>
+          </p:cNvSpPr>
+          <p:nvPr>
+            <p:ph type="ftr" sz="quarter" idx="3"/>
           </p:nvPr>
         </p:nvSpPr>
         <p:spPr>
           <a:xfrm>
-            <a:off x="838200" y="6356350"/>
-            <a:ext cx="2743200" cy="365125"/>
+            <a:off x="1295401" y="5969000"/>
+            <a:ext cx="7305900" cy="279400"/>
           </a:xfrm>
           <a:prstGeom prst="rect">
             <a:avLst/>
@@ -2899,44 +5822,34 @@
           <a:bodyPr vert="horz" lIns="91440" tIns="45720" rIns="91440" bIns="45720" rtlCol="0" anchor="ctr"/>
           <a:lstStyle>
             <a:lvl1pPr algn="l">
-              <a:defRPr sz="1200">
-                <a:solidFill>
-                  <a:schemeClr val="tx1">
-                    <a:tint val="75000"/>
-                  </a:schemeClr>
-                </a:solidFill>
+              <a:defRPr sz="1000" b="0" i="0">
+                <a:solidFill>
+                  <a:schemeClr val="tx1"/>
+                </a:solidFill>
+                <a:effectLst/>
+                <a:latin typeface="+mn-lt"/>
               </a:defRPr>
             </a:lvl1pPr>
           </a:lstStyle>
           <a:p>
-            <a:fld id="{ED340025-97FB-45C2-8489-5CC4D8912124}" type="datetimeFigureOut">
-              <a:rPr lang="en-US" smtClean="0"/>
-              <a:t>12/5/2019</a:t>
-            </a:fld>
             <a:endParaRPr lang="en-US"/>
           </a:p>
         </p:txBody>
       </p:sp>
       <p:sp>
         <p:nvSpPr>
-          <p:cNvPr id="5" name="Footer Placeholder 4">
-            <a:extLst>
-              <a:ext uri="{FF2B5EF4-FFF2-40B4-BE49-F238E27FC236}">
-                <a16:creationId xmlns:a16="http://schemas.microsoft.com/office/drawing/2014/main" id="{1B8DDE93-8DF5-4796-AD0F-7D6EE49D766C}"/>
-              </a:ext>
-            </a:extLst>
-          </p:cNvPr>
-          <p:cNvSpPr>
-            <a:spLocks noGrp="1"/>
-          </p:cNvSpPr>
-          <p:nvPr>
-            <p:ph type="ftr" sz="quarter" idx="3"/>
+          <p:cNvPr id="6" name="Slide Number Placeholder 5"/>
+          <p:cNvSpPr>
+            <a:spLocks noGrp="1"/>
+          </p:cNvSpPr>
+          <p:nvPr>
+            <p:ph type="sldNum" sz="quarter" idx="4"/>
           </p:nvPr>
         </p:nvSpPr>
         <p:spPr>
           <a:xfrm>
-            <a:off x="4038600" y="6356350"/>
-            <a:ext cx="4114800" cy="365125"/>
+            <a:off x="10353901" y="5969000"/>
+            <a:ext cx="542697" cy="279400"/>
           </a:xfrm>
           <a:prstGeom prst="rect">
             <a:avLst/>
@@ -2945,56 +5858,13 @@
         <p:txBody>
           <a:bodyPr vert="horz" lIns="91440" tIns="45720" rIns="91440" bIns="45720" rtlCol="0" anchor="ctr"/>
           <a:lstStyle>
-            <a:lvl1pPr algn="ctr">
-              <a:defRPr sz="1200">
-                <a:solidFill>
-                  <a:schemeClr val="tx1">
-                    <a:tint val="75000"/>
-                  </a:schemeClr>
-                </a:solidFill>
-              </a:defRPr>
-            </a:lvl1pPr>
-          </a:lstStyle>
-          <a:p>
-            <a:endParaRPr lang="en-US"/>
-          </a:p>
-        </p:txBody>
-      </p:sp>
-      <p:sp>
-        <p:nvSpPr>
-          <p:cNvPr id="6" name="Slide Number Placeholder 5">
-            <a:extLst>
-              <a:ext uri="{FF2B5EF4-FFF2-40B4-BE49-F238E27FC236}">
-                <a16:creationId xmlns:a16="http://schemas.microsoft.com/office/drawing/2014/main" id="{9DFCFC8C-467A-4A03-8CC4-8B0033612085}"/>
-              </a:ext>
-            </a:extLst>
-          </p:cNvPr>
-          <p:cNvSpPr>
-            <a:spLocks noGrp="1"/>
-          </p:cNvSpPr>
-          <p:nvPr>
-            <p:ph type="sldNum" sz="quarter" idx="4"/>
-          </p:nvPr>
-        </p:nvSpPr>
-        <p:spPr>
-          <a:xfrm>
-            <a:off x="8610600" y="6356350"/>
-            <a:ext cx="2743200" cy="365125"/>
-          </a:xfrm>
-          <a:prstGeom prst="rect">
-            <a:avLst/>
-          </a:prstGeom>
-        </p:spPr>
-        <p:txBody>
-          <a:bodyPr vert="horz" lIns="91440" tIns="45720" rIns="91440" bIns="45720" rtlCol="0" anchor="ctr"/>
-          <a:lstStyle>
             <a:lvl1pPr algn="r">
-              <a:defRPr sz="1200">
-                <a:solidFill>
-                  <a:schemeClr val="tx1">
-                    <a:tint val="75000"/>
-                  </a:schemeClr>
-                </a:solidFill>
+              <a:defRPr sz="1000" b="0" i="0">
+                <a:solidFill>
+                  <a:schemeClr val="tx1"/>
+                </a:solidFill>
+                <a:effectLst/>
+                <a:latin typeface="+mn-lt"/>
               </a:defRPr>
             </a:lvl1pPr>
           </a:lstStyle>
@@ -3010,202 +5880,340 @@
     </p:spTree>
     <p:extLst>
       <p:ext uri="{BB962C8B-B14F-4D97-AF65-F5344CB8AC3E}">
-        <p14:creationId xmlns:p14="http://schemas.microsoft.com/office/powerpoint/2010/main" val="2469335705"/>
+        <p14:creationId xmlns:p14="http://schemas.microsoft.com/office/powerpoint/2010/main" val="4036128777"/>
       </p:ext>
     </p:extLst>
   </p:cSld>
   <p:clrMap bg1="lt1" tx1="dk1" bg2="lt2" tx2="dk2" accent1="accent1" accent2="accent2" accent3="accent3" accent4="accent4" accent5="accent5" accent6="accent6" hlink="hlink" folHlink="folHlink"/>
   <p:sldLayoutIdLst>
-    <p:sldLayoutId id="2147483649" r:id="rId1"/>
-    <p:sldLayoutId id="2147483650" r:id="rId2"/>
-    <p:sldLayoutId id="2147483651" r:id="rId3"/>
-    <p:sldLayoutId id="2147483652" r:id="rId4"/>
-    <p:sldLayoutId id="2147483653" r:id="rId5"/>
-    <p:sldLayoutId id="2147483654" r:id="rId6"/>
-    <p:sldLayoutId id="2147483655" r:id="rId7"/>
-    <p:sldLayoutId id="2147483656" r:id="rId8"/>
-    <p:sldLayoutId id="2147483657" r:id="rId9"/>
-    <p:sldLayoutId id="2147483658" r:id="rId10"/>
-    <p:sldLayoutId id="2147483659" r:id="rId11"/>
+    <p:sldLayoutId id="2147483695" r:id="rId1"/>
+    <p:sldLayoutId id="2147483696" r:id="rId2"/>
+    <p:sldLayoutId id="2147483697" r:id="rId3"/>
+    <p:sldLayoutId id="2147483698" r:id="rId4"/>
+    <p:sldLayoutId id="2147483699" r:id="rId5"/>
+    <p:sldLayoutId id="2147483700" r:id="rId6"/>
+    <p:sldLayoutId id="2147483701" r:id="rId7"/>
+    <p:sldLayoutId id="2147483702" r:id="rId8"/>
+    <p:sldLayoutId id="2147483703" r:id="rId9"/>
+    <p:sldLayoutId id="2147483704" r:id="rId10"/>
+    <p:sldLayoutId id="2147483705" r:id="rId11"/>
+    <p:sldLayoutId id="2147483706" r:id="rId12"/>
+    <p:sldLayoutId id="2147483707" r:id="rId13"/>
+    <p:sldLayoutId id="2147483708" r:id="rId14"/>
+    <p:sldLayoutId id="2147483709" r:id="rId15"/>
+    <p:sldLayoutId id="2147483710" r:id="rId16"/>
+    <p:sldLayoutId id="2147483711" r:id="rId17"/>
   </p:sldLayoutIdLst>
   <p:txStyles>
     <p:titleStyle>
-      <a:lvl1pPr algn="l" defTabSz="914400" rtl="0" eaLnBrk="1" latinLnBrk="0" hangingPunct="1">
-        <a:lnSpc>
-          <a:spcPct val="90000"/>
-        </a:lnSpc>
+      <a:lvl1pPr algn="ctr" defTabSz="457200" rtl="0" eaLnBrk="1" latinLnBrk="0" hangingPunct="1">
         <a:spcBef>
           <a:spcPct val="0"/>
         </a:spcBef>
         <a:buNone/>
-        <a:defRPr sz="4400" kern="1200">
+        <a:defRPr sz="4400" kern="1200" cap="none">
+          <a:ln w="3175" cmpd="sng">
+            <a:noFill/>
+          </a:ln>
           <a:solidFill>
-            <a:schemeClr val="tx1"/>
+            <a:schemeClr val="tx1">
+              <a:lumMod val="85000"/>
+              <a:lumOff val="15000"/>
+            </a:schemeClr>
           </a:solidFill>
+          <a:effectLst/>
           <a:latin typeface="+mj-lt"/>
           <a:ea typeface="+mj-ea"/>
           <a:cs typeface="+mj-cs"/>
         </a:defRPr>
       </a:lvl1pPr>
+      <a:lvl2pPr eaLnBrk="1" hangingPunct="1">
+        <a:defRPr>
+          <a:solidFill>
+            <a:schemeClr val="tx2"/>
+          </a:solidFill>
+        </a:defRPr>
+      </a:lvl2pPr>
+      <a:lvl3pPr eaLnBrk="1" hangingPunct="1">
+        <a:defRPr>
+          <a:solidFill>
+            <a:schemeClr val="tx2"/>
+          </a:solidFill>
+        </a:defRPr>
+      </a:lvl3pPr>
+      <a:lvl4pPr eaLnBrk="1" hangingPunct="1">
+        <a:defRPr>
+          <a:solidFill>
+            <a:schemeClr val="tx2"/>
+          </a:solidFill>
+        </a:defRPr>
+      </a:lvl4pPr>
+      <a:lvl5pPr eaLnBrk="1" hangingPunct="1">
+        <a:defRPr>
+          <a:solidFill>
+            <a:schemeClr val="tx2"/>
+          </a:solidFill>
+        </a:defRPr>
+      </a:lvl5pPr>
+      <a:lvl6pPr eaLnBrk="1" hangingPunct="1">
+        <a:defRPr>
+          <a:solidFill>
+            <a:schemeClr val="tx2"/>
+          </a:solidFill>
+        </a:defRPr>
+      </a:lvl6pPr>
+      <a:lvl7pPr eaLnBrk="1" hangingPunct="1">
+        <a:defRPr>
+          <a:solidFill>
+            <a:schemeClr val="tx2"/>
+          </a:solidFill>
+        </a:defRPr>
+      </a:lvl7pPr>
+      <a:lvl8pPr eaLnBrk="1" hangingPunct="1">
+        <a:defRPr>
+          <a:solidFill>
+            <a:schemeClr val="tx2"/>
+          </a:solidFill>
+        </a:defRPr>
+      </a:lvl8pPr>
+      <a:lvl9pPr eaLnBrk="1" hangingPunct="1">
+        <a:defRPr>
+          <a:solidFill>
+            <a:schemeClr val="tx2"/>
+          </a:solidFill>
+        </a:defRPr>
+      </a:lvl9pPr>
     </p:titleStyle>
     <p:bodyStyle>
-      <a:lvl1pPr marL="228600" indent="-228600" algn="l" defTabSz="914400" rtl="0" eaLnBrk="1" latinLnBrk="0" hangingPunct="1">
-        <a:lnSpc>
-          <a:spcPct val="90000"/>
-        </a:lnSpc>
+      <a:lvl1pPr marL="285750" indent="-285750" algn="l" defTabSz="457200" rtl="0" eaLnBrk="1" latinLnBrk="0" hangingPunct="1">
         <a:spcBef>
-          <a:spcPts val="1000"/>
+          <a:spcPct val="20000"/>
         </a:spcBef>
-        <a:buFont typeface="Arial" panose="020B0604020202020204" pitchFamily="34" charset="0"/>
+        <a:spcAft>
+          <a:spcPts val="600"/>
+        </a:spcAft>
+        <a:buClr>
+          <a:schemeClr val="accent1"/>
+        </a:buClr>
+        <a:buSzPct val="115000"/>
+        <a:buFont typeface="Arial"/>
         <a:buChar char="•"/>
-        <a:defRPr sz="2800" kern="1200">
+        <a:defRPr sz="2400" kern="1200" cap="none">
           <a:solidFill>
-            <a:schemeClr val="tx1"/>
+            <a:schemeClr val="tx1">
+              <a:lumMod val="85000"/>
+              <a:lumOff val="15000"/>
+            </a:schemeClr>
           </a:solidFill>
+          <a:effectLst/>
           <a:latin typeface="+mn-lt"/>
           <a:ea typeface="+mn-ea"/>
           <a:cs typeface="+mn-cs"/>
         </a:defRPr>
       </a:lvl1pPr>
-      <a:lvl2pPr marL="685800" indent="-228600" algn="l" defTabSz="914400" rtl="0" eaLnBrk="1" latinLnBrk="0" hangingPunct="1">
-        <a:lnSpc>
-          <a:spcPct val="90000"/>
-        </a:lnSpc>
+      <a:lvl2pPr marL="742950" indent="-285750" algn="l" defTabSz="457200" rtl="0" eaLnBrk="1" latinLnBrk="0" hangingPunct="1">
         <a:spcBef>
-          <a:spcPts val="500"/>
+          <a:spcPct val="20000"/>
         </a:spcBef>
-        <a:buFont typeface="Arial" panose="020B0604020202020204" pitchFamily="34" charset="0"/>
+        <a:spcAft>
+          <a:spcPts val="600"/>
+        </a:spcAft>
+        <a:buClr>
+          <a:schemeClr val="accent1"/>
+        </a:buClr>
+        <a:buSzPct val="115000"/>
+        <a:buFont typeface="Arial"/>
         <a:buChar char="•"/>
-        <a:defRPr sz="2400" kern="1200">
+        <a:defRPr sz="2000" kern="1200" cap="none">
           <a:solidFill>
-            <a:schemeClr val="tx1"/>
+            <a:schemeClr val="tx1">
+              <a:lumMod val="85000"/>
+              <a:lumOff val="15000"/>
+            </a:schemeClr>
           </a:solidFill>
+          <a:effectLst/>
           <a:latin typeface="+mn-lt"/>
           <a:ea typeface="+mn-ea"/>
           <a:cs typeface="+mn-cs"/>
         </a:defRPr>
       </a:lvl2pPr>
-      <a:lvl3pPr marL="1143000" indent="-228600" algn="l" defTabSz="914400" rtl="0" eaLnBrk="1" latinLnBrk="0" hangingPunct="1">
-        <a:lnSpc>
-          <a:spcPct val="90000"/>
-        </a:lnSpc>
+      <a:lvl3pPr marL="1200150" indent="-285750" algn="l" defTabSz="457200" rtl="0" eaLnBrk="1" latinLnBrk="0" hangingPunct="1">
         <a:spcBef>
-          <a:spcPts val="500"/>
+          <a:spcPct val="20000"/>
         </a:spcBef>
-        <a:buFont typeface="Arial" panose="020B0604020202020204" pitchFamily="34" charset="0"/>
+        <a:spcAft>
+          <a:spcPts val="600"/>
+        </a:spcAft>
+        <a:buClr>
+          <a:schemeClr val="accent1"/>
+        </a:buClr>
+        <a:buSzPct val="115000"/>
+        <a:buFont typeface="Arial"/>
         <a:buChar char="•"/>
-        <a:defRPr sz="2000" kern="1200">
+        <a:defRPr sz="1800" kern="1200" cap="none">
           <a:solidFill>
-            <a:schemeClr val="tx1"/>
+            <a:schemeClr val="tx1">
+              <a:lumMod val="85000"/>
+              <a:lumOff val="15000"/>
+            </a:schemeClr>
           </a:solidFill>
+          <a:effectLst/>
           <a:latin typeface="+mn-lt"/>
           <a:ea typeface="+mn-ea"/>
           <a:cs typeface="+mn-cs"/>
         </a:defRPr>
       </a:lvl3pPr>
-      <a:lvl4pPr marL="1600200" indent="-228600" algn="l" defTabSz="914400" rtl="0" eaLnBrk="1" latinLnBrk="0" hangingPunct="1">
-        <a:lnSpc>
-          <a:spcPct val="90000"/>
-        </a:lnSpc>
+      <a:lvl4pPr marL="1543050" indent="-171450" algn="l" defTabSz="457200" rtl="0" eaLnBrk="1" latinLnBrk="0" hangingPunct="1">
         <a:spcBef>
-          <a:spcPts val="500"/>
+          <a:spcPct val="20000"/>
         </a:spcBef>
-        <a:buFont typeface="Arial" panose="020B0604020202020204" pitchFamily="34" charset="0"/>
+        <a:spcAft>
+          <a:spcPts val="600"/>
+        </a:spcAft>
+        <a:buClr>
+          <a:schemeClr val="accent1"/>
+        </a:buClr>
+        <a:buSzPct val="115000"/>
+        <a:buFont typeface="Arial"/>
         <a:buChar char="•"/>
-        <a:defRPr sz="1800" kern="1200">
+        <a:defRPr sz="1600" kern="1200" cap="none">
           <a:solidFill>
-            <a:schemeClr val="tx1"/>
+            <a:schemeClr val="tx1">
+              <a:lumMod val="85000"/>
+              <a:lumOff val="15000"/>
+            </a:schemeClr>
           </a:solidFill>
+          <a:effectLst/>
           <a:latin typeface="+mn-lt"/>
           <a:ea typeface="+mn-ea"/>
           <a:cs typeface="+mn-cs"/>
         </a:defRPr>
       </a:lvl4pPr>
-      <a:lvl5pPr marL="2057400" indent="-228600" algn="l" defTabSz="914400" rtl="0" eaLnBrk="1" latinLnBrk="0" hangingPunct="1">
-        <a:lnSpc>
-          <a:spcPct val="90000"/>
-        </a:lnSpc>
+      <a:lvl5pPr marL="2000250" indent="-171450" algn="l" defTabSz="457200" rtl="0" eaLnBrk="1" latinLnBrk="0" hangingPunct="1">
         <a:spcBef>
-          <a:spcPts val="500"/>
+          <a:spcPct val="20000"/>
         </a:spcBef>
-        <a:buFont typeface="Arial" panose="020B0604020202020204" pitchFamily="34" charset="0"/>
+        <a:spcAft>
+          <a:spcPts val="600"/>
+        </a:spcAft>
+        <a:buClr>
+          <a:schemeClr val="accent1"/>
+        </a:buClr>
+        <a:buSzPct val="115000"/>
+        <a:buFont typeface="Arial"/>
         <a:buChar char="•"/>
-        <a:defRPr sz="1800" kern="1200">
+        <a:defRPr sz="1400" kern="1200" cap="none">
           <a:solidFill>
-            <a:schemeClr val="tx1"/>
+            <a:schemeClr val="tx1">
+              <a:lumMod val="85000"/>
+              <a:lumOff val="15000"/>
+            </a:schemeClr>
           </a:solidFill>
+          <a:effectLst/>
           <a:latin typeface="+mn-lt"/>
           <a:ea typeface="+mn-ea"/>
           <a:cs typeface="+mn-cs"/>
         </a:defRPr>
       </a:lvl5pPr>
-      <a:lvl6pPr marL="2514600" indent="-228600" algn="l" defTabSz="914400" rtl="0" eaLnBrk="1" latinLnBrk="0" hangingPunct="1">
-        <a:lnSpc>
-          <a:spcPct val="90000"/>
-        </a:lnSpc>
+      <a:lvl6pPr marL="2514600" indent="-228600" algn="l" defTabSz="457200" rtl="0" eaLnBrk="1" latinLnBrk="0" hangingPunct="1">
         <a:spcBef>
-          <a:spcPts val="500"/>
+          <a:spcPct val="20000"/>
         </a:spcBef>
-        <a:buFont typeface="Arial" panose="020B0604020202020204" pitchFamily="34" charset="0"/>
+        <a:spcAft>
+          <a:spcPts val="600"/>
+        </a:spcAft>
+        <a:buClr>
+          <a:schemeClr val="accent1"/>
+        </a:buClr>
+        <a:buSzPct val="115000"/>
+        <a:buFont typeface="Arial"/>
         <a:buChar char="•"/>
-        <a:defRPr sz="1800" kern="1200">
+        <a:defRPr sz="1400" kern="1200" cap="none">
           <a:solidFill>
-            <a:schemeClr val="tx1"/>
+            <a:schemeClr val="tx1">
+              <a:lumMod val="85000"/>
+              <a:lumOff val="15000"/>
+            </a:schemeClr>
           </a:solidFill>
+          <a:effectLst/>
           <a:latin typeface="+mn-lt"/>
           <a:ea typeface="+mn-ea"/>
           <a:cs typeface="+mn-cs"/>
         </a:defRPr>
       </a:lvl6pPr>
-      <a:lvl7pPr marL="2971800" indent="-228600" algn="l" defTabSz="914400" rtl="0" eaLnBrk="1" latinLnBrk="0" hangingPunct="1">
-        <a:lnSpc>
-          <a:spcPct val="90000"/>
-        </a:lnSpc>
+      <a:lvl7pPr marL="2971800" indent="-228600" algn="l" defTabSz="457200" rtl="0" eaLnBrk="1" latinLnBrk="0" hangingPunct="1">
         <a:spcBef>
-          <a:spcPts val="500"/>
+          <a:spcPct val="20000"/>
         </a:spcBef>
-        <a:buFont typeface="Arial" panose="020B0604020202020204" pitchFamily="34" charset="0"/>
+        <a:spcAft>
+          <a:spcPts val="600"/>
+        </a:spcAft>
+        <a:buClr>
+          <a:schemeClr val="accent1"/>
+        </a:buClr>
+        <a:buSzPct val="115000"/>
+        <a:buFont typeface="Arial"/>
         <a:buChar char="•"/>
-        <a:defRPr sz="1800" kern="1200">
+        <a:defRPr sz="1400" kern="1200" cap="none">
           <a:solidFill>
-            <a:schemeClr val="tx1"/>
+            <a:schemeClr val="tx1">
+              <a:lumMod val="85000"/>
+              <a:lumOff val="15000"/>
+            </a:schemeClr>
           </a:solidFill>
+          <a:effectLst/>
           <a:latin typeface="+mn-lt"/>
           <a:ea typeface="+mn-ea"/>
           <a:cs typeface="+mn-cs"/>
         </a:defRPr>
       </a:lvl7pPr>
-      <a:lvl8pPr marL="3429000" indent="-228600" algn="l" defTabSz="914400" rtl="0" eaLnBrk="1" latinLnBrk="0" hangingPunct="1">
-        <a:lnSpc>
-          <a:spcPct val="90000"/>
-        </a:lnSpc>
+      <a:lvl8pPr marL="3429000" indent="-228600" algn="l" defTabSz="457200" rtl="0" eaLnBrk="1" latinLnBrk="0" hangingPunct="1">
         <a:spcBef>
-          <a:spcPts val="500"/>
+          <a:spcPct val="20000"/>
         </a:spcBef>
-        <a:buFont typeface="Arial" panose="020B0604020202020204" pitchFamily="34" charset="0"/>
+        <a:spcAft>
+          <a:spcPts val="600"/>
+        </a:spcAft>
+        <a:buClr>
+          <a:schemeClr val="accent1"/>
+        </a:buClr>
+        <a:buSzPct val="115000"/>
+        <a:buFont typeface="Arial"/>
         <a:buChar char="•"/>
-        <a:defRPr sz="1800" kern="1200">
+        <a:defRPr sz="1400" kern="1200" cap="none">
           <a:solidFill>
-            <a:schemeClr val="tx1"/>
+            <a:schemeClr val="tx1">
+              <a:lumMod val="85000"/>
+              <a:lumOff val="15000"/>
+            </a:schemeClr>
           </a:solidFill>
+          <a:effectLst/>
           <a:latin typeface="+mn-lt"/>
           <a:ea typeface="+mn-ea"/>
           <a:cs typeface="+mn-cs"/>
         </a:defRPr>
       </a:lvl8pPr>
-      <a:lvl9pPr marL="3886200" indent="-228600" algn="l" defTabSz="914400" rtl="0" eaLnBrk="1" latinLnBrk="0" hangingPunct="1">
-        <a:lnSpc>
-          <a:spcPct val="90000"/>
-        </a:lnSpc>
+      <a:lvl9pPr marL="3886200" indent="-228600" algn="l" defTabSz="457200" rtl="0" eaLnBrk="1" latinLnBrk="0" hangingPunct="1">
         <a:spcBef>
-          <a:spcPts val="500"/>
+          <a:spcPct val="20000"/>
         </a:spcBef>
-        <a:buFont typeface="Arial" panose="020B0604020202020204" pitchFamily="34" charset="0"/>
+        <a:spcAft>
+          <a:spcPts val="600"/>
+        </a:spcAft>
+        <a:buClr>
+          <a:schemeClr val="accent1"/>
+        </a:buClr>
+        <a:buSzPct val="115000"/>
+        <a:buFont typeface="Arial"/>
         <a:buChar char="•"/>
-        <a:defRPr sz="1800" kern="1200">
+        <a:defRPr sz="1400" kern="1200" cap="none">
           <a:solidFill>
-            <a:schemeClr val="tx1"/>
+            <a:schemeClr val="tx1">
+              <a:lumMod val="85000"/>
+              <a:lumOff val="15000"/>
+            </a:schemeClr>
           </a:solidFill>
+          <a:effectLst/>
           <a:latin typeface="+mn-lt"/>
           <a:ea typeface="+mn-ea"/>
           <a:cs typeface="+mn-cs"/>
@@ -3216,7 +6224,7 @@
       <a:defPPr>
         <a:defRPr lang="en-US"/>
       </a:defPPr>
-      <a:lvl1pPr marL="0" algn="l" defTabSz="914400" rtl="0" eaLnBrk="1" latinLnBrk="0" hangingPunct="1">
+      <a:lvl1pPr marL="0" algn="l" defTabSz="457200" rtl="0" eaLnBrk="1" latinLnBrk="0" hangingPunct="1">
         <a:defRPr sz="1800" kern="1200">
           <a:solidFill>
             <a:schemeClr val="tx1"/>
@@ -3226,7 +6234,7 @@
           <a:cs typeface="+mn-cs"/>
         </a:defRPr>
       </a:lvl1pPr>
-      <a:lvl2pPr marL="457200" algn="l" defTabSz="914400" rtl="0" eaLnBrk="1" latinLnBrk="0" hangingPunct="1">
+      <a:lvl2pPr marL="457200" algn="l" defTabSz="457200" rtl="0" eaLnBrk="1" latinLnBrk="0" hangingPunct="1">
         <a:defRPr sz="1800" kern="1200">
           <a:solidFill>
             <a:schemeClr val="tx1"/>
@@ -3236,7 +6244,7 @@
           <a:cs typeface="+mn-cs"/>
         </a:defRPr>
       </a:lvl2pPr>
-      <a:lvl3pPr marL="914400" algn="l" defTabSz="914400" rtl="0" eaLnBrk="1" latinLnBrk="0" hangingPunct="1">
+      <a:lvl3pPr marL="914400" algn="l" defTabSz="457200" rtl="0" eaLnBrk="1" latinLnBrk="0" hangingPunct="1">
         <a:defRPr sz="1800" kern="1200">
           <a:solidFill>
             <a:schemeClr val="tx1"/>
@@ -3246,7 +6254,7 @@
           <a:cs typeface="+mn-cs"/>
         </a:defRPr>
       </a:lvl3pPr>
-      <a:lvl4pPr marL="1371600" algn="l" defTabSz="914400" rtl="0" eaLnBrk="1" latinLnBrk="0" hangingPunct="1">
+      <a:lvl4pPr marL="1371600" algn="l" defTabSz="457200" rtl="0" eaLnBrk="1" latinLnBrk="0" hangingPunct="1">
         <a:defRPr sz="1800" kern="1200">
           <a:solidFill>
             <a:schemeClr val="tx1"/>
@@ -3256,7 +6264,7 @@
           <a:cs typeface="+mn-cs"/>
         </a:defRPr>
       </a:lvl4pPr>
-      <a:lvl5pPr marL="1828800" algn="l" defTabSz="914400" rtl="0" eaLnBrk="1" latinLnBrk="0" hangingPunct="1">
+      <a:lvl5pPr marL="1828800" algn="l" defTabSz="457200" rtl="0" eaLnBrk="1" latinLnBrk="0" hangingPunct="1">
         <a:defRPr sz="1800" kern="1200">
           <a:solidFill>
             <a:schemeClr val="tx1"/>
@@ -3266,7 +6274,7 @@
           <a:cs typeface="+mn-cs"/>
         </a:defRPr>
       </a:lvl5pPr>
-      <a:lvl6pPr marL="2286000" algn="l" defTabSz="914400" rtl="0" eaLnBrk="1" latinLnBrk="0" hangingPunct="1">
+      <a:lvl6pPr marL="2286000" algn="l" defTabSz="457200" rtl="0" eaLnBrk="1" latinLnBrk="0" hangingPunct="1">
         <a:defRPr sz="1800" kern="1200">
           <a:solidFill>
             <a:schemeClr val="tx1"/>
@@ -3276,7 +6284,7 @@
           <a:cs typeface="+mn-cs"/>
         </a:defRPr>
       </a:lvl6pPr>
-      <a:lvl7pPr marL="2743200" algn="l" defTabSz="914400" rtl="0" eaLnBrk="1" latinLnBrk="0" hangingPunct="1">
+      <a:lvl7pPr marL="2743200" algn="l" defTabSz="457200" rtl="0" eaLnBrk="1" latinLnBrk="0" hangingPunct="1">
         <a:defRPr sz="1800" kern="1200">
           <a:solidFill>
             <a:schemeClr val="tx1"/>
@@ -3286,7 +6294,7 @@
           <a:cs typeface="+mn-cs"/>
         </a:defRPr>
       </a:lvl7pPr>
-      <a:lvl8pPr marL="3200400" algn="l" defTabSz="914400" rtl="0" eaLnBrk="1" latinLnBrk="0" hangingPunct="1">
+      <a:lvl8pPr marL="3200400" algn="l" defTabSz="457200" rtl="0" eaLnBrk="1" latinLnBrk="0" hangingPunct="1">
         <a:defRPr sz="1800" kern="1200">
           <a:solidFill>
             <a:schemeClr val="tx1"/>
@@ -3296,7 +6304,7 @@
           <a:cs typeface="+mn-cs"/>
         </a:defRPr>
       </a:lvl8pPr>
-      <a:lvl9pPr marL="3657600" algn="l" defTabSz="914400" rtl="0" eaLnBrk="1" latinLnBrk="0" hangingPunct="1">
+      <a:lvl9pPr marL="3657600" algn="l" defTabSz="457200" rtl="0" eaLnBrk="1" latinLnBrk="0" hangingPunct="1">
         <a:defRPr sz="1800" kern="1200">
           <a:solidFill>
             <a:schemeClr val="tx1"/>
@@ -3404,13 +6412,8 @@
           <a:p>
             <a:r>
               <a:rPr lang="en-US" dirty="0"/>
-              <a:t>Tour </a:t>
-            </a:r>
-            <a:r>
-              <a:rPr lang="en-US" dirty="0" err="1"/>
-              <a:t>Consoltant</a:t>
-            </a:r>
-            <a:endParaRPr lang="en-US" dirty="0"/>
+              <a:t>Tour Consultant</a:t>
+            </a:r>
           </a:p>
         </p:txBody>
       </p:sp>
@@ -3620,7 +6623,32 @@
           <a:bodyPr/>
           <a:lstStyle/>
           <a:p>
-            <a:endParaRPr lang="en-US"/>
+            <a:r>
+              <a:rPr lang="en-US" dirty="0"/>
+              <a:t>Jasper National Park</a:t>
+            </a:r>
+          </a:p>
+          <a:p>
+            <a:pPr lvl="1"/>
+            <a:r>
+              <a:rPr lang="en-US" dirty="0"/>
+              <a:t>Visit the </a:t>
+            </a:r>
+            <a:r>
+              <a:rPr lang="en-US" dirty="0" err="1"/>
+              <a:t>Maligne</a:t>
+            </a:r>
+            <a:r>
+              <a:rPr lang="en-US" dirty="0"/>
+              <a:t> Valley</a:t>
+            </a:r>
+          </a:p>
+          <a:p>
+            <a:pPr lvl="1"/>
+            <a:r>
+              <a:rPr lang="en-US" dirty="0"/>
+              <a:t>Spectacular wildlife scenes</a:t>
+            </a:r>
           </a:p>
         </p:txBody>
       </p:sp>
@@ -3638,6 +6666,239 @@
 </file>
 
 <file path=ppt/theme/theme1.xml><?xml version="1.0" encoding="utf-8"?>
+<a:theme xmlns:a="http://schemas.openxmlformats.org/drawingml/2006/main" name="Organic">
+  <a:themeElements>
+    <a:clrScheme name="Organic">
+      <a:dk1>
+        <a:sysClr val="windowText" lastClr="000000"/>
+      </a:dk1>
+      <a:lt1>
+        <a:sysClr val="window" lastClr="FFFFFF"/>
+      </a:lt1>
+      <a:dk2>
+        <a:srgbClr val="212121"/>
+      </a:dk2>
+      <a:lt2>
+        <a:srgbClr val="DADADA"/>
+      </a:lt2>
+      <a:accent1>
+        <a:srgbClr val="83992A"/>
+      </a:accent1>
+      <a:accent2>
+        <a:srgbClr val="3C9770"/>
+      </a:accent2>
+      <a:accent3>
+        <a:srgbClr val="44709D"/>
+      </a:accent3>
+      <a:accent4>
+        <a:srgbClr val="A23C33"/>
+      </a:accent4>
+      <a:accent5>
+        <a:srgbClr val="D97828"/>
+      </a:accent5>
+      <a:accent6>
+        <a:srgbClr val="DEB340"/>
+      </a:accent6>
+      <a:hlink>
+        <a:srgbClr val="A8BF4D"/>
+      </a:hlink>
+      <a:folHlink>
+        <a:srgbClr val="B4CA80"/>
+      </a:folHlink>
+    </a:clrScheme>
+    <a:fontScheme name="Organic">
+      <a:majorFont>
+        <a:latin typeface="Garamond" panose="02020404030301010803"/>
+        <a:ea typeface=""/>
+        <a:cs typeface=""/>
+        <a:font script="Jpan" typeface="ＭＳ Ｐゴシック"/>
+        <a:font script="Hang" typeface="돋움"/>
+        <a:font script="Hans" typeface="方正舒体"/>
+        <a:font script="Hant" typeface="微軟正黑體"/>
+        <a:font script="Arab" typeface="Arial"/>
+        <a:font script="Hebr" typeface="Arial"/>
+        <a:font script="Thai" typeface="Cordia New"/>
+        <a:font script="Ethi" typeface="Nyala"/>
+        <a:font script="Beng" typeface="Vrinda"/>
+        <a:font script="Gujr" typeface="Shruti"/>
+        <a:font script="Khmr" typeface="DaunPenh"/>
+        <a:font script="Knda" typeface="Tunga"/>
+        <a:font script="Guru" typeface="Raavi"/>
+        <a:font script="Cans" typeface="Euphemia"/>
+        <a:font script="Cher" typeface="Plantagenet Cherokee"/>
+        <a:font script="Yiii" typeface="Microsoft Yi Baiti"/>
+        <a:font script="Tibt" typeface="Microsoft Himalaya"/>
+        <a:font script="Thaa" typeface="MV Boli"/>
+        <a:font script="Deva" typeface="Mangal"/>
+        <a:font script="Telu" typeface="Gautami"/>
+        <a:font script="Taml" typeface="Latha"/>
+        <a:font script="Syrc" typeface="Estrangelo Edessa"/>
+        <a:font script="Orya" typeface="Kalinga"/>
+        <a:font script="Mlym" typeface="Kartika"/>
+        <a:font script="Laoo" typeface="DokChampa"/>
+        <a:font script="Sinh" typeface="Iskoola Pota"/>
+        <a:font script="Mong" typeface="Mongolian Baiti"/>
+        <a:font script="Viet" typeface="Arial"/>
+        <a:font script="Uigh" typeface="Microsoft Uighur"/>
+        <a:font script="Geor" typeface="Sylfaen"/>
+      </a:majorFont>
+      <a:minorFont>
+        <a:latin typeface="Garamond" panose="02020404030301010803"/>
+        <a:ea typeface=""/>
+        <a:cs typeface=""/>
+        <a:font script="Jpan" typeface="ＭＳ Ｐ明朝"/>
+        <a:font script="Hang" typeface="바탕"/>
+        <a:font script="Hans" typeface="方正舒体"/>
+        <a:font script="Hant" typeface="新細明體"/>
+        <a:font script="Arab" typeface="Times New Roman"/>
+        <a:font script="Hebr" typeface="Times New Roman"/>
+        <a:font script="Thai" typeface="Angsana New"/>
+        <a:font script="Ethi" typeface="Nyala"/>
+        <a:font script="Beng" typeface="Vrinda"/>
+        <a:font script="Gujr" typeface="Shruti"/>
+        <a:font script="Khmr" typeface="MoolBoran"/>
+        <a:font script="Knda" typeface="Tunga"/>
+        <a:font script="Guru" typeface="Raavi"/>
+        <a:font script="Cans" typeface="Euphemia"/>
+        <a:font script="Cher" typeface="Plantagenet Cherokee"/>
+        <a:font script="Yiii" typeface="Microsoft Yi Baiti"/>
+        <a:font script="Tibt" typeface="Microsoft Himalaya"/>
+        <a:font script="Thaa" typeface="MV Boli"/>
+        <a:font script="Deva" typeface="Mangal"/>
+        <a:font script="Telu" typeface="Gautami"/>
+        <a:font script="Taml" typeface="Latha"/>
+        <a:font script="Syrc" typeface="Estrangelo Edessa"/>
+        <a:font script="Orya" typeface="Kalinga"/>
+        <a:font script="Mlym" typeface="Kartika"/>
+        <a:font script="Laoo" typeface="DokChampa"/>
+        <a:font script="Sinh" typeface="Iskoola Pota"/>
+        <a:font script="Mong" typeface="Mongolian Baiti"/>
+        <a:font script="Viet" typeface="Times New Roman"/>
+        <a:font script="Uigh" typeface="Microsoft Uighur"/>
+        <a:font script="Geor" typeface="Sylfaen"/>
+      </a:minorFont>
+    </a:fontScheme>
+    <a:fmtScheme name="Organic">
+      <a:fillStyleLst>
+        <a:solidFill>
+          <a:schemeClr val="phClr"/>
+        </a:solidFill>
+        <a:gradFill rotWithShape="1">
+          <a:gsLst>
+            <a:gs pos="0">
+              <a:schemeClr val="phClr">
+                <a:tint val="60000"/>
+                <a:lumMod val="110000"/>
+              </a:schemeClr>
+            </a:gs>
+            <a:gs pos="100000">
+              <a:schemeClr val="phClr">
+                <a:tint val="82000"/>
+              </a:schemeClr>
+            </a:gs>
+          </a:gsLst>
+          <a:lin ang="5400000" scaled="0"/>
+        </a:gradFill>
+        <a:blipFill>
+          <a:blip xmlns:r="http://schemas.openxmlformats.org/officeDocument/2006/relationships" r:embed="rId1">
+            <a:duotone>
+              <a:schemeClr val="phClr">
+                <a:shade val="74000"/>
+                <a:satMod val="130000"/>
+                <a:lumMod val="90000"/>
+              </a:schemeClr>
+              <a:schemeClr val="phClr">
+                <a:tint val="94000"/>
+                <a:satMod val="120000"/>
+                <a:lumMod val="104000"/>
+              </a:schemeClr>
+            </a:duotone>
+          </a:blip>
+          <a:tile tx="0" ty="0" sx="100000" sy="100000" flip="none" algn="tl"/>
+        </a:blipFill>
+      </a:fillStyleLst>
+      <a:lnStyleLst>
+        <a:ln w="9525" cap="flat" cmpd="sng" algn="ctr">
+          <a:solidFill>
+            <a:schemeClr val="phClr"/>
+          </a:solidFill>
+          <a:prstDash val="solid"/>
+        </a:ln>
+        <a:ln w="15875" cap="flat" cmpd="sng" algn="ctr">
+          <a:solidFill>
+            <a:schemeClr val="phClr"/>
+          </a:solidFill>
+          <a:prstDash val="solid"/>
+        </a:ln>
+        <a:ln w="25400" cap="flat" cmpd="sng" algn="ctr">
+          <a:solidFill>
+            <a:schemeClr val="phClr"/>
+          </a:solidFill>
+          <a:prstDash val="solid"/>
+        </a:ln>
+      </a:lnStyleLst>
+      <a:effectStyleLst>
+        <a:effectStyle>
+          <a:effectLst/>
+        </a:effectStyle>
+        <a:effectStyle>
+          <a:effectLst>
+            <a:innerShdw blurRad="25400" dist="12700" dir="13500000">
+              <a:srgbClr val="000000">
+                <a:alpha val="45000"/>
+              </a:srgbClr>
+            </a:innerShdw>
+          </a:effectLst>
+        </a:effectStyle>
+        <a:effectStyle>
+          <a:effectLst>
+            <a:outerShdw blurRad="38100" dist="25400" dir="5400000" rotWithShape="0">
+              <a:srgbClr val="000000">
+                <a:alpha val="60000"/>
+              </a:srgbClr>
+            </a:outerShdw>
+          </a:effectLst>
+        </a:effectStyle>
+      </a:effectStyleLst>
+      <a:bgFillStyleLst>
+        <a:solidFill>
+          <a:schemeClr val="phClr"/>
+        </a:solidFill>
+        <a:gradFill rotWithShape="1">
+          <a:gsLst>
+            <a:gs pos="0">
+              <a:schemeClr val="phClr">
+                <a:tint val="90000"/>
+                <a:lumMod val="110000"/>
+              </a:schemeClr>
+            </a:gs>
+            <a:gs pos="100000">
+              <a:schemeClr val="phClr">
+                <a:shade val="88000"/>
+                <a:lumMod val="98000"/>
+              </a:schemeClr>
+            </a:gs>
+          </a:gsLst>
+          <a:lin ang="5400000" scaled="0"/>
+        </a:gradFill>
+        <a:blipFill>
+          <a:blip xmlns:r="http://schemas.openxmlformats.org/officeDocument/2006/relationships" r:embed="rId2"/>
+          <a:stretch/>
+        </a:blipFill>
+      </a:bgFillStyleLst>
+    </a:fmtScheme>
+  </a:themeElements>
+  <a:objectDefaults/>
+  <a:extraClrSchemeLst/>
+  <a:extLst>
+    <a:ext uri="{05A4C25C-085E-4340-85A3-A5531E510DB2}">
+      <thm15:themeFamily xmlns:thm15="http://schemas.microsoft.com/office/thememl/2012/main" name="Organic" id="{28CDC826-8792-45C0-861B-85EB3ADEDA33}" vid="{7DAC20F1-423D-49E2-BD0B-50532748BAD0}"/>
+    </a:ext>
+  </a:extLst>
+</a:theme>
+</file>
+
+<file path=ppt/theme/theme2.xml><?xml version="1.0" encoding="utf-8"?>
 <a:theme xmlns:a="http://schemas.openxmlformats.org/drawingml/2006/main" name="Office Theme">
   <a:themeElements>
     <a:clrScheme name="Office">
